--- a/Covid-19 in Mexico analysis.pptx
+++ b/Covid-19 in Mexico analysis.pptx
@@ -1361,7 +1361,7 @@
           <a:graphicData uri="http://schemas.openxmlformats.org/presentationml/2006/ole">
             <mc:AlternateContent xmlns:mc="http://schemas.openxmlformats.org/markup-compatibility/2006">
               <mc:Choice xmlns:v="urn:schemas-microsoft-com:vml" Requires="v">
-                <p:oleObj spid="_x0000_s18501" name="think-cell Slide" r:id="rId4" imgW="270" imgH="270" progId="TCLayout.ActiveDocument.1">
+                <p:oleObj spid="_x0000_s18504" name="think-cell Slide" r:id="rId4" imgW="270" imgH="270" progId="TCLayout.ActiveDocument.1">
                   <p:embed/>
                 </p:oleObj>
               </mc:Choice>
@@ -3279,7 +3279,7 @@
           <a:graphicData uri="http://schemas.openxmlformats.org/presentationml/2006/ole">
             <mc:AlternateContent xmlns:mc="http://schemas.openxmlformats.org/markup-compatibility/2006">
               <mc:Choice xmlns:v="urn:schemas-microsoft-com:vml" Requires="v">
-                <p:oleObj spid="_x0000_s2168" name="think-cell Slide" r:id="rId4" imgW="270" imgH="270" progId="TCLayout.ActiveDocument.1">
+                <p:oleObj spid="_x0000_s2171" name="think-cell Slide" r:id="rId4" imgW="270" imgH="270" progId="TCLayout.ActiveDocument.1">
                   <p:embed/>
                 </p:oleObj>
               </mc:Choice>
@@ -5374,7 +5374,7 @@
           <a:graphicData uri="http://schemas.openxmlformats.org/presentationml/2006/ole">
             <mc:AlternateContent xmlns:mc="http://schemas.openxmlformats.org/markup-compatibility/2006">
               <mc:Choice xmlns:v="urn:schemas-microsoft-com:vml" Requires="v">
-                <p:oleObj spid="_x0000_s1144" name="think-cell Slide" r:id="rId11" imgW="270" imgH="270" progId="TCLayout.ActiveDocument.1">
+                <p:oleObj spid="_x0000_s1147" name="think-cell Slide" r:id="rId11" imgW="270" imgH="270" progId="TCLayout.ActiveDocument.1">
                   <p:embed/>
                 </p:oleObj>
               </mc:Choice>
@@ -6197,7 +6197,7 @@
           <a:graphicData uri="http://schemas.openxmlformats.org/presentationml/2006/ole">
             <mc:AlternateContent xmlns:mc="http://schemas.openxmlformats.org/markup-compatibility/2006">
               <mc:Choice xmlns:v="urn:schemas-microsoft-com:vml" Requires="v">
-                <p:oleObj spid="_x0000_s17478" name="think-cell Slide" r:id="rId11" imgW="270" imgH="270" progId="TCLayout.ActiveDocument.1">
+                <p:oleObj spid="_x0000_s17481" name="think-cell Slide" r:id="rId11" imgW="270" imgH="270" progId="TCLayout.ActiveDocument.1">
                   <p:embed/>
                 </p:oleObj>
               </mc:Choice>
@@ -7017,7 +7017,7 @@
           <a:graphicData uri="http://schemas.openxmlformats.org/presentationml/2006/ole">
             <mc:AlternateContent xmlns:mc="http://schemas.openxmlformats.org/markup-compatibility/2006">
               <mc:Choice xmlns:v="urn:schemas-microsoft-com:vml" Requires="v">
-                <p:oleObj spid="_x0000_s46118" name="think-cell Slide" r:id="rId5" imgW="473" imgH="473" progId="TCLayout.ActiveDocument.1">
+                <p:oleObj spid="_x0000_s46121" name="think-cell Slide" r:id="rId5" imgW="473" imgH="473" progId="TCLayout.ActiveDocument.1">
                   <p:embed/>
                 </p:oleObj>
               </mc:Choice>
@@ -7364,7 +7364,7 @@
           <a:graphicData uri="http://schemas.openxmlformats.org/presentationml/2006/ole">
             <mc:AlternateContent xmlns:mc="http://schemas.openxmlformats.org/markup-compatibility/2006">
               <mc:Choice xmlns:v="urn:schemas-microsoft-com:vml" Requires="v">
-                <p:oleObj spid="_x0000_s51239" name="think-cell Slide" r:id="rId6" imgW="473" imgH="473" progId="TCLayout.ActiveDocument.1">
+                <p:oleObj spid="_x0000_s51242" name="think-cell Slide" r:id="rId6" imgW="473" imgH="473" progId="TCLayout.ActiveDocument.1">
                   <p:embed/>
                 </p:oleObj>
               </mc:Choice>
@@ -8384,7 +8384,7 @@
                   <a:srgbClr val="00B0F0"/>
                 </a:solidFill>
               </a:rPr>
-              <a:t>42 Hospital in Valle has no availability for patients with Covid-19</a:t>
+              <a:t>42 Hospital in Valle have no availability for patients with Covid-19</a:t>
             </a:r>
             <a:endParaRPr lang="en-US" sz="1400" b="1" dirty="0">
               <a:solidFill>
@@ -8556,7 +8556,7 @@
           <a:graphicData uri="http://schemas.openxmlformats.org/presentationml/2006/ole">
             <mc:AlternateContent xmlns:mc="http://schemas.openxmlformats.org/markup-compatibility/2006">
               <mc:Choice xmlns:v="urn:schemas-microsoft-com:vml" Requires="v">
-                <p:oleObj spid="_x0000_s57355" name="think-cell Slide" r:id="rId5" imgW="473" imgH="473" progId="TCLayout.ActiveDocument.1">
+                <p:oleObj spid="_x0000_s57358" name="think-cell Slide" r:id="rId5" imgW="473" imgH="473" progId="TCLayout.ActiveDocument.1">
                   <p:embed/>
                 </p:oleObj>
               </mc:Choice>
@@ -9374,7 +9374,7 @@
           <a:graphicData uri="http://schemas.openxmlformats.org/presentationml/2006/ole">
             <mc:AlternateContent xmlns:mc="http://schemas.openxmlformats.org/markup-compatibility/2006">
               <mc:Choice xmlns:v="urn:schemas-microsoft-com:vml" Requires="v">
-                <p:oleObj spid="_x0000_s56336" name="think-cell Slide" r:id="rId5" imgW="473" imgH="473" progId="TCLayout.ActiveDocument.1">
+                <p:oleObj spid="_x0000_s56339" name="think-cell Slide" r:id="rId5" imgW="473" imgH="473" progId="TCLayout.ActiveDocument.1">
                   <p:embed/>
                 </p:oleObj>
               </mc:Choice>
@@ -9838,7 +9838,7 @@
           <a:graphicData uri="http://schemas.openxmlformats.org/presentationml/2006/ole">
             <mc:AlternateContent xmlns:mc="http://schemas.openxmlformats.org/markup-compatibility/2006">
               <mc:Choice xmlns:v="urn:schemas-microsoft-com:vml" Requires="v">
-                <p:oleObj spid="_x0000_s47139" name="think-cell Slide" r:id="rId15" imgW="473" imgH="473" progId="TCLayout.ActiveDocument.1">
+                <p:oleObj spid="_x0000_s47142" name="think-cell Slide" r:id="rId15" imgW="473" imgH="473" progId="TCLayout.ActiveDocument.1">
                   <p:embed/>
                 </p:oleObj>
               </mc:Choice>
@@ -10797,7 +10797,7 @@
               <a:rPr lang="en-US" sz="1200" dirty="0">
                 <a:ea typeface="+mj-ea"/>
               </a:rPr>
-              <a:t>Can enter us directly through our eyes nose or mouth</a:t>
+              <a:t>Can enter us directly through our eyes, nose or mouth</a:t>
             </a:r>
           </a:p>
           <a:p>
@@ -10971,23 +10971,7 @@
                   <a:schemeClr val="bg1"/>
                 </a:solidFill>
               </a:rPr>
-              <a:t>Covid-19 </a:t>
-            </a:r>
-            <a:r>
-              <a:rPr lang="en-US" sz="1400" b="1" dirty="0" err="1">
-                <a:solidFill>
-                  <a:schemeClr val="bg1"/>
-                </a:solidFill>
-              </a:rPr>
-              <a:t>Curent</a:t>
-            </a:r>
-            <a:r>
-              <a:rPr lang="en-US" sz="1400" b="1" dirty="0">
-                <a:solidFill>
-                  <a:schemeClr val="bg1"/>
-                </a:solidFill>
-              </a:rPr>
-              <a:t> Rate of Transmission of 4%</a:t>
+              <a:t>Covid-19 Current Rate of Transmission of 4%</a:t>
             </a:r>
           </a:p>
         </p:txBody>
@@ -11034,7 +11018,7 @@
               <a:rPr lang="en-US" sz="800" dirty="0">
                 <a:ea typeface="+mj-ea"/>
               </a:rPr>
-              <a:t>Jan 1: China reporter a cluster of cases of pneumonia</a:t>
+              <a:t>Jan 1: China reported a cluster of cases of pneumonia</a:t>
             </a:r>
           </a:p>
         </p:txBody>
@@ -11222,7 +11206,7 @@
               <a:rPr lang="en-US" sz="800" dirty="0">
                 <a:ea typeface="+mj-ea"/>
               </a:rPr>
-              <a:t>Mar 24: Stage 2 Starts: Local disease transmission</a:t>
+              <a:t>Mar 24: Stage 2 starts: Local disease transmission</a:t>
             </a:r>
           </a:p>
         </p:txBody>
@@ -11267,7 +11251,7 @@
             </a:pPr>
             <a:r>
               <a:rPr lang="en-US" sz="800" dirty="0"/>
-              <a:t>April 21: Stage 3 Starts: Thousands of cases in different regions across the country</a:t>
+              <a:t>April 21: Stage 3 starts: Thousands of cases in different regions across the country</a:t>
             </a:r>
             <a:endParaRPr lang="en-US" sz="800" dirty="0">
               <a:ea typeface="+mj-ea"/>
@@ -13905,7 +13889,7 @@
                   <a:srgbClr val="00B0F0"/>
                 </a:solidFill>
               </a:rPr>
-              <a:t>Total Test Preformed</a:t>
+              <a:t>Total Test Performed</a:t>
             </a:r>
           </a:p>
           <a:p>
@@ -14977,7 +14961,7 @@
           <a:graphicData uri="http://schemas.openxmlformats.org/presentationml/2006/ole">
             <mc:AlternateContent xmlns:mc="http://schemas.openxmlformats.org/markup-compatibility/2006">
               <mc:Choice xmlns:v="urn:schemas-microsoft-com:vml" Requires="v">
-                <p:oleObj spid="_x0000_s50215" name="think-cell Slide" r:id="rId6" imgW="473" imgH="473" progId="TCLayout.ActiveDocument.1">
+                <p:oleObj spid="_x0000_s50218" name="think-cell Slide" r:id="rId6" imgW="473" imgH="473" progId="TCLayout.ActiveDocument.1">
                   <p:embed/>
                 </p:oleObj>
               </mc:Choice>
@@ -16005,7 +15989,7 @@
           <a:graphicData uri="http://schemas.openxmlformats.org/presentationml/2006/ole">
             <mc:AlternateContent xmlns:mc="http://schemas.openxmlformats.org/markup-compatibility/2006">
               <mc:Choice xmlns:v="urn:schemas-microsoft-com:vml" Requires="v">
-                <p:oleObj spid="_x0000_s48172" name="think-cell Slide" r:id="rId6" imgW="473" imgH="473" progId="TCLayout.ActiveDocument.1">
+                <p:oleObj spid="_x0000_s48175" name="think-cell Slide" r:id="rId6" imgW="473" imgH="473" progId="TCLayout.ActiveDocument.1">
                   <p:embed/>
                 </p:oleObj>
               </mc:Choice>
@@ -17096,7 +17080,7 @@
           <a:graphicData uri="http://schemas.openxmlformats.org/presentationml/2006/ole">
             <mc:AlternateContent xmlns:mc="http://schemas.openxmlformats.org/markup-compatibility/2006">
               <mc:Choice xmlns:v="urn:schemas-microsoft-com:vml" Requires="v">
-                <p:oleObj spid="_x0000_s49191" name="think-cell Slide" r:id="rId7" imgW="473" imgH="473" progId="TCLayout.ActiveDocument.1">
+                <p:oleObj spid="_x0000_s49194" name="think-cell Slide" r:id="rId7" imgW="473" imgH="473" progId="TCLayout.ActiveDocument.1">
                   <p:embed/>
                 </p:oleObj>
               </mc:Choice>
@@ -17665,7 +17649,7 @@
           <a:graphicData uri="http://schemas.openxmlformats.org/presentationml/2006/ole">
             <mc:AlternateContent xmlns:mc="http://schemas.openxmlformats.org/markup-compatibility/2006">
               <mc:Choice xmlns:v="urn:schemas-microsoft-com:vml" Requires="v">
-                <p:oleObj spid="_x0000_s52258" name="think-cell Slide" r:id="rId5" imgW="473" imgH="473" progId="TCLayout.ActiveDocument.1">
+                <p:oleObj spid="_x0000_s52261" name="think-cell Slide" r:id="rId5" imgW="473" imgH="473" progId="TCLayout.ActiveDocument.1">
                   <p:embed/>
                 </p:oleObj>
               </mc:Choice>
@@ -19900,7 +19884,7 @@
           <a:graphicData uri="http://schemas.openxmlformats.org/presentationml/2006/ole">
             <mc:AlternateContent xmlns:mc="http://schemas.openxmlformats.org/markup-compatibility/2006">
               <mc:Choice xmlns:v="urn:schemas-microsoft-com:vml" Requires="v">
-                <p:oleObj spid="_x0000_s53283" name="think-cell Slide" r:id="rId6" imgW="473" imgH="473" progId="TCLayout.ActiveDocument.1">
+                <p:oleObj spid="_x0000_s53286" name="think-cell Slide" r:id="rId6" imgW="473" imgH="473" progId="TCLayout.ActiveDocument.1">
                   <p:embed/>
                 </p:oleObj>
               </mc:Choice>
@@ -20841,7 +20825,7 @@
           <a:graphicData uri="http://schemas.openxmlformats.org/presentationml/2006/ole">
             <mc:AlternateContent xmlns:mc="http://schemas.openxmlformats.org/markup-compatibility/2006">
               <mc:Choice xmlns:v="urn:schemas-microsoft-com:vml" Requires="v">
-                <p:oleObj spid="_x0000_s54301" name="think-cell Slide" r:id="rId5" imgW="473" imgH="473" progId="TCLayout.ActiveDocument.1">
+                <p:oleObj spid="_x0000_s54304" name="think-cell Slide" r:id="rId5" imgW="473" imgH="473" progId="TCLayout.ActiveDocument.1">
                   <p:embed/>
                 </p:oleObj>
               </mc:Choice>
@@ -21414,7 +21398,7 @@
           <a:graphicData uri="http://schemas.openxmlformats.org/presentationml/2006/ole">
             <mc:AlternateContent xmlns:mc="http://schemas.openxmlformats.org/markup-compatibility/2006">
               <mc:Choice xmlns:v="urn:schemas-microsoft-com:vml" Requires="v">
-                <p:oleObj spid="_x0000_s55324" name="think-cell Slide" r:id="rId5" imgW="473" imgH="473" progId="TCLayout.ActiveDocument.1">
+                <p:oleObj spid="_x0000_s55327" name="think-cell Slide" r:id="rId5" imgW="473" imgH="473" progId="TCLayout.ActiveDocument.1">
                   <p:embed/>
                 </p:oleObj>
               </mc:Choice>
@@ -21845,7 +21829,7 @@
                   <a:srgbClr val="00B0F0"/>
                 </a:solidFill>
               </a:rPr>
-              <a:t>Death rate</a:t>
+              <a:t>Mortality rate</a:t>
             </a:r>
           </a:p>
         </p:txBody>
@@ -26266,11 +26250,11 @@
 </file>
 
 <file path=customXml/item2.xml><?xml version="1.0" encoding="utf-8"?>
-<XMLData TextToDisplay="%CLASSIFICATIONDATETIME%">15:04 15/05/2020</XMLData>
+<XMLData TextToDisplay="RightsWATCHMark">8|CITI-No PII-Internal|{00000000-0000-0000-0000-000000000000}</XMLData>
 </file>
 
 <file path=customXml/item3.xml><?xml version="1.0" encoding="utf-8"?>
-<XMLData TextToDisplay="RightsWATCHMark">8|CITI-No PII-Internal|{00000000-0000-0000-0000-000000000000}</XMLData>
+<XMLData TextToDisplay="%CLASSIFICATIONDATETIME%">15:04 15/05/2020</XMLData>
 </file>
 
 <file path=customXml/itemProps1.xml><?xml version="1.0" encoding="utf-8"?>
@@ -26280,13 +26264,13 @@
 </file>
 
 <file path=customXml/itemProps2.xml><?xml version="1.0" encoding="utf-8"?>
-<ds:datastoreItem xmlns:ds="http://schemas.openxmlformats.org/officeDocument/2006/customXml" ds:itemID="{9DD98D10-4B39-4445-A0E8-745469C6D8B3}">
+<ds:datastoreItem xmlns:ds="http://schemas.openxmlformats.org/officeDocument/2006/customXml" ds:itemID="{7DE38A00-790F-4C6D-98C3-457AEE210FE8}">
   <ds:schemaRefs/>
 </ds:datastoreItem>
 </file>
 
 <file path=customXml/itemProps3.xml><?xml version="1.0" encoding="utf-8"?>
-<ds:datastoreItem xmlns:ds="http://schemas.openxmlformats.org/officeDocument/2006/customXml" ds:itemID="{7DE38A00-790F-4C6D-98C3-457AEE210FE8}">
+<ds:datastoreItem xmlns:ds="http://schemas.openxmlformats.org/officeDocument/2006/customXml" ds:itemID="{9DD98D10-4B39-4445-A0E8-745469C6D8B3}">
   <ds:schemaRefs/>
 </ds:datastoreItem>
 </file>
--- a/Covid-19 in Mexico analysis.pptx
+++ b/Covid-19 in Mexico analysis.pptx
@@ -14,9 +14,9 @@
     <p:sldId id="327" r:id="rId8"/>
     <p:sldId id="325" r:id="rId9"/>
     <p:sldId id="326" r:id="rId10"/>
-    <p:sldId id="332" r:id="rId11"/>
-    <p:sldId id="329" r:id="rId12"/>
-    <p:sldId id="330" r:id="rId13"/>
+    <p:sldId id="329" r:id="rId11"/>
+    <p:sldId id="330" r:id="rId12"/>
+    <p:sldId id="332" r:id="rId13"/>
     <p:sldId id="331" r:id="rId14"/>
     <p:sldId id="328" r:id="rId15"/>
     <p:sldId id="334" r:id="rId16"/>
@@ -1042,7 +1042,7 @@
           <a:p>
             <a:fld id="{626CD29C-C66E-5E4E-8BB1-E1C6E59D2CEE}" type="slidenum">
               <a:rPr lang="en-US" smtClean="0"/>
-              <a:t>7</a:t>
+              <a:t>6</a:t>
             </a:fld>
             <a:endParaRPr lang="en-US"/>
           </a:p>
@@ -1361,7 +1361,7 @@
           <a:graphicData uri="http://schemas.openxmlformats.org/presentationml/2006/ole">
             <mc:AlternateContent xmlns:mc="http://schemas.openxmlformats.org/markup-compatibility/2006">
               <mc:Choice xmlns:v="urn:schemas-microsoft-com:vml" Requires="v">
-                <p:oleObj spid="_x0000_s18504" name="think-cell Slide" r:id="rId4" imgW="270" imgH="270" progId="TCLayout.ActiveDocument.1">
+                <p:oleObj spid="_x0000_s18506" name="think-cell Slide" r:id="rId4" imgW="270" imgH="270" progId="TCLayout.ActiveDocument.1">
                   <p:embed/>
                 </p:oleObj>
               </mc:Choice>
@@ -3279,7 +3279,7 @@
           <a:graphicData uri="http://schemas.openxmlformats.org/presentationml/2006/ole">
             <mc:AlternateContent xmlns:mc="http://schemas.openxmlformats.org/markup-compatibility/2006">
               <mc:Choice xmlns:v="urn:schemas-microsoft-com:vml" Requires="v">
-                <p:oleObj spid="_x0000_s2171" name="think-cell Slide" r:id="rId4" imgW="270" imgH="270" progId="TCLayout.ActiveDocument.1">
+                <p:oleObj spid="_x0000_s2173" name="think-cell Slide" r:id="rId4" imgW="270" imgH="270" progId="TCLayout.ActiveDocument.1">
                   <p:embed/>
                 </p:oleObj>
               </mc:Choice>
@@ -5374,7 +5374,7 @@
           <a:graphicData uri="http://schemas.openxmlformats.org/presentationml/2006/ole">
             <mc:AlternateContent xmlns:mc="http://schemas.openxmlformats.org/markup-compatibility/2006">
               <mc:Choice xmlns:v="urn:schemas-microsoft-com:vml" Requires="v">
-                <p:oleObj spid="_x0000_s1147" name="think-cell Slide" r:id="rId11" imgW="270" imgH="270" progId="TCLayout.ActiveDocument.1">
+                <p:oleObj spid="_x0000_s1149" name="think-cell Slide" r:id="rId11" imgW="270" imgH="270" progId="TCLayout.ActiveDocument.1">
                   <p:embed/>
                 </p:oleObj>
               </mc:Choice>
@@ -6197,7 +6197,7 @@
           <a:graphicData uri="http://schemas.openxmlformats.org/presentationml/2006/ole">
             <mc:AlternateContent xmlns:mc="http://schemas.openxmlformats.org/markup-compatibility/2006">
               <mc:Choice xmlns:v="urn:schemas-microsoft-com:vml" Requires="v">
-                <p:oleObj spid="_x0000_s17481" name="think-cell Slide" r:id="rId11" imgW="270" imgH="270" progId="TCLayout.ActiveDocument.1">
+                <p:oleObj spid="_x0000_s17483" name="think-cell Slide" r:id="rId11" imgW="270" imgH="270" progId="TCLayout.ActiveDocument.1">
                   <p:embed/>
                 </p:oleObj>
               </mc:Choice>
@@ -7017,7 +7017,7 @@
           <a:graphicData uri="http://schemas.openxmlformats.org/presentationml/2006/ole">
             <mc:AlternateContent xmlns:mc="http://schemas.openxmlformats.org/markup-compatibility/2006">
               <mc:Choice xmlns:v="urn:schemas-microsoft-com:vml" Requires="v">
-                <p:oleObj spid="_x0000_s46121" name="think-cell Slide" r:id="rId5" imgW="473" imgH="473" progId="TCLayout.ActiveDocument.1">
+                <p:oleObj spid="_x0000_s46124" name="think-cell Slide" r:id="rId5" imgW="473" imgH="473" progId="TCLayout.ActiveDocument.1">
                   <p:embed/>
                 </p:oleObj>
               </mc:Choice>
@@ -7228,8 +7228,8 @@
         </p:nvSpPr>
         <p:spPr>
           <a:xfrm>
-            <a:off x="850096" y="2877574"/>
-            <a:ext cx="10061744" cy="492443"/>
+            <a:off x="850096" y="2385132"/>
+            <a:ext cx="10061744" cy="984885"/>
           </a:xfrm>
         </p:spPr>
         <p:txBody>
@@ -7238,7 +7238,7 @@
           <a:p>
             <a:r>
               <a:rPr lang="en-US" dirty="0"/>
-              <a:t>Covid-19: A Quick Overview to The Current Pandemic</a:t>
+              <a:t>Covid-19: A Quick Overview to The Current Pandemic in Mexico</a:t>
             </a:r>
           </a:p>
         </p:txBody>
@@ -7364,7 +7364,7 @@
           <a:graphicData uri="http://schemas.openxmlformats.org/presentationml/2006/ole">
             <mc:AlternateContent xmlns:mc="http://schemas.openxmlformats.org/markup-compatibility/2006">
               <mc:Choice xmlns:v="urn:schemas-microsoft-com:vml" Requires="v">
-                <p:oleObj spid="_x0000_s51242" name="think-cell Slide" r:id="rId6" imgW="473" imgH="473" progId="TCLayout.ActiveDocument.1">
+                <p:oleObj spid="_x0000_s51244" name="think-cell Slide" r:id="rId6" imgW="473" imgH="473" progId="TCLayout.ActiveDocument.1">
                   <p:embed/>
                 </p:oleObj>
               </mc:Choice>
@@ -8556,7 +8556,7 @@
           <a:graphicData uri="http://schemas.openxmlformats.org/presentationml/2006/ole">
             <mc:AlternateContent xmlns:mc="http://schemas.openxmlformats.org/markup-compatibility/2006">
               <mc:Choice xmlns:v="urn:schemas-microsoft-com:vml" Requires="v">
-                <p:oleObj spid="_x0000_s57358" name="think-cell Slide" r:id="rId5" imgW="473" imgH="473" progId="TCLayout.ActiveDocument.1">
+                <p:oleObj spid="_x0000_s57360" name="think-cell Slide" r:id="rId5" imgW="473" imgH="473" progId="TCLayout.ActiveDocument.1">
                   <p:embed/>
                 </p:oleObj>
               </mc:Choice>
@@ -9374,7 +9374,7 @@
           <a:graphicData uri="http://schemas.openxmlformats.org/presentationml/2006/ole">
             <mc:AlternateContent xmlns:mc="http://schemas.openxmlformats.org/markup-compatibility/2006">
               <mc:Choice xmlns:v="urn:schemas-microsoft-com:vml" Requires="v">
-                <p:oleObj spid="_x0000_s56339" name="think-cell Slide" r:id="rId5" imgW="473" imgH="473" progId="TCLayout.ActiveDocument.1">
+                <p:oleObj spid="_x0000_s56341" name="think-cell Slide" r:id="rId5" imgW="473" imgH="473" progId="TCLayout.ActiveDocument.1">
                   <p:embed/>
                 </p:oleObj>
               </mc:Choice>
@@ -9838,7 +9838,7 @@
           <a:graphicData uri="http://schemas.openxmlformats.org/presentationml/2006/ole">
             <mc:AlternateContent xmlns:mc="http://schemas.openxmlformats.org/markup-compatibility/2006">
               <mc:Choice xmlns:v="urn:schemas-microsoft-com:vml" Requires="v">
-                <p:oleObj spid="_x0000_s47142" name="think-cell Slide" r:id="rId15" imgW="473" imgH="473" progId="TCLayout.ActiveDocument.1">
+                <p:oleObj spid="_x0000_s47144" name="think-cell Slide" r:id="rId15" imgW="473" imgH="473" progId="TCLayout.ActiveDocument.1">
                   <p:embed/>
                 </p:oleObj>
               </mc:Choice>
@@ -14961,7 +14961,7 @@
           <a:graphicData uri="http://schemas.openxmlformats.org/presentationml/2006/ole">
             <mc:AlternateContent xmlns:mc="http://schemas.openxmlformats.org/markup-compatibility/2006">
               <mc:Choice xmlns:v="urn:schemas-microsoft-com:vml" Requires="v">
-                <p:oleObj spid="_x0000_s50218" name="think-cell Slide" r:id="rId6" imgW="473" imgH="473" progId="TCLayout.ActiveDocument.1">
+                <p:oleObj spid="_x0000_s50220" name="think-cell Slide" r:id="rId6" imgW="473" imgH="473" progId="TCLayout.ActiveDocument.1">
                   <p:embed/>
                 </p:oleObj>
               </mc:Choice>
@@ -15989,7 +15989,7 @@
           <a:graphicData uri="http://schemas.openxmlformats.org/presentationml/2006/ole">
             <mc:AlternateContent xmlns:mc="http://schemas.openxmlformats.org/markup-compatibility/2006">
               <mc:Choice xmlns:v="urn:schemas-microsoft-com:vml" Requires="v">
-                <p:oleObj spid="_x0000_s48175" name="think-cell Slide" r:id="rId6" imgW="473" imgH="473" progId="TCLayout.ActiveDocument.1">
+                <p:oleObj spid="_x0000_s48177" name="think-cell Slide" r:id="rId6" imgW="473" imgH="473" progId="TCLayout.ActiveDocument.1">
                   <p:embed/>
                 </p:oleObj>
               </mc:Choice>
@@ -17080,7 +17080,7 @@
           <a:graphicData uri="http://schemas.openxmlformats.org/presentationml/2006/ole">
             <mc:AlternateContent xmlns:mc="http://schemas.openxmlformats.org/markup-compatibility/2006">
               <mc:Choice xmlns:v="urn:schemas-microsoft-com:vml" Requires="v">
-                <p:oleObj spid="_x0000_s49194" name="think-cell Slide" r:id="rId7" imgW="473" imgH="473" progId="TCLayout.ActiveDocument.1">
+                <p:oleObj spid="_x0000_s49196" name="think-cell Slide" r:id="rId7" imgW="473" imgH="473" progId="TCLayout.ActiveDocument.1">
                   <p:embed/>
                 </p:oleObj>
               </mc:Choice>
@@ -17636,7 +17636,7 @@
             </p:custDataLst>
             <p:extLst>
               <p:ext uri="{D42A27DB-BD31-4B8C-83A1-F6EECF244321}">
-                <p14:modId xmlns:p14="http://schemas.microsoft.com/office/powerpoint/2010/main" val="2408623266"/>
+                <p14:modId xmlns:p14="http://schemas.microsoft.com/office/powerpoint/2010/main" val="2829523875"/>
               </p:ext>
             </p:extLst>
           </p:nvPr>
@@ -17649,12 +17649,12 @@
           <a:graphicData uri="http://schemas.openxmlformats.org/presentationml/2006/ole">
             <mc:AlternateContent xmlns:mc="http://schemas.openxmlformats.org/markup-compatibility/2006">
               <mc:Choice xmlns:v="urn:schemas-microsoft-com:vml" Requires="v">
-                <p:oleObj spid="_x0000_s52261" name="think-cell Slide" r:id="rId5" imgW="473" imgH="473" progId="TCLayout.ActiveDocument.1">
+                <p:oleObj spid="_x0000_s53288" name="think-cell Slide" r:id="rId6" imgW="473" imgH="473" progId="TCLayout.ActiveDocument.1">
                   <p:embed/>
                 </p:oleObj>
               </mc:Choice>
               <mc:Fallback>
-                <p:oleObj name="think-cell Slide" r:id="rId5" imgW="473" imgH="473" progId="TCLayout.ActiveDocument.1">
+                <p:oleObj name="think-cell Slide" r:id="rId6" imgW="473" imgH="473" progId="TCLayout.ActiveDocument.1">
                   <p:embed/>
                   <p:pic>
                     <p:nvPicPr>
@@ -17663,7 +17663,7 @@
                       <p:nvPr/>
                     </p:nvPicPr>
                     <p:blipFill>
-                      <a:blip r:embed="rId6"/>
+                      <a:blip r:embed="rId7"/>
                       <a:stretch>
                         <a:fillRect/>
                       </a:stretch>
@@ -17759,58 +17759,6 @@
           </a:p>
         </p:txBody>
       </p:sp>
-      <p:pic>
-        <p:nvPicPr>
-          <p:cNvPr id="52226" name="Picture 2" descr="COVID19_bar_top_states_positive_cases.png"/>
-          <p:cNvPicPr>
-            <a:picLocks noChangeAspect="1" noChangeArrowheads="1"/>
-          </p:cNvPicPr>
-          <p:nvPr/>
-        </p:nvPicPr>
-        <p:blipFill rotWithShape="1">
-          <a:blip r:embed="rId7">
-            <a:extLst>
-              <a:ext uri="{28A0092B-C50C-407E-A947-70E740481C1C}">
-                <a14:useLocalDpi xmlns:a14="http://schemas.microsoft.com/office/drawing/2010/main" val="0"/>
-              </a:ext>
-            </a:extLst>
-          </a:blip>
-          <a:srcRect r="7382" b="639"/>
-          <a:stretch/>
-        </p:blipFill>
-        <p:spPr bwMode="auto">
-          <a:xfrm rot="5400000">
-            <a:off x="2546716" y="-851476"/>
-            <a:ext cx="5497587" cy="8987922"/>
-          </a:xfrm>
-          <a:prstGeom prst="rect">
-            <a:avLst/>
-          </a:prstGeom>
-          <a:noFill/>
-          <a:ln>
-            <a:noFill/>
-          </a:ln>
-          <a:extLst>
-            <a:ext uri="{909E8E84-426E-40DD-AFC4-6F175D3DCCD1}">
-              <a14:hiddenFill xmlns:a14="http://schemas.microsoft.com/office/drawing/2010/main">
-                <a:solidFill>
-                  <a:srgbClr val="FFFFFF"/>
-                </a:solidFill>
-              </a14:hiddenFill>
-            </a:ext>
-            <a:ext uri="{91240B29-F687-4F45-9708-019B960494DF}">
-              <a14:hiddenLine xmlns:a14="http://schemas.microsoft.com/office/drawing/2010/main" w="9525">
-                <a:solidFill>
-                  <a:srgbClr val="000000"/>
-                </a:solidFill>
-                <a:miter lim="800000"/>
-                <a:headEnd/>
-                <a:tailEnd/>
-              </a14:hiddenLine>
-            </a:ext>
-          </a:extLst>
-        </p:spPr>
-      </p:pic>
       <p:sp>
         <p:nvSpPr>
           <p:cNvPr id="2" name="Title 1"/>
@@ -17838,7 +17786,56 @@
             </a:r>
             <a:r>
               <a:rPr lang="en-US" sz="2800" dirty="0"/>
-              <a:t> – 19: Mild for Some, Deadly for Others (1/3)</a:t>
+              <a:t> – 19: Mild for Some, Deadly for Others (1/3) </a:t>
+            </a:r>
+          </a:p>
+        </p:txBody>
+      </p:sp>
+      <p:sp>
+        <p:nvSpPr>
+          <p:cNvPr id="59" name="Rectangle 2"/>
+          <p:cNvSpPr>
+            <a:spLocks noChangeArrowheads="1"/>
+          </p:cNvSpPr>
+          <p:nvPr/>
+        </p:nvSpPr>
+        <p:spPr bwMode="gray">
+          <a:xfrm>
+            <a:off x="801550" y="1295400"/>
+            <a:ext cx="1779725" cy="2352674"/>
+          </a:xfrm>
+          <a:prstGeom prst="roundRect">
+            <a:avLst/>
+          </a:prstGeom>
+          <a:solidFill>
+            <a:srgbClr val="00B0F0"/>
+          </a:solidFill>
+          <a:ln w="9525" algn="ctr">
+            <a:noFill/>
+            <a:miter lim="800000"/>
+            <a:headEnd/>
+            <a:tailEnd/>
+          </a:ln>
+        </p:spPr>
+        <p:txBody>
+          <a:bodyPr tIns="91440" bIns="91440" anchor="ctr"/>
+          <a:lstStyle/>
+          <a:p>
+            <a:pPr algn="ctr" fontAlgn="base">
+              <a:spcBef>
+                <a:spcPct val="0"/>
+              </a:spcBef>
+              <a:spcAft>
+                <a:spcPct val="0"/>
+              </a:spcAft>
+            </a:pPr>
+            <a:r>
+              <a:rPr lang="en-US" sz="1600" b="1" dirty="0">
+                <a:solidFill>
+                  <a:schemeClr val="bg1"/>
+                </a:solidFill>
+              </a:rPr>
+              <a:t>Age</a:t>
             </a:r>
           </a:p>
         </p:txBody>
@@ -17916,7 +17913,7 @@
               <a:tabLst/>
             </a:pPr>
             <a:r>
-              <a:rPr kumimoji="0" lang="en-US" sz="1400" b="1" i="0" u="none" strike="noStrike" cap="none" normalizeH="0" baseline="0" dirty="0">
+              <a:rPr kumimoji="0" lang="es-MX" sz="1400" b="1" i="0" u="none" strike="noStrike" cap="none" normalizeH="0" baseline="0" dirty="0">
                 <a:ln>
                   <a:noFill/>
                 </a:ln>
@@ -17929,32 +17926,198 @@
                 <a:latin typeface="Arial" pitchFamily="34" charset="0"/>
                 <a:ea typeface="+mj-ea"/>
               </a:rPr>
-              <a:t>5</a:t>
-            </a:r>
-          </a:p>
-        </p:txBody>
-      </p:sp>
-      <p:sp>
-        <p:nvSpPr>
-          <p:cNvPr id="3" name="Rectangle 2"/>
+              <a:t>6</a:t>
+            </a:r>
+            <a:endParaRPr kumimoji="0" lang="en-US" sz="1400" b="1" i="0" u="none" strike="noStrike" cap="none" normalizeH="0" baseline="0" dirty="0">
+              <a:ln>
+                <a:noFill/>
+              </a:ln>
+              <a:solidFill>
+                <a:schemeClr val="tx1">
+                  <a:lumMod val="50000"/>
+                </a:schemeClr>
+              </a:solidFill>
+              <a:effectLst/>
+              <a:latin typeface="Arial" pitchFamily="34" charset="0"/>
+              <a:ea typeface="+mj-ea"/>
+            </a:endParaRPr>
+          </a:p>
+        </p:txBody>
+      </p:sp>
+      <p:sp>
+        <p:nvSpPr>
+          <p:cNvPr id="9" name="Rectangle 2"/>
+          <p:cNvSpPr>
+            <a:spLocks noChangeArrowheads="1"/>
+          </p:cNvSpPr>
+          <p:nvPr/>
+        </p:nvSpPr>
+        <p:spPr bwMode="gray">
+          <a:xfrm>
+            <a:off x="801549" y="3867150"/>
+            <a:ext cx="1779725" cy="2352674"/>
+          </a:xfrm>
+          <a:prstGeom prst="roundRect">
+            <a:avLst/>
+          </a:prstGeom>
+          <a:solidFill>
+            <a:srgbClr val="00B0F0"/>
+          </a:solidFill>
+          <a:ln w="9525" algn="ctr">
+            <a:noFill/>
+            <a:miter lim="800000"/>
+            <a:headEnd/>
+            <a:tailEnd/>
+          </a:ln>
+        </p:spPr>
+        <p:txBody>
+          <a:bodyPr tIns="91440" bIns="91440" anchor="ctr"/>
+          <a:lstStyle/>
+          <a:p>
+            <a:pPr algn="ctr" fontAlgn="base">
+              <a:spcBef>
+                <a:spcPct val="0"/>
+              </a:spcBef>
+              <a:spcAft>
+                <a:spcPct val="0"/>
+              </a:spcAft>
+            </a:pPr>
+            <a:r>
+              <a:rPr lang="en-US" sz="1400" b="1" dirty="0">
+                <a:solidFill>
+                  <a:schemeClr val="bg1"/>
+                </a:solidFill>
+              </a:rPr>
+              <a:t>Pre-Existing Conditions</a:t>
+            </a:r>
+          </a:p>
+        </p:txBody>
+      </p:sp>
+      <p:sp>
+        <p:nvSpPr>
+          <p:cNvPr id="10" name="Rectangle 2"/>
+          <p:cNvSpPr>
+            <a:spLocks noChangeArrowheads="1"/>
+          </p:cNvSpPr>
+          <p:nvPr/>
+        </p:nvSpPr>
+        <p:spPr bwMode="gray">
+          <a:xfrm>
+            <a:off x="801548" y="814524"/>
+            <a:ext cx="7809051" cy="391859"/>
+          </a:xfrm>
+          <a:prstGeom prst="roundRect">
+            <a:avLst/>
+          </a:prstGeom>
+          <a:solidFill>
+            <a:srgbClr val="002060"/>
+          </a:solidFill>
+          <a:ln w="9525" algn="ctr">
+            <a:solidFill>
+              <a:srgbClr val="002D72"/>
+            </a:solidFill>
+            <a:miter lim="800000"/>
+            <a:headEnd/>
+            <a:tailEnd/>
+          </a:ln>
+        </p:spPr>
+        <p:txBody>
+          <a:bodyPr tIns="91440" bIns="91440" anchor="ctr"/>
+          <a:lstStyle/>
+          <a:p>
+            <a:pPr algn="ctr" fontAlgn="base">
+              <a:spcBef>
+                <a:spcPct val="0"/>
+              </a:spcBef>
+              <a:spcAft>
+                <a:spcPct val="0"/>
+              </a:spcAft>
+            </a:pPr>
+            <a:r>
+              <a:rPr lang="en-US" sz="1400" b="1" dirty="0">
+                <a:solidFill>
+                  <a:schemeClr val="bg1"/>
+                </a:solidFill>
+              </a:rPr>
+              <a:t>Age &amp; Pre-Existing Conditions</a:t>
+            </a:r>
+          </a:p>
+        </p:txBody>
+      </p:sp>
+      <p:pic>
+        <p:nvPicPr>
+          <p:cNvPr id="53258" name="Picture 10" descr="COVID-19_age_decease.png"/>
+          <p:cNvPicPr>
+            <a:picLocks noChangeAspect="1" noChangeArrowheads="1"/>
+          </p:cNvPicPr>
+          <p:nvPr/>
+        </p:nvPicPr>
+        <p:blipFill rotWithShape="1">
+          <a:blip r:embed="rId9">
+            <a:extLst>
+              <a:ext uri="{28A0092B-C50C-407E-A947-70E740481C1C}">
+                <a14:useLocalDpi xmlns:a14="http://schemas.microsoft.com/office/drawing/2010/main" val="0"/>
+              </a:ext>
+            </a:extLst>
+          </a:blip>
+          <a:srcRect l="8096" t="12699" r="10194" b="12215"/>
+          <a:stretch/>
+        </p:blipFill>
+        <p:spPr bwMode="auto">
+          <a:xfrm>
+            <a:off x="2867027" y="1315922"/>
+            <a:ext cx="5472641" cy="2426100"/>
+          </a:xfrm>
+          <a:prstGeom prst="rect">
+            <a:avLst/>
+          </a:prstGeom>
+          <a:noFill/>
+          <a:ln>
+            <a:noFill/>
+          </a:ln>
+          <a:extLst>
+            <a:ext uri="{909E8E84-426E-40DD-AFC4-6F175D3DCCD1}">
+              <a14:hiddenFill xmlns:a14="http://schemas.microsoft.com/office/drawing/2010/main">
+                <a:solidFill>
+                  <a:srgbClr val="FFFFFF"/>
+                </a:solidFill>
+              </a14:hiddenFill>
+            </a:ext>
+            <a:ext uri="{91240B29-F687-4F45-9708-019B960494DF}">
+              <a14:hiddenLine xmlns:a14="http://schemas.microsoft.com/office/drawing/2010/main" w="9525">
+                <a:solidFill>
+                  <a:srgbClr val="000000"/>
+                </a:solidFill>
+                <a:miter lim="800000"/>
+                <a:headEnd/>
+                <a:tailEnd/>
+              </a14:hiddenLine>
+            </a:ext>
+          </a:extLst>
+        </p:spPr>
+      </p:pic>
+      <p:sp>
+        <p:nvSpPr>
+          <p:cNvPr id="13" name="Isosceles Triangle 12"/>
           <p:cNvSpPr/>
           <p:nvPr/>
         </p:nvSpPr>
         <p:spPr bwMode="auto">
-          <a:xfrm>
-            <a:off x="8610600" y="1508760"/>
-            <a:ext cx="419100" cy="4358640"/>
-          </a:xfrm>
-          <a:prstGeom prst="rect">
+          <a:xfrm rot="5400000">
+            <a:off x="7942557" y="2328290"/>
+            <a:ext cx="1946252" cy="286895"/>
+          </a:xfrm>
+          <a:prstGeom prst="triangle">
             <a:avLst/>
           </a:prstGeom>
           <a:solidFill>
-            <a:schemeClr val="bg1"/>
+            <a:schemeClr val="accent2">
+              <a:lumMod val="60000"/>
+              <a:lumOff val="40000"/>
+            </a:schemeClr>
           </a:solidFill>
           <a:ln w="6350" cap="flat" cmpd="sng" algn="ctr">
-            <a:solidFill>
-              <a:schemeClr val="bg1"/>
-            </a:solidFill>
+            <a:noFill/>
             <a:prstDash val="solid"/>
             <a:round/>
             <a:headEnd type="none" w="med" len="med"/>
@@ -18002,25 +18165,26 @@
       </p:sp>
       <p:sp>
         <p:nvSpPr>
-          <p:cNvPr id="13" name="Rectangle 12"/>
+          <p:cNvPr id="14" name="Isosceles Triangle 13"/>
           <p:cNvSpPr/>
           <p:nvPr/>
         </p:nvSpPr>
         <p:spPr bwMode="auto">
-          <a:xfrm rot="16200000">
-            <a:off x="7365711" y="4455086"/>
-            <a:ext cx="927677" cy="2724150"/>
-          </a:xfrm>
-          <a:prstGeom prst="rect">
+          <a:xfrm rot="5400000">
+            <a:off x="7942557" y="4900040"/>
+            <a:ext cx="1946252" cy="286895"/>
+          </a:xfrm>
+          <a:prstGeom prst="triangle">
             <a:avLst/>
           </a:prstGeom>
           <a:solidFill>
-            <a:schemeClr val="bg1"/>
+            <a:schemeClr val="accent2">
+              <a:lumMod val="60000"/>
+              <a:lumOff val="40000"/>
+            </a:schemeClr>
           </a:solidFill>
           <a:ln w="6350" cap="flat" cmpd="sng" algn="ctr">
-            <a:solidFill>
-              <a:schemeClr val="bg1"/>
-            </a:solidFill>
+            <a:noFill/>
             <a:prstDash val="solid"/>
             <a:round/>
             <a:headEnd type="none" w="med" len="med"/>
@@ -18066,16 +18230,230 @@
           </a:p>
         </p:txBody>
       </p:sp>
-      <p:sp>
-        <p:nvSpPr>
-          <p:cNvPr id="14" name="Rectangle 13"/>
+      <p:cxnSp>
+        <p:nvCxnSpPr>
+          <p:cNvPr id="6" name="Straight Connector 5"/>
+          <p:cNvCxnSpPr/>
+          <p:nvPr/>
+        </p:nvCxnSpPr>
+        <p:spPr bwMode="auto">
+          <a:xfrm>
+            <a:off x="906780" y="3757612"/>
+            <a:ext cx="10447020" cy="0"/>
+          </a:xfrm>
+          <a:prstGeom prst="line">
+            <a:avLst/>
+          </a:prstGeom>
+          <a:solidFill>
+            <a:schemeClr val="folHlink"/>
+          </a:solidFill>
+          <a:ln w="6350" cap="flat" cmpd="sng" algn="ctr">
+            <a:solidFill>
+              <a:schemeClr val="tx2"/>
+            </a:solidFill>
+            <a:prstDash val="dash"/>
+            <a:round/>
+            <a:headEnd type="none" w="med" len="med"/>
+            <a:tailEnd type="none" w="med" len="med"/>
+          </a:ln>
+          <a:effectLst/>
+          <a:extLst>
+            <a:ext uri="{AF507438-7753-43E0-B8FC-AC1667EBCBE1}">
+              <a14:hiddenEffects xmlns:a14="http://schemas.microsoft.com/office/drawing/2010/main">
+                <a:effectLst>
+                  <a:outerShdw dist="35921" dir="2700000" algn="ctr" rotWithShape="0">
+                    <a:schemeClr val="bg2"/>
+                  </a:outerShdw>
+                </a:effectLst>
+              </a14:hiddenEffects>
+            </a:ext>
+          </a:extLst>
+        </p:spPr>
+      </p:cxnSp>
+      <p:sp>
+        <p:nvSpPr>
+          <p:cNvPr id="17" name="Rectangle 2"/>
+          <p:cNvSpPr>
+            <a:spLocks noChangeArrowheads="1"/>
+          </p:cNvSpPr>
+          <p:nvPr/>
+        </p:nvSpPr>
+        <p:spPr bwMode="gray">
+          <a:xfrm>
+            <a:off x="9227821" y="1572590"/>
+            <a:ext cx="2461260" cy="1798294"/>
+          </a:xfrm>
+          <a:prstGeom prst="roundRect">
+            <a:avLst/>
+          </a:prstGeom>
+          <a:noFill/>
+          <a:ln w="9525" algn="ctr">
+            <a:noFill/>
+            <a:miter lim="800000"/>
+            <a:headEnd/>
+            <a:tailEnd/>
+          </a:ln>
+        </p:spPr>
+        <p:txBody>
+          <a:bodyPr tIns="0" rIns="0" bIns="0" anchor="ctr"/>
+          <a:lstStyle/>
+          <a:p>
+            <a:pPr algn="ctr" fontAlgn="base">
+              <a:spcBef>
+                <a:spcPct val="0"/>
+              </a:spcBef>
+              <a:spcAft>
+                <a:spcPct val="0"/>
+              </a:spcAft>
+            </a:pPr>
+            <a:r>
+              <a:rPr lang="en-US" sz="1600" dirty="0">
+                <a:solidFill>
+                  <a:srgbClr val="00B0F0"/>
+                </a:solidFill>
+              </a:rPr>
+              <a:t>A recent study examined data from individuals who tested positive for COVID-19 in 38 countries and found that </a:t>
+            </a:r>
+            <a:r>
+              <a:rPr lang="en-US" sz="1600" b="1" dirty="0">
+                <a:solidFill>
+                  <a:schemeClr val="accent1"/>
+                </a:solidFill>
+              </a:rPr>
+              <a:t>risk of death </a:t>
+            </a:r>
+            <a:r>
+              <a:rPr lang="en-US" sz="1600" dirty="0">
+                <a:solidFill>
+                  <a:srgbClr val="00B0F0"/>
+                </a:solidFill>
+              </a:rPr>
+              <a:t>from the disease </a:t>
+            </a:r>
+            <a:r>
+              <a:rPr lang="en-US" sz="1600" b="1" dirty="0">
+                <a:solidFill>
+                  <a:schemeClr val="accent1"/>
+                </a:solidFill>
+              </a:rPr>
+              <a:t>rose</a:t>
+            </a:r>
+            <a:r>
+              <a:rPr lang="en-US" sz="1600" b="1" dirty="0">
+                <a:solidFill>
+                  <a:srgbClr val="00B0F0"/>
+                </a:solidFill>
+              </a:rPr>
+              <a:t> </a:t>
+            </a:r>
+            <a:r>
+              <a:rPr lang="en-US" sz="1600" dirty="0">
+                <a:solidFill>
+                  <a:srgbClr val="00B0F0"/>
+                </a:solidFill>
+              </a:rPr>
+              <a:t>with each decade of </a:t>
+            </a:r>
+            <a:r>
+              <a:rPr lang="en-US" sz="1600" b="1" dirty="0">
+                <a:solidFill>
+                  <a:schemeClr val="accent1"/>
+                </a:solidFill>
+              </a:rPr>
+              <a:t>age</a:t>
+            </a:r>
+          </a:p>
+        </p:txBody>
+      </p:sp>
+      <p:sp>
+        <p:nvSpPr>
+          <p:cNvPr id="18" name="Rectangle 2"/>
+          <p:cNvSpPr>
+            <a:spLocks noChangeArrowheads="1"/>
+          </p:cNvSpPr>
+          <p:nvPr/>
+        </p:nvSpPr>
+        <p:spPr bwMode="gray">
+          <a:xfrm>
+            <a:off x="9230582" y="4144340"/>
+            <a:ext cx="2458500" cy="1798294"/>
+          </a:xfrm>
+          <a:prstGeom prst="roundRect">
+            <a:avLst/>
+          </a:prstGeom>
+          <a:noFill/>
+          <a:ln w="9525" algn="ctr">
+            <a:noFill/>
+            <a:miter lim="800000"/>
+            <a:headEnd/>
+            <a:tailEnd/>
+          </a:ln>
+        </p:spPr>
+        <p:txBody>
+          <a:bodyPr lIns="0" tIns="0" rIns="0" bIns="0" anchor="ctr"/>
+          <a:lstStyle/>
+          <a:p>
+            <a:pPr algn="ctr" fontAlgn="base">
+              <a:spcBef>
+                <a:spcPct val="0"/>
+              </a:spcBef>
+              <a:spcAft>
+                <a:spcPct val="0"/>
+              </a:spcAft>
+            </a:pPr>
+            <a:r>
+              <a:rPr lang="en-US" sz="1600" dirty="0">
+                <a:solidFill>
+                  <a:srgbClr val="00B0F0"/>
+                </a:solidFill>
+              </a:rPr>
+              <a:t>During current global pandemic, physicians </a:t>
+            </a:r>
+            <a:r>
+              <a:rPr lang="en-US" sz="1600" b="1" dirty="0">
+                <a:solidFill>
+                  <a:schemeClr val="accent1"/>
+                </a:solidFill>
+              </a:rPr>
+              <a:t>require guidance </a:t>
+            </a:r>
+            <a:r>
+              <a:rPr lang="en-US" sz="1600" dirty="0">
+                <a:solidFill>
+                  <a:srgbClr val="00B0F0"/>
+                </a:solidFill>
+              </a:rPr>
+              <a:t>for their patient populations in order to adequately </a:t>
+            </a:r>
+            <a:r>
+              <a:rPr lang="en-US" sz="1600" b="1" dirty="0">
+                <a:solidFill>
+                  <a:schemeClr val="accent1"/>
+                </a:solidFill>
+              </a:rPr>
+              <a:t>balance the risk of exposure </a:t>
+            </a:r>
+            <a:r>
+              <a:rPr lang="en-US" sz="1600" dirty="0">
+                <a:solidFill>
+                  <a:srgbClr val="00B0F0"/>
+                </a:solidFill>
+              </a:rPr>
+              <a:t>with the harms of withholding or delaying care</a:t>
+            </a:r>
+          </a:p>
+        </p:txBody>
+      </p:sp>
+      <p:sp>
+        <p:nvSpPr>
+          <p:cNvPr id="19" name="Rectangle 18"/>
           <p:cNvSpPr/>
           <p:nvPr/>
         </p:nvSpPr>
         <p:spPr bwMode="auto">
-          <a:xfrm rot="16200000">
-            <a:off x="7223066" y="3825220"/>
-            <a:ext cx="703693" cy="2806853"/>
+          <a:xfrm>
+            <a:off x="10237573" y="6283411"/>
+            <a:ext cx="1736124" cy="375414"/>
           </a:xfrm>
           <a:prstGeom prst="rect">
             <a:avLst/>
@@ -18102,7 +18480,7 @@
           </a:bodyPr>
           <a:lstStyle/>
           <a:p>
-            <a:pPr marL="0" marR="0" indent="0" algn="ctr" defTabSz="914400" rtl="0" fontAlgn="base" latinLnBrk="0" hangingPunct="1">
+            <a:pPr marL="0" marR="0" indent="0" algn="ctr" defTabSz="914400" rtl="0" eaLnBrk="1" fontAlgn="base" latinLnBrk="0" hangingPunct="1">
               <a:lnSpc>
                 <a:spcPct val="100000"/>
               </a:lnSpc>
@@ -18132,1707 +18510,40 @@
           </a:p>
         </p:txBody>
       </p:sp>
-      <p:sp>
-        <p:nvSpPr>
-          <p:cNvPr id="59" name="Rectangle 2"/>
-          <p:cNvSpPr>
-            <a:spLocks noChangeArrowheads="1"/>
-          </p:cNvSpPr>
-          <p:nvPr/>
-        </p:nvSpPr>
-        <p:spPr bwMode="gray">
-          <a:xfrm>
-            <a:off x="801548" y="881199"/>
-            <a:ext cx="7809051" cy="391859"/>
-          </a:xfrm>
-          <a:prstGeom prst="roundRect">
-            <a:avLst/>
-          </a:prstGeom>
-          <a:solidFill>
-            <a:srgbClr val="002060"/>
-          </a:solidFill>
-          <a:ln w="9525" algn="ctr">
-            <a:solidFill>
-              <a:srgbClr val="002D72"/>
-            </a:solidFill>
-            <a:miter lim="800000"/>
-            <a:headEnd/>
-            <a:tailEnd/>
-          </a:ln>
-        </p:spPr>
-        <p:txBody>
-          <a:bodyPr tIns="91440" bIns="91440" anchor="ctr"/>
-          <a:lstStyle/>
-          <a:p>
-            <a:pPr algn="ctr" fontAlgn="base">
-              <a:spcBef>
-                <a:spcPct val="0"/>
-              </a:spcBef>
-              <a:spcAft>
-                <a:spcPct val="0"/>
-              </a:spcAft>
-            </a:pPr>
-            <a:r>
-              <a:rPr lang="en-US" sz="1400" b="1" dirty="0">
-                <a:solidFill>
-                  <a:schemeClr val="bg1"/>
-                </a:solidFill>
-              </a:rPr>
-              <a:t>Density per State</a:t>
-            </a:r>
-          </a:p>
-        </p:txBody>
-      </p:sp>
       <p:pic>
         <p:nvPicPr>
-          <p:cNvPr id="6" name="Picture 5"/>
+          <p:cNvPr id="3" name="Imagen 2">
+            <a:extLst>
+              <a:ext uri="{FF2B5EF4-FFF2-40B4-BE49-F238E27FC236}">
+                <a16:creationId xmlns:a16="http://schemas.microsoft.com/office/drawing/2014/main" id="{00A5CD8C-2FD2-455C-B552-FC2A22F1EE00}"/>
+              </a:ext>
+            </a:extLst>
+          </p:cNvPr>
           <p:cNvPicPr>
             <a:picLocks noChangeAspect="1"/>
           </p:cNvPicPr>
           <p:nvPr/>
         </p:nvPicPr>
         <p:blipFill>
-          <a:blip r:embed="rId9"/>
+          <a:blip r:embed="rId10"/>
           <a:stretch>
             <a:fillRect/>
           </a:stretch>
         </p:blipFill>
         <p:spPr>
           <a:xfrm>
-            <a:off x="7896224" y="2205593"/>
-            <a:ext cx="714375" cy="381000"/>
+            <a:off x="2768416" y="3781670"/>
+            <a:ext cx="5571251" cy="3076328"/>
           </a:xfrm>
           <a:prstGeom prst="rect">
             <a:avLst/>
           </a:prstGeom>
         </p:spPr>
       </p:pic>
-      <p:sp>
-        <p:nvSpPr>
-          <p:cNvPr id="9" name="Rectangle 8"/>
-          <p:cNvSpPr/>
-          <p:nvPr/>
-        </p:nvSpPr>
-        <p:spPr bwMode="auto">
-          <a:xfrm>
-            <a:off x="801550" y="1674767"/>
-            <a:ext cx="7809050" cy="429168"/>
-          </a:xfrm>
-          <a:prstGeom prst="rect">
-            <a:avLst/>
-          </a:prstGeom>
-          <a:noFill/>
-          <a:ln w="12700" cap="flat" cmpd="sng" algn="ctr">
-            <a:solidFill>
-              <a:srgbClr val="C00000"/>
-            </a:solidFill>
-            <a:prstDash val="dash"/>
-            <a:round/>
-            <a:headEnd type="none" w="med" len="med"/>
-            <a:tailEnd type="none" w="med" len="med"/>
-          </a:ln>
-          <a:effectLst/>
-        </p:spPr>
-        <p:txBody>
-          <a:bodyPr vert="horz" wrap="none" lIns="91440" tIns="45720" rIns="91440" bIns="45720" numCol="1" rtlCol="0" anchor="ctr" anchorCtr="0" compatLnSpc="1">
-            <a:prstTxWarp prst="textNoShape">
-              <a:avLst/>
-            </a:prstTxWarp>
-          </a:bodyPr>
-          <a:lstStyle/>
-          <a:p>
-            <a:pPr marL="0" marR="0" indent="0" algn="ctr" defTabSz="914400" rtl="0" fontAlgn="base" latinLnBrk="0" hangingPunct="1">
-              <a:lnSpc>
-                <a:spcPct val="100000"/>
-              </a:lnSpc>
-              <a:spcBef>
-                <a:spcPct val="0"/>
-              </a:spcBef>
-              <a:spcAft>
-                <a:spcPct val="0"/>
-              </a:spcAft>
-              <a:buClrTx/>
-              <a:buSzTx/>
-              <a:buFontTx/>
-              <a:buNone/>
-              <a:tabLst/>
-            </a:pPr>
-            <a:endParaRPr kumimoji="0" lang="en-US" sz="1400" b="0" i="0" u="none" strike="noStrike" cap="none" normalizeH="0" baseline="0" dirty="0">
-              <a:ln>
-                <a:noFill/>
-              </a:ln>
-              <a:solidFill>
-                <a:schemeClr val="tx1"/>
-              </a:solidFill>
-              <a:effectLst/>
-              <a:latin typeface="Arial" pitchFamily="34" charset="0"/>
-              <a:ea typeface="+mj-ea"/>
-            </a:endParaRPr>
-          </a:p>
-        </p:txBody>
-      </p:sp>
-      <p:sp>
-        <p:nvSpPr>
-          <p:cNvPr id="16" name="Rectangle 2"/>
-          <p:cNvSpPr>
-            <a:spLocks noChangeArrowheads="1"/>
-          </p:cNvSpPr>
-          <p:nvPr/>
-        </p:nvSpPr>
-        <p:spPr bwMode="gray">
-          <a:xfrm>
-            <a:off x="1577293" y="6217094"/>
-            <a:ext cx="7033307" cy="390510"/>
-          </a:xfrm>
-          <a:prstGeom prst="roundRect">
-            <a:avLst/>
-          </a:prstGeom>
-          <a:solidFill>
-            <a:srgbClr val="00B0F0"/>
-          </a:solidFill>
-          <a:ln w="9525" algn="ctr">
-            <a:solidFill>
-              <a:schemeClr val="bg1"/>
-            </a:solidFill>
-            <a:miter lim="800000"/>
-            <a:headEnd/>
-            <a:tailEnd/>
-          </a:ln>
-        </p:spPr>
-        <p:txBody>
-          <a:bodyPr tIns="0" rIns="0" bIns="0" anchor="ctr"/>
-          <a:lstStyle/>
-          <a:p>
-            <a:pPr algn="ctr" fontAlgn="base">
-              <a:spcBef>
-                <a:spcPct val="0"/>
-              </a:spcBef>
-              <a:spcAft>
-                <a:spcPct val="0"/>
-              </a:spcAft>
-            </a:pPr>
-            <a:r>
-              <a:rPr lang="en-US" sz="1200" b="1" dirty="0">
-                <a:solidFill>
-                  <a:schemeClr val="bg1"/>
-                </a:solidFill>
-              </a:rPr>
-              <a:t>Social distance is key to stop the spread of the disease. More populated cities will have higher rates of infections and people have a higher degree of interaction than in less populated ones</a:t>
-            </a:r>
-          </a:p>
-        </p:txBody>
-      </p:sp>
-      <p:cxnSp>
-        <p:nvCxnSpPr>
-          <p:cNvPr id="17" name="Straight Connector 16"/>
-          <p:cNvCxnSpPr/>
-          <p:nvPr/>
-        </p:nvCxnSpPr>
-        <p:spPr bwMode="auto">
-          <a:xfrm flipV="1">
-            <a:off x="9532574" y="1559135"/>
-            <a:ext cx="1404000" cy="0"/>
-          </a:xfrm>
-          <a:prstGeom prst="line">
-            <a:avLst/>
-          </a:prstGeom>
-          <a:solidFill>
-            <a:schemeClr val="folHlink"/>
-          </a:solidFill>
-          <a:ln w="12700" cap="flat" cmpd="sng" algn="ctr">
-            <a:solidFill>
-              <a:schemeClr val="tx2"/>
-            </a:solidFill>
-            <a:prstDash val="solid"/>
-            <a:round/>
-            <a:headEnd type="oval" w="med" len="med"/>
-            <a:tailEnd type="oval" w="med" len="med"/>
-          </a:ln>
-          <a:effectLst/>
-          <a:extLst>
-            <a:ext uri="{AF507438-7753-43E0-B8FC-AC1667EBCBE1}">
-              <a14:hiddenEffects xmlns:a14="http://schemas.microsoft.com/office/drawing/2010/main">
-                <a:effectLst>
-                  <a:outerShdw dist="35921" dir="2700000" algn="ctr" rotWithShape="0">
-                    <a:schemeClr val="bg2"/>
-                  </a:outerShdw>
-                </a:effectLst>
-              </a14:hiddenEffects>
-            </a:ext>
-          </a:extLst>
-        </p:spPr>
-      </p:cxnSp>
-      <p:sp>
-        <p:nvSpPr>
-          <p:cNvPr id="18" name="Rectangle 2"/>
-          <p:cNvSpPr>
-            <a:spLocks noChangeArrowheads="1"/>
-          </p:cNvSpPr>
-          <p:nvPr/>
-        </p:nvSpPr>
-        <p:spPr bwMode="gray">
-          <a:xfrm>
-            <a:off x="9469029" y="1280310"/>
-            <a:ext cx="1531091" cy="391859"/>
-          </a:xfrm>
-          <a:prstGeom prst="roundRect">
-            <a:avLst/>
-          </a:prstGeom>
-          <a:noFill/>
-          <a:ln w="9525" algn="ctr">
-            <a:noFill/>
-            <a:miter lim="800000"/>
-            <a:headEnd/>
-            <a:tailEnd/>
-          </a:ln>
-        </p:spPr>
-        <p:txBody>
-          <a:bodyPr tIns="91440" bIns="91440" anchor="ctr"/>
-          <a:lstStyle/>
-          <a:p>
-            <a:pPr algn="ctr" fontAlgn="base">
-              <a:spcBef>
-                <a:spcPct val="0"/>
-              </a:spcBef>
-              <a:spcAft>
-                <a:spcPct val="0"/>
-              </a:spcAft>
-            </a:pPr>
-            <a:r>
-              <a:rPr lang="en-US" sz="1400" b="1" dirty="0">
-                <a:solidFill>
-                  <a:srgbClr val="00B0F0"/>
-                </a:solidFill>
-              </a:rPr>
-              <a:t>Death rate</a:t>
-            </a:r>
-          </a:p>
-        </p:txBody>
-      </p:sp>
-      <p:sp>
-        <p:nvSpPr>
-          <p:cNvPr id="11" name="Oval 10"/>
-          <p:cNvSpPr/>
-          <p:nvPr/>
-        </p:nvSpPr>
-        <p:spPr bwMode="auto">
-          <a:xfrm>
-            <a:off x="9823094" y="1714500"/>
-            <a:ext cx="822960" cy="203318"/>
-          </a:xfrm>
-          <a:prstGeom prst="ellipse">
-            <a:avLst/>
-          </a:prstGeom>
-          <a:noFill/>
-          <a:ln w="6350" cap="flat" cmpd="sng" algn="ctr">
-            <a:solidFill>
-              <a:schemeClr val="accent1"/>
-            </a:solidFill>
-            <a:prstDash val="dash"/>
-            <a:round/>
-            <a:headEnd type="none" w="med" len="med"/>
-            <a:tailEnd type="none" w="med" len="med"/>
-          </a:ln>
-          <a:effectLst/>
-        </p:spPr>
-        <p:txBody>
-          <a:bodyPr vert="horz" wrap="square" lIns="0" tIns="0" rIns="0" bIns="0" numCol="1" rtlCol="0" anchor="ctr" anchorCtr="0" compatLnSpc="1">
-            <a:prstTxWarp prst="textNoShape">
-              <a:avLst/>
-            </a:prstTxWarp>
-          </a:bodyPr>
-          <a:lstStyle/>
-          <a:p>
-            <a:pPr marL="0" marR="0" indent="0" algn="ctr" defTabSz="914400" rtl="0" eaLnBrk="1" fontAlgn="base" latinLnBrk="0" hangingPunct="1">
-              <a:lnSpc>
-                <a:spcPct val="100000"/>
-              </a:lnSpc>
-              <a:spcBef>
-                <a:spcPct val="0"/>
-              </a:spcBef>
-              <a:spcAft>
-                <a:spcPct val="0"/>
-              </a:spcAft>
-              <a:buClrTx/>
-              <a:buSzTx/>
-              <a:buFontTx/>
-              <a:buNone/>
-              <a:tabLst/>
-            </a:pPr>
-            <a:r>
-              <a:rPr kumimoji="0" lang="es-MX" sz="1000" b="1" i="0" u="none" strike="noStrike" cap="none" normalizeH="0" baseline="0" dirty="0">
-                <a:ln>
-                  <a:noFill/>
-                </a:ln>
-                <a:solidFill>
-                  <a:schemeClr val="accent1"/>
-                </a:solidFill>
-                <a:effectLst/>
-                <a:latin typeface="Arial" pitchFamily="34" charset="0"/>
-                <a:ea typeface="+mj-ea"/>
-              </a:rPr>
-              <a:t>9%</a:t>
-            </a:r>
-            <a:endParaRPr kumimoji="0" lang="en-US" sz="1000" b="1" i="0" u="none" strike="noStrike" cap="none" normalizeH="0" baseline="0" dirty="0">
-              <a:ln>
-                <a:noFill/>
-              </a:ln>
-              <a:solidFill>
-                <a:schemeClr val="accent1"/>
-              </a:solidFill>
-              <a:effectLst/>
-              <a:latin typeface="Arial" pitchFamily="34" charset="0"/>
-              <a:ea typeface="+mj-ea"/>
-            </a:endParaRPr>
-          </a:p>
-        </p:txBody>
-      </p:sp>
-      <p:sp>
-        <p:nvSpPr>
-          <p:cNvPr id="20" name="Rounded Rectangular Callout 19"/>
-          <p:cNvSpPr/>
-          <p:nvPr/>
-        </p:nvSpPr>
-        <p:spPr bwMode="auto">
-          <a:xfrm>
-            <a:off x="4895318" y="2376033"/>
-            <a:ext cx="1297062" cy="261855"/>
-          </a:xfrm>
-          <a:prstGeom prst="wedgeRoundRectCallout">
-            <a:avLst>
-              <a:gd name="adj1" fmla="val 48517"/>
-              <a:gd name="adj2" fmla="val -149284"/>
-              <a:gd name="adj3" fmla="val 16667"/>
-            </a:avLst>
-          </a:prstGeom>
-          <a:solidFill>
-            <a:srgbClr val="FFFFAB"/>
-          </a:solidFill>
-          <a:ln w="6350" cap="flat" cmpd="sng" algn="ctr">
-            <a:solidFill>
-              <a:srgbClr val="C00000"/>
-            </a:solidFill>
-            <a:prstDash val="dash"/>
-            <a:round/>
-            <a:headEnd type="none" w="med" len="med"/>
-            <a:tailEnd type="none" w="med" len="med"/>
-          </a:ln>
-          <a:effectLst/>
-        </p:spPr>
-        <p:txBody>
-          <a:bodyPr vert="horz" wrap="square" lIns="0" tIns="0" rIns="0" bIns="0" numCol="1" rtlCol="0" anchor="ctr" anchorCtr="0" compatLnSpc="1">
-            <a:prstTxWarp prst="textNoShape">
-              <a:avLst/>
-            </a:prstTxWarp>
-          </a:bodyPr>
-          <a:lstStyle/>
-          <a:p>
-            <a:pPr marL="0" marR="0" indent="0" algn="ctr" defTabSz="914400" rtl="0" eaLnBrk="1" fontAlgn="base" latinLnBrk="0" hangingPunct="1">
-              <a:lnSpc>
-                <a:spcPct val="100000"/>
-              </a:lnSpc>
-              <a:spcBef>
-                <a:spcPct val="0"/>
-              </a:spcBef>
-              <a:spcAft>
-                <a:spcPct val="0"/>
-              </a:spcAft>
-              <a:buClrTx/>
-              <a:buSzTx/>
-              <a:buFontTx/>
-              <a:buNone/>
-              <a:tabLst/>
-            </a:pPr>
-            <a:r>
-              <a:rPr kumimoji="0" lang="en-US" sz="800" b="1" u="none" strike="noStrike" cap="none" normalizeH="0" baseline="0" dirty="0">
-                <a:ln>
-                  <a:noFill/>
-                </a:ln>
-                <a:solidFill>
-                  <a:schemeClr val="tx1"/>
-                </a:solidFill>
-                <a:effectLst/>
-                <a:latin typeface="Arial" pitchFamily="34" charset="0"/>
-                <a:ea typeface="+mj-ea"/>
-              </a:rPr>
-              <a:t>High</a:t>
-            </a:r>
-            <a:r>
-              <a:rPr kumimoji="0" lang="en-US" sz="800" b="1" u="none" strike="noStrike" cap="none" normalizeH="0" dirty="0">
-                <a:ln>
-                  <a:noFill/>
-                </a:ln>
-                <a:solidFill>
-                  <a:schemeClr val="tx1"/>
-                </a:solidFill>
-                <a:effectLst/>
-                <a:latin typeface="Arial" pitchFamily="34" charset="0"/>
-                <a:ea typeface="+mj-ea"/>
-              </a:rPr>
-              <a:t> population density cities</a:t>
-            </a:r>
-            <a:endParaRPr kumimoji="0" lang="en-US" sz="800" b="1" u="none" strike="noStrike" cap="none" normalizeH="0" baseline="0" dirty="0">
-              <a:ln>
-                <a:noFill/>
-              </a:ln>
-              <a:solidFill>
-                <a:schemeClr val="tx1"/>
-              </a:solidFill>
-              <a:effectLst/>
-              <a:latin typeface="Arial" pitchFamily="34" charset="0"/>
-              <a:ea typeface="+mj-ea"/>
-            </a:endParaRPr>
-          </a:p>
-        </p:txBody>
-      </p:sp>
-      <p:sp>
-        <p:nvSpPr>
-          <p:cNvPr id="43" name="Oval 42"/>
-          <p:cNvSpPr/>
-          <p:nvPr/>
-        </p:nvSpPr>
-        <p:spPr bwMode="auto">
-          <a:xfrm>
-            <a:off x="9823094" y="1939354"/>
-            <a:ext cx="822960" cy="203318"/>
-          </a:xfrm>
-          <a:prstGeom prst="ellipse">
-            <a:avLst/>
-          </a:prstGeom>
-          <a:noFill/>
-          <a:ln w="6350" cap="flat" cmpd="sng" algn="ctr">
-            <a:solidFill>
-              <a:schemeClr val="accent1"/>
-            </a:solidFill>
-            <a:prstDash val="dash"/>
-            <a:round/>
-            <a:headEnd type="none" w="med" len="med"/>
-            <a:tailEnd type="none" w="med" len="med"/>
-          </a:ln>
-          <a:effectLst/>
-        </p:spPr>
-        <p:txBody>
-          <a:bodyPr vert="horz" wrap="square" lIns="0" tIns="0" rIns="0" bIns="0" numCol="1" rtlCol="0" anchor="ctr" anchorCtr="0" compatLnSpc="1">
-            <a:prstTxWarp prst="textNoShape">
-              <a:avLst/>
-            </a:prstTxWarp>
-          </a:bodyPr>
-          <a:lstStyle/>
-          <a:p>
-            <a:pPr algn="ctr" fontAlgn="base">
-              <a:spcBef>
-                <a:spcPct val="0"/>
-              </a:spcBef>
-              <a:spcAft>
-                <a:spcPct val="0"/>
-              </a:spcAft>
-            </a:pPr>
-            <a:r>
-              <a:rPr lang="es-MX" sz="1000" b="1" dirty="0">
-                <a:solidFill>
-                  <a:schemeClr val="accent1"/>
-                </a:solidFill>
-                <a:latin typeface="Arial" pitchFamily="34" charset="0"/>
-                <a:ea typeface="+mj-ea"/>
-              </a:rPr>
-              <a:t>12%</a:t>
-            </a:r>
-            <a:endParaRPr lang="en-US" sz="1000" b="1" dirty="0">
-              <a:solidFill>
-                <a:schemeClr val="accent1"/>
-              </a:solidFill>
-              <a:latin typeface="Arial" pitchFamily="34" charset="0"/>
-              <a:ea typeface="+mj-ea"/>
-            </a:endParaRPr>
-          </a:p>
-        </p:txBody>
-      </p:sp>
-      <p:sp>
-        <p:nvSpPr>
-          <p:cNvPr id="44" name="Oval 43"/>
-          <p:cNvSpPr/>
-          <p:nvPr/>
-        </p:nvSpPr>
-        <p:spPr bwMode="auto">
-          <a:xfrm>
-            <a:off x="9823094" y="2164208"/>
-            <a:ext cx="822960" cy="203318"/>
-          </a:xfrm>
-          <a:prstGeom prst="ellipse">
-            <a:avLst/>
-          </a:prstGeom>
-          <a:noFill/>
-          <a:ln w="6350" cap="flat" cmpd="sng" algn="ctr">
-            <a:solidFill>
-              <a:schemeClr val="accent1"/>
-            </a:solidFill>
-            <a:prstDash val="dash"/>
-            <a:round/>
-            <a:headEnd type="none" w="med" len="med"/>
-            <a:tailEnd type="none" w="med" len="med"/>
-          </a:ln>
-          <a:effectLst/>
-        </p:spPr>
-        <p:txBody>
-          <a:bodyPr vert="horz" wrap="square" lIns="0" tIns="0" rIns="0" bIns="0" numCol="1" rtlCol="0" anchor="ctr" anchorCtr="0" compatLnSpc="1">
-            <a:prstTxWarp prst="textNoShape">
-              <a:avLst/>
-            </a:prstTxWarp>
-          </a:bodyPr>
-          <a:lstStyle/>
-          <a:p>
-            <a:pPr algn="ctr" fontAlgn="base">
-              <a:spcBef>
-                <a:spcPct val="0"/>
-              </a:spcBef>
-              <a:spcAft>
-                <a:spcPct val="0"/>
-              </a:spcAft>
-            </a:pPr>
-            <a:r>
-              <a:rPr lang="es-MX" sz="1000" b="1" dirty="0">
-                <a:solidFill>
-                  <a:schemeClr val="accent1"/>
-                </a:solidFill>
-                <a:latin typeface="Arial" pitchFamily="34" charset="0"/>
-                <a:ea typeface="+mj-ea"/>
-              </a:rPr>
-              <a:t>2%</a:t>
-            </a:r>
-            <a:endParaRPr lang="en-US" sz="1000" b="1" dirty="0">
-              <a:solidFill>
-                <a:schemeClr val="accent1"/>
-              </a:solidFill>
-              <a:latin typeface="Arial" pitchFamily="34" charset="0"/>
-              <a:ea typeface="+mj-ea"/>
-            </a:endParaRPr>
-          </a:p>
-        </p:txBody>
-      </p:sp>
-      <p:sp>
-        <p:nvSpPr>
-          <p:cNvPr id="45" name="Oval 44"/>
-          <p:cNvSpPr/>
-          <p:nvPr/>
-        </p:nvSpPr>
-        <p:spPr bwMode="auto">
-          <a:xfrm>
-            <a:off x="9823094" y="2389062"/>
-            <a:ext cx="822960" cy="203318"/>
-          </a:xfrm>
-          <a:prstGeom prst="ellipse">
-            <a:avLst/>
-          </a:prstGeom>
-          <a:noFill/>
-          <a:ln w="6350" cap="flat" cmpd="sng" algn="ctr">
-            <a:solidFill>
-              <a:schemeClr val="accent1"/>
-            </a:solidFill>
-            <a:prstDash val="dash"/>
-            <a:round/>
-            <a:headEnd type="none" w="med" len="med"/>
-            <a:tailEnd type="none" w="med" len="med"/>
-          </a:ln>
-          <a:effectLst/>
-        </p:spPr>
-        <p:txBody>
-          <a:bodyPr vert="horz" wrap="square" lIns="0" tIns="0" rIns="0" bIns="0" numCol="1" rtlCol="0" anchor="ctr" anchorCtr="0" compatLnSpc="1">
-            <a:prstTxWarp prst="textNoShape">
-              <a:avLst/>
-            </a:prstTxWarp>
-          </a:bodyPr>
-          <a:lstStyle/>
-          <a:p>
-            <a:pPr algn="ctr" fontAlgn="base">
-              <a:spcBef>
-                <a:spcPct val="0"/>
-              </a:spcBef>
-              <a:spcAft>
-                <a:spcPct val="0"/>
-              </a:spcAft>
-            </a:pPr>
-            <a:r>
-              <a:rPr lang="es-MX" sz="1000" b="1" dirty="0">
-                <a:solidFill>
-                  <a:schemeClr val="accent1"/>
-                </a:solidFill>
-                <a:latin typeface="Arial" pitchFamily="34" charset="0"/>
-                <a:ea typeface="+mj-ea"/>
-              </a:rPr>
-              <a:t>16%</a:t>
-            </a:r>
-            <a:endParaRPr lang="en-US" sz="1000" b="1" dirty="0">
-              <a:solidFill>
-                <a:schemeClr val="accent1"/>
-              </a:solidFill>
-              <a:latin typeface="Arial" pitchFamily="34" charset="0"/>
-              <a:ea typeface="+mj-ea"/>
-            </a:endParaRPr>
-          </a:p>
-        </p:txBody>
-      </p:sp>
-      <p:sp>
-        <p:nvSpPr>
-          <p:cNvPr id="46" name="Oval 45"/>
-          <p:cNvSpPr/>
-          <p:nvPr/>
-        </p:nvSpPr>
-        <p:spPr bwMode="auto">
-          <a:xfrm>
-            <a:off x="9823094" y="2613916"/>
-            <a:ext cx="822960" cy="203318"/>
-          </a:xfrm>
-          <a:prstGeom prst="ellipse">
-            <a:avLst/>
-          </a:prstGeom>
-          <a:noFill/>
-          <a:ln w="6350" cap="flat" cmpd="sng" algn="ctr">
-            <a:solidFill>
-              <a:schemeClr val="accent1"/>
-            </a:solidFill>
-            <a:prstDash val="dash"/>
-            <a:round/>
-            <a:headEnd type="none" w="med" len="med"/>
-            <a:tailEnd type="none" w="med" len="med"/>
-          </a:ln>
-          <a:effectLst/>
-        </p:spPr>
-        <p:txBody>
-          <a:bodyPr vert="horz" wrap="square" lIns="0" tIns="0" rIns="0" bIns="0" numCol="1" rtlCol="0" anchor="ctr" anchorCtr="0" compatLnSpc="1">
-            <a:prstTxWarp prst="textNoShape">
-              <a:avLst/>
-            </a:prstTxWarp>
-          </a:bodyPr>
-          <a:lstStyle/>
-          <a:p>
-            <a:pPr algn="ctr" fontAlgn="base">
-              <a:spcBef>
-                <a:spcPct val="0"/>
-              </a:spcBef>
-              <a:spcAft>
-                <a:spcPct val="0"/>
-              </a:spcAft>
-            </a:pPr>
-            <a:r>
-              <a:rPr lang="es-MX" sz="1000" b="1" dirty="0">
-                <a:solidFill>
-                  <a:schemeClr val="accent1"/>
-                </a:solidFill>
-                <a:latin typeface="Arial" pitchFamily="34" charset="0"/>
-                <a:ea typeface="+mj-ea"/>
-              </a:rPr>
-              <a:t>19%</a:t>
-            </a:r>
-            <a:endParaRPr lang="en-US" sz="1000" b="1" dirty="0">
-              <a:solidFill>
-                <a:schemeClr val="accent1"/>
-              </a:solidFill>
-              <a:latin typeface="Arial" pitchFamily="34" charset="0"/>
-              <a:ea typeface="+mj-ea"/>
-            </a:endParaRPr>
-          </a:p>
-        </p:txBody>
-      </p:sp>
-      <p:sp>
-        <p:nvSpPr>
-          <p:cNvPr id="47" name="Oval 46"/>
-          <p:cNvSpPr/>
-          <p:nvPr/>
-        </p:nvSpPr>
-        <p:spPr bwMode="auto">
-          <a:xfrm>
-            <a:off x="9823094" y="2838770"/>
-            <a:ext cx="822960" cy="203318"/>
-          </a:xfrm>
-          <a:prstGeom prst="ellipse">
-            <a:avLst/>
-          </a:prstGeom>
-          <a:noFill/>
-          <a:ln w="6350" cap="flat" cmpd="sng" algn="ctr">
-            <a:solidFill>
-              <a:schemeClr val="accent1"/>
-            </a:solidFill>
-            <a:prstDash val="dash"/>
-            <a:round/>
-            <a:headEnd type="none" w="med" len="med"/>
-            <a:tailEnd type="none" w="med" len="med"/>
-          </a:ln>
-          <a:effectLst/>
-        </p:spPr>
-        <p:txBody>
-          <a:bodyPr vert="horz" wrap="square" lIns="0" tIns="0" rIns="0" bIns="0" numCol="1" rtlCol="0" anchor="ctr" anchorCtr="0" compatLnSpc="1">
-            <a:prstTxWarp prst="textNoShape">
-              <a:avLst/>
-            </a:prstTxWarp>
-          </a:bodyPr>
-          <a:lstStyle/>
-          <a:p>
-            <a:pPr algn="ctr" fontAlgn="base">
-              <a:spcBef>
-                <a:spcPct val="0"/>
-              </a:spcBef>
-              <a:spcAft>
-                <a:spcPct val="0"/>
-              </a:spcAft>
-            </a:pPr>
-            <a:r>
-              <a:rPr lang="es-MX" sz="1000" b="1" dirty="0">
-                <a:solidFill>
-                  <a:schemeClr val="accent1"/>
-                </a:solidFill>
-                <a:latin typeface="Arial" pitchFamily="34" charset="0"/>
-                <a:ea typeface="+mj-ea"/>
-              </a:rPr>
-              <a:t>20%</a:t>
-            </a:r>
-            <a:endParaRPr lang="en-US" sz="1000" b="1" dirty="0">
-              <a:solidFill>
-                <a:schemeClr val="accent1"/>
-              </a:solidFill>
-              <a:latin typeface="Arial" pitchFamily="34" charset="0"/>
-              <a:ea typeface="+mj-ea"/>
-            </a:endParaRPr>
-          </a:p>
-        </p:txBody>
-      </p:sp>
-      <p:sp>
-        <p:nvSpPr>
-          <p:cNvPr id="48" name="Oval 47"/>
-          <p:cNvSpPr/>
-          <p:nvPr/>
-        </p:nvSpPr>
-        <p:spPr bwMode="auto">
-          <a:xfrm>
-            <a:off x="9823094" y="3063624"/>
-            <a:ext cx="822960" cy="203318"/>
-          </a:xfrm>
-          <a:prstGeom prst="ellipse">
-            <a:avLst/>
-          </a:prstGeom>
-          <a:noFill/>
-          <a:ln w="6350" cap="flat" cmpd="sng" algn="ctr">
-            <a:solidFill>
-              <a:schemeClr val="accent1"/>
-            </a:solidFill>
-            <a:prstDash val="dash"/>
-            <a:round/>
-            <a:headEnd type="none" w="med" len="med"/>
-            <a:tailEnd type="none" w="med" len="med"/>
-          </a:ln>
-          <a:effectLst/>
-        </p:spPr>
-        <p:txBody>
-          <a:bodyPr vert="horz" wrap="square" lIns="0" tIns="0" rIns="0" bIns="0" numCol="1" rtlCol="0" anchor="ctr" anchorCtr="0" compatLnSpc="1">
-            <a:prstTxWarp prst="textNoShape">
-              <a:avLst/>
-            </a:prstTxWarp>
-          </a:bodyPr>
-          <a:lstStyle/>
-          <a:p>
-            <a:pPr algn="ctr" fontAlgn="base">
-              <a:spcBef>
-                <a:spcPct val="0"/>
-              </a:spcBef>
-              <a:spcAft>
-                <a:spcPct val="0"/>
-              </a:spcAft>
-            </a:pPr>
-            <a:r>
-              <a:rPr lang="es-MX" sz="1000" b="1" dirty="0">
-                <a:solidFill>
-                  <a:schemeClr val="accent1"/>
-                </a:solidFill>
-                <a:latin typeface="Arial" pitchFamily="34" charset="0"/>
-                <a:ea typeface="+mj-ea"/>
-              </a:rPr>
-              <a:t>17%</a:t>
-            </a:r>
-            <a:endParaRPr lang="en-US" sz="1000" b="1" dirty="0">
-              <a:solidFill>
-                <a:schemeClr val="accent1"/>
-              </a:solidFill>
-              <a:latin typeface="Arial" pitchFamily="34" charset="0"/>
-              <a:ea typeface="+mj-ea"/>
-            </a:endParaRPr>
-          </a:p>
-        </p:txBody>
-      </p:sp>
-      <p:sp>
-        <p:nvSpPr>
-          <p:cNvPr id="49" name="Oval 48"/>
-          <p:cNvSpPr/>
-          <p:nvPr/>
-        </p:nvSpPr>
-        <p:spPr bwMode="auto">
-          <a:xfrm>
-            <a:off x="9823094" y="3288478"/>
-            <a:ext cx="822960" cy="203318"/>
-          </a:xfrm>
-          <a:prstGeom prst="ellipse">
-            <a:avLst/>
-          </a:prstGeom>
-          <a:noFill/>
-          <a:ln w="6350" cap="flat" cmpd="sng" algn="ctr">
-            <a:solidFill>
-              <a:schemeClr val="accent1"/>
-            </a:solidFill>
-            <a:prstDash val="dash"/>
-            <a:round/>
-            <a:headEnd type="none" w="med" len="med"/>
-            <a:tailEnd type="none" w="med" len="med"/>
-          </a:ln>
-          <a:effectLst/>
-        </p:spPr>
-        <p:txBody>
-          <a:bodyPr vert="horz" wrap="square" lIns="0" tIns="0" rIns="0" bIns="0" numCol="1" rtlCol="0" anchor="ctr" anchorCtr="0" compatLnSpc="1">
-            <a:prstTxWarp prst="textNoShape">
-              <a:avLst/>
-            </a:prstTxWarp>
-          </a:bodyPr>
-          <a:lstStyle/>
-          <a:p>
-            <a:pPr algn="ctr" fontAlgn="base">
-              <a:spcBef>
-                <a:spcPct val="0"/>
-              </a:spcBef>
-              <a:spcAft>
-                <a:spcPct val="0"/>
-              </a:spcAft>
-            </a:pPr>
-            <a:r>
-              <a:rPr lang="es-MX" sz="1000" b="1" dirty="0">
-                <a:solidFill>
-                  <a:schemeClr val="accent1"/>
-                </a:solidFill>
-                <a:latin typeface="Arial" pitchFamily="34" charset="0"/>
-                <a:ea typeface="+mj-ea"/>
-              </a:rPr>
-              <a:t>21%</a:t>
-            </a:r>
-            <a:endParaRPr lang="en-US" sz="1000" b="1" dirty="0">
-              <a:solidFill>
-                <a:schemeClr val="accent1"/>
-              </a:solidFill>
-              <a:latin typeface="Arial" pitchFamily="34" charset="0"/>
-              <a:ea typeface="+mj-ea"/>
-            </a:endParaRPr>
-          </a:p>
-        </p:txBody>
-      </p:sp>
-      <p:sp>
-        <p:nvSpPr>
-          <p:cNvPr id="50" name="Oval 49"/>
-          <p:cNvSpPr/>
-          <p:nvPr/>
-        </p:nvSpPr>
-        <p:spPr bwMode="auto">
-          <a:xfrm>
-            <a:off x="9823094" y="3513332"/>
-            <a:ext cx="822960" cy="203318"/>
-          </a:xfrm>
-          <a:prstGeom prst="ellipse">
-            <a:avLst/>
-          </a:prstGeom>
-          <a:noFill/>
-          <a:ln w="6350" cap="flat" cmpd="sng" algn="ctr">
-            <a:solidFill>
-              <a:schemeClr val="accent1"/>
-            </a:solidFill>
-            <a:prstDash val="dash"/>
-            <a:round/>
-            <a:headEnd type="none" w="med" len="med"/>
-            <a:tailEnd type="none" w="med" len="med"/>
-          </a:ln>
-          <a:effectLst/>
-        </p:spPr>
-        <p:txBody>
-          <a:bodyPr vert="horz" wrap="square" lIns="0" tIns="0" rIns="0" bIns="0" numCol="1" rtlCol="0" anchor="ctr" anchorCtr="0" compatLnSpc="1">
-            <a:prstTxWarp prst="textNoShape">
-              <a:avLst/>
-            </a:prstTxWarp>
-          </a:bodyPr>
-          <a:lstStyle/>
-          <a:p>
-            <a:pPr algn="ctr" fontAlgn="base">
-              <a:spcBef>
-                <a:spcPct val="0"/>
-              </a:spcBef>
-              <a:spcAft>
-                <a:spcPct val="0"/>
-              </a:spcAft>
-            </a:pPr>
-            <a:r>
-              <a:rPr lang="es-MX" sz="1000" b="1" dirty="0">
-                <a:solidFill>
-                  <a:schemeClr val="accent1"/>
-                </a:solidFill>
-                <a:latin typeface="Arial" pitchFamily="34" charset="0"/>
-                <a:ea typeface="+mj-ea"/>
-              </a:rPr>
-              <a:t>11%</a:t>
-            </a:r>
-            <a:endParaRPr lang="en-US" sz="1000" b="1" dirty="0">
-              <a:solidFill>
-                <a:schemeClr val="accent1"/>
-              </a:solidFill>
-              <a:latin typeface="Arial" pitchFamily="34" charset="0"/>
-              <a:ea typeface="+mj-ea"/>
-            </a:endParaRPr>
-          </a:p>
-        </p:txBody>
-      </p:sp>
-      <p:sp>
-        <p:nvSpPr>
-          <p:cNvPr id="51" name="Oval 50"/>
-          <p:cNvSpPr/>
-          <p:nvPr/>
-        </p:nvSpPr>
-        <p:spPr bwMode="auto">
-          <a:xfrm>
-            <a:off x="9823094" y="3738186"/>
-            <a:ext cx="822960" cy="203318"/>
-          </a:xfrm>
-          <a:prstGeom prst="ellipse">
-            <a:avLst/>
-          </a:prstGeom>
-          <a:noFill/>
-          <a:ln w="6350" cap="flat" cmpd="sng" algn="ctr">
-            <a:solidFill>
-              <a:schemeClr val="accent1"/>
-            </a:solidFill>
-            <a:prstDash val="dash"/>
-            <a:round/>
-            <a:headEnd type="none" w="med" len="med"/>
-            <a:tailEnd type="none" w="med" len="med"/>
-          </a:ln>
-          <a:effectLst/>
-        </p:spPr>
-        <p:txBody>
-          <a:bodyPr vert="horz" wrap="square" lIns="0" tIns="0" rIns="0" bIns="0" numCol="1" rtlCol="0" anchor="ctr" anchorCtr="0" compatLnSpc="1">
-            <a:prstTxWarp prst="textNoShape">
-              <a:avLst/>
-            </a:prstTxWarp>
-          </a:bodyPr>
-          <a:lstStyle/>
-          <a:p>
-            <a:pPr algn="ctr" fontAlgn="base">
-              <a:spcBef>
-                <a:spcPct val="0"/>
-              </a:spcBef>
-              <a:spcAft>
-                <a:spcPct val="0"/>
-              </a:spcAft>
-            </a:pPr>
-            <a:r>
-              <a:rPr lang="es-MX" sz="1000" b="1" dirty="0">
-                <a:solidFill>
-                  <a:schemeClr val="accent1"/>
-                </a:solidFill>
-                <a:latin typeface="Arial" pitchFamily="34" charset="0"/>
-                <a:ea typeface="+mj-ea"/>
-              </a:rPr>
-              <a:t>28%</a:t>
-            </a:r>
-            <a:endParaRPr lang="en-US" sz="1000" b="1" dirty="0">
-              <a:solidFill>
-                <a:schemeClr val="accent1"/>
-              </a:solidFill>
-              <a:latin typeface="Arial" pitchFamily="34" charset="0"/>
-              <a:ea typeface="+mj-ea"/>
-            </a:endParaRPr>
-          </a:p>
-        </p:txBody>
-      </p:sp>
-      <p:sp>
-        <p:nvSpPr>
-          <p:cNvPr id="52" name="Oval 51"/>
-          <p:cNvSpPr/>
-          <p:nvPr/>
-        </p:nvSpPr>
-        <p:spPr bwMode="auto">
-          <a:xfrm>
-            <a:off x="9823094" y="3963040"/>
-            <a:ext cx="822960" cy="203318"/>
-          </a:xfrm>
-          <a:prstGeom prst="ellipse">
-            <a:avLst/>
-          </a:prstGeom>
-          <a:noFill/>
-          <a:ln w="6350" cap="flat" cmpd="sng" algn="ctr">
-            <a:solidFill>
-              <a:schemeClr val="accent1"/>
-            </a:solidFill>
-            <a:prstDash val="dash"/>
-            <a:round/>
-            <a:headEnd type="none" w="med" len="med"/>
-            <a:tailEnd type="none" w="med" len="med"/>
-          </a:ln>
-          <a:effectLst/>
-        </p:spPr>
-        <p:txBody>
-          <a:bodyPr vert="horz" wrap="square" lIns="0" tIns="0" rIns="0" bIns="0" numCol="1" rtlCol="0" anchor="ctr" anchorCtr="0" compatLnSpc="1">
-            <a:prstTxWarp prst="textNoShape">
-              <a:avLst/>
-            </a:prstTxWarp>
-          </a:bodyPr>
-          <a:lstStyle/>
-          <a:p>
-            <a:pPr algn="ctr" fontAlgn="base">
-              <a:spcBef>
-                <a:spcPct val="0"/>
-              </a:spcBef>
-              <a:spcAft>
-                <a:spcPct val="0"/>
-              </a:spcAft>
-            </a:pPr>
-            <a:r>
-              <a:rPr lang="es-MX" sz="1000" b="1" dirty="0">
-                <a:solidFill>
-                  <a:schemeClr val="accent1"/>
-                </a:solidFill>
-                <a:latin typeface="Arial" pitchFamily="34" charset="0"/>
-                <a:ea typeface="+mj-ea"/>
-              </a:rPr>
-              <a:t>15%</a:t>
-            </a:r>
-            <a:endParaRPr lang="en-US" sz="1000" b="1" dirty="0">
-              <a:solidFill>
-                <a:schemeClr val="accent1"/>
-              </a:solidFill>
-              <a:latin typeface="Arial" pitchFamily="34" charset="0"/>
-              <a:ea typeface="+mj-ea"/>
-            </a:endParaRPr>
-          </a:p>
-        </p:txBody>
-      </p:sp>
-      <p:sp>
-        <p:nvSpPr>
-          <p:cNvPr id="53" name="Oval 52"/>
-          <p:cNvSpPr/>
-          <p:nvPr/>
-        </p:nvSpPr>
-        <p:spPr bwMode="auto">
-          <a:xfrm>
-            <a:off x="9823094" y="4187894"/>
-            <a:ext cx="822960" cy="203318"/>
-          </a:xfrm>
-          <a:prstGeom prst="ellipse">
-            <a:avLst/>
-          </a:prstGeom>
-          <a:noFill/>
-          <a:ln w="6350" cap="flat" cmpd="sng" algn="ctr">
-            <a:solidFill>
-              <a:schemeClr val="accent1"/>
-            </a:solidFill>
-            <a:prstDash val="dash"/>
-            <a:round/>
-            <a:headEnd type="none" w="med" len="med"/>
-            <a:tailEnd type="none" w="med" len="med"/>
-          </a:ln>
-          <a:effectLst/>
-        </p:spPr>
-        <p:txBody>
-          <a:bodyPr vert="horz" wrap="square" lIns="0" tIns="0" rIns="0" bIns="0" numCol="1" rtlCol="0" anchor="ctr" anchorCtr="0" compatLnSpc="1">
-            <a:prstTxWarp prst="textNoShape">
-              <a:avLst/>
-            </a:prstTxWarp>
-          </a:bodyPr>
-          <a:lstStyle/>
-          <a:p>
-            <a:pPr algn="ctr" fontAlgn="base">
-              <a:spcBef>
-                <a:spcPct val="0"/>
-              </a:spcBef>
-              <a:spcAft>
-                <a:spcPct val="0"/>
-              </a:spcAft>
-            </a:pPr>
-            <a:r>
-              <a:rPr lang="es-MX" sz="1000" b="1" dirty="0">
-                <a:solidFill>
-                  <a:schemeClr val="accent1"/>
-                </a:solidFill>
-                <a:latin typeface="Arial" pitchFamily="34" charset="0"/>
-                <a:ea typeface="+mj-ea"/>
-              </a:rPr>
-              <a:t>26%</a:t>
-            </a:r>
-            <a:endParaRPr lang="en-US" sz="1000" b="1" dirty="0">
-              <a:solidFill>
-                <a:schemeClr val="accent1"/>
-              </a:solidFill>
-              <a:latin typeface="Arial" pitchFamily="34" charset="0"/>
-              <a:ea typeface="+mj-ea"/>
-            </a:endParaRPr>
-          </a:p>
-        </p:txBody>
-      </p:sp>
-      <p:sp>
-        <p:nvSpPr>
-          <p:cNvPr id="54" name="Oval 53"/>
-          <p:cNvSpPr/>
-          <p:nvPr/>
-        </p:nvSpPr>
-        <p:spPr bwMode="auto">
-          <a:xfrm>
-            <a:off x="9823094" y="4412748"/>
-            <a:ext cx="822960" cy="203318"/>
-          </a:xfrm>
-          <a:prstGeom prst="ellipse">
-            <a:avLst/>
-          </a:prstGeom>
-          <a:noFill/>
-          <a:ln w="6350" cap="flat" cmpd="sng" algn="ctr">
-            <a:solidFill>
-              <a:schemeClr val="accent1"/>
-            </a:solidFill>
-            <a:prstDash val="dash"/>
-            <a:round/>
-            <a:headEnd type="none" w="med" len="med"/>
-            <a:tailEnd type="none" w="med" len="med"/>
-          </a:ln>
-          <a:effectLst/>
-        </p:spPr>
-        <p:txBody>
-          <a:bodyPr vert="horz" wrap="square" lIns="0" tIns="0" rIns="0" bIns="0" numCol="1" rtlCol="0" anchor="ctr" anchorCtr="0" compatLnSpc="1">
-            <a:prstTxWarp prst="textNoShape">
-              <a:avLst/>
-            </a:prstTxWarp>
-          </a:bodyPr>
-          <a:lstStyle/>
-          <a:p>
-            <a:pPr algn="ctr" fontAlgn="base">
-              <a:spcBef>
-                <a:spcPct val="0"/>
-              </a:spcBef>
-              <a:spcAft>
-                <a:spcPct val="0"/>
-              </a:spcAft>
-            </a:pPr>
-            <a:r>
-              <a:rPr lang="es-MX" sz="1000" b="1" dirty="0">
-                <a:solidFill>
-                  <a:schemeClr val="accent1"/>
-                </a:solidFill>
-                <a:latin typeface="Arial" pitchFamily="34" charset="0"/>
-                <a:ea typeface="+mj-ea"/>
-              </a:rPr>
-              <a:t>9%</a:t>
-            </a:r>
-            <a:endParaRPr lang="en-US" sz="1000" b="1" dirty="0">
-              <a:solidFill>
-                <a:schemeClr val="accent1"/>
-              </a:solidFill>
-              <a:latin typeface="Arial" pitchFamily="34" charset="0"/>
-              <a:ea typeface="+mj-ea"/>
-            </a:endParaRPr>
-          </a:p>
-        </p:txBody>
-      </p:sp>
-      <p:sp>
-        <p:nvSpPr>
-          <p:cNvPr id="55" name="Oval 54"/>
-          <p:cNvSpPr/>
-          <p:nvPr/>
-        </p:nvSpPr>
-        <p:spPr bwMode="auto">
-          <a:xfrm>
-            <a:off x="9823094" y="4637602"/>
-            <a:ext cx="822960" cy="203318"/>
-          </a:xfrm>
-          <a:prstGeom prst="ellipse">
-            <a:avLst/>
-          </a:prstGeom>
-          <a:noFill/>
-          <a:ln w="6350" cap="flat" cmpd="sng" algn="ctr">
-            <a:solidFill>
-              <a:schemeClr val="accent1"/>
-            </a:solidFill>
-            <a:prstDash val="dash"/>
-            <a:round/>
-            <a:headEnd type="none" w="med" len="med"/>
-            <a:tailEnd type="none" w="med" len="med"/>
-          </a:ln>
-          <a:effectLst/>
-        </p:spPr>
-        <p:txBody>
-          <a:bodyPr vert="horz" wrap="square" lIns="0" tIns="0" rIns="0" bIns="0" numCol="1" rtlCol="0" anchor="ctr" anchorCtr="0" compatLnSpc="1">
-            <a:prstTxWarp prst="textNoShape">
-              <a:avLst/>
-            </a:prstTxWarp>
-          </a:bodyPr>
-          <a:lstStyle/>
-          <a:p>
-            <a:pPr algn="ctr" fontAlgn="base">
-              <a:spcBef>
-                <a:spcPct val="0"/>
-              </a:spcBef>
-              <a:spcAft>
-                <a:spcPct val="0"/>
-              </a:spcAft>
-            </a:pPr>
-            <a:r>
-              <a:rPr lang="es-MX" sz="1000" b="1" dirty="0">
-                <a:solidFill>
-                  <a:schemeClr val="accent1"/>
-                </a:solidFill>
-                <a:latin typeface="Arial" pitchFamily="34" charset="0"/>
-                <a:ea typeface="+mj-ea"/>
-              </a:rPr>
-              <a:t>30%</a:t>
-            </a:r>
-            <a:endParaRPr lang="en-US" sz="1000" b="1" dirty="0">
-              <a:solidFill>
-                <a:schemeClr val="accent1"/>
-              </a:solidFill>
-              <a:latin typeface="Arial" pitchFamily="34" charset="0"/>
-              <a:ea typeface="+mj-ea"/>
-            </a:endParaRPr>
-          </a:p>
-        </p:txBody>
-      </p:sp>
-      <p:sp>
-        <p:nvSpPr>
-          <p:cNvPr id="56" name="Oval 55"/>
-          <p:cNvSpPr/>
-          <p:nvPr/>
-        </p:nvSpPr>
-        <p:spPr bwMode="auto">
-          <a:xfrm>
-            <a:off x="9823094" y="4862456"/>
-            <a:ext cx="822960" cy="203318"/>
-          </a:xfrm>
-          <a:prstGeom prst="ellipse">
-            <a:avLst/>
-          </a:prstGeom>
-          <a:noFill/>
-          <a:ln w="6350" cap="flat" cmpd="sng" algn="ctr">
-            <a:solidFill>
-              <a:schemeClr val="accent1"/>
-            </a:solidFill>
-            <a:prstDash val="dash"/>
-            <a:round/>
-            <a:headEnd type="none" w="med" len="med"/>
-            <a:tailEnd type="none" w="med" len="med"/>
-          </a:ln>
-          <a:effectLst/>
-        </p:spPr>
-        <p:txBody>
-          <a:bodyPr vert="horz" wrap="square" lIns="0" tIns="0" rIns="0" bIns="0" numCol="1" rtlCol="0" anchor="ctr" anchorCtr="0" compatLnSpc="1">
-            <a:prstTxWarp prst="textNoShape">
-              <a:avLst/>
-            </a:prstTxWarp>
-          </a:bodyPr>
-          <a:lstStyle/>
-          <a:p>
-            <a:pPr algn="ctr" fontAlgn="base">
-              <a:spcBef>
-                <a:spcPct val="0"/>
-              </a:spcBef>
-              <a:spcAft>
-                <a:spcPct val="0"/>
-              </a:spcAft>
-            </a:pPr>
-            <a:r>
-              <a:rPr lang="es-MX" sz="1000" b="1" dirty="0">
-                <a:solidFill>
-                  <a:schemeClr val="accent1"/>
-                </a:solidFill>
-                <a:latin typeface="Arial" pitchFamily="34" charset="0"/>
-                <a:ea typeface="+mj-ea"/>
-              </a:rPr>
-              <a:t>26%</a:t>
-            </a:r>
-            <a:endParaRPr lang="en-US" sz="1000" b="1" dirty="0">
-              <a:solidFill>
-                <a:schemeClr val="accent1"/>
-              </a:solidFill>
-              <a:latin typeface="Arial" pitchFamily="34" charset="0"/>
-              <a:ea typeface="+mj-ea"/>
-            </a:endParaRPr>
-          </a:p>
-        </p:txBody>
-      </p:sp>
-      <p:sp>
-        <p:nvSpPr>
-          <p:cNvPr id="57" name="Oval 56"/>
-          <p:cNvSpPr/>
-          <p:nvPr/>
-        </p:nvSpPr>
-        <p:spPr bwMode="auto">
-          <a:xfrm>
-            <a:off x="9823094" y="5087310"/>
-            <a:ext cx="822960" cy="203318"/>
-          </a:xfrm>
-          <a:prstGeom prst="ellipse">
-            <a:avLst/>
-          </a:prstGeom>
-          <a:noFill/>
-          <a:ln w="6350" cap="flat" cmpd="sng" algn="ctr">
-            <a:solidFill>
-              <a:schemeClr val="accent1"/>
-            </a:solidFill>
-            <a:prstDash val="dash"/>
-            <a:round/>
-            <a:headEnd type="none" w="med" len="med"/>
-            <a:tailEnd type="none" w="med" len="med"/>
-          </a:ln>
-          <a:effectLst/>
-        </p:spPr>
-        <p:txBody>
-          <a:bodyPr vert="horz" wrap="square" lIns="0" tIns="0" rIns="0" bIns="0" numCol="1" rtlCol="0" anchor="ctr" anchorCtr="0" compatLnSpc="1">
-            <a:prstTxWarp prst="textNoShape">
-              <a:avLst/>
-            </a:prstTxWarp>
-          </a:bodyPr>
-          <a:lstStyle/>
-          <a:p>
-            <a:pPr algn="ctr" fontAlgn="base">
-              <a:spcBef>
-                <a:spcPct val="0"/>
-              </a:spcBef>
-              <a:spcAft>
-                <a:spcPct val="0"/>
-              </a:spcAft>
-            </a:pPr>
-            <a:r>
-              <a:rPr lang="es-MX" sz="1000" b="1" dirty="0">
-                <a:solidFill>
-                  <a:schemeClr val="accent1"/>
-                </a:solidFill>
-                <a:latin typeface="Arial" pitchFamily="34" charset="0"/>
-                <a:ea typeface="+mj-ea"/>
-              </a:rPr>
-              <a:t>18%</a:t>
-            </a:r>
-            <a:endParaRPr lang="en-US" sz="1000" b="1" dirty="0">
-              <a:solidFill>
-                <a:schemeClr val="accent1"/>
-              </a:solidFill>
-              <a:latin typeface="Arial" pitchFamily="34" charset="0"/>
-              <a:ea typeface="+mj-ea"/>
-            </a:endParaRPr>
-          </a:p>
-        </p:txBody>
-      </p:sp>
-      <p:sp>
-        <p:nvSpPr>
-          <p:cNvPr id="58" name="Oval 57"/>
-          <p:cNvSpPr/>
-          <p:nvPr/>
-        </p:nvSpPr>
-        <p:spPr bwMode="auto">
-          <a:xfrm>
-            <a:off x="9823094" y="5312164"/>
-            <a:ext cx="822960" cy="203318"/>
-          </a:xfrm>
-          <a:prstGeom prst="ellipse">
-            <a:avLst/>
-          </a:prstGeom>
-          <a:noFill/>
-          <a:ln w="6350" cap="flat" cmpd="sng" algn="ctr">
-            <a:solidFill>
-              <a:schemeClr val="accent1"/>
-            </a:solidFill>
-            <a:prstDash val="dash"/>
-            <a:round/>
-            <a:headEnd type="none" w="med" len="med"/>
-            <a:tailEnd type="none" w="med" len="med"/>
-          </a:ln>
-          <a:effectLst/>
-        </p:spPr>
-        <p:txBody>
-          <a:bodyPr vert="horz" wrap="square" lIns="0" tIns="0" rIns="0" bIns="0" numCol="1" rtlCol="0" anchor="ctr" anchorCtr="0" compatLnSpc="1">
-            <a:prstTxWarp prst="textNoShape">
-              <a:avLst/>
-            </a:prstTxWarp>
-          </a:bodyPr>
-          <a:lstStyle/>
-          <a:p>
-            <a:pPr algn="ctr" fontAlgn="base">
-              <a:spcBef>
-                <a:spcPct val="0"/>
-              </a:spcBef>
-              <a:spcAft>
-                <a:spcPct val="0"/>
-              </a:spcAft>
-            </a:pPr>
-            <a:r>
-              <a:rPr lang="es-MX" sz="1000" b="1" dirty="0">
-                <a:solidFill>
-                  <a:schemeClr val="accent1"/>
-                </a:solidFill>
-                <a:latin typeface="Arial" pitchFamily="34" charset="0"/>
-                <a:ea typeface="+mj-ea"/>
-              </a:rPr>
-              <a:t>24%</a:t>
-            </a:r>
-            <a:endParaRPr lang="en-US" sz="1000" b="1" dirty="0">
-              <a:solidFill>
-                <a:schemeClr val="accent1"/>
-              </a:solidFill>
-              <a:latin typeface="Arial" pitchFamily="34" charset="0"/>
-              <a:ea typeface="+mj-ea"/>
-            </a:endParaRPr>
-          </a:p>
-        </p:txBody>
-      </p:sp>
-      <p:sp>
-        <p:nvSpPr>
-          <p:cNvPr id="61" name="Oval 60"/>
-          <p:cNvSpPr/>
-          <p:nvPr/>
-        </p:nvSpPr>
-        <p:spPr bwMode="auto">
-          <a:xfrm>
-            <a:off x="9823094" y="5537018"/>
-            <a:ext cx="822960" cy="203318"/>
-          </a:xfrm>
-          <a:prstGeom prst="ellipse">
-            <a:avLst/>
-          </a:prstGeom>
-          <a:noFill/>
-          <a:ln w="6350" cap="flat" cmpd="sng" algn="ctr">
-            <a:solidFill>
-              <a:schemeClr val="accent1"/>
-            </a:solidFill>
-            <a:prstDash val="dash"/>
-            <a:round/>
-            <a:headEnd type="none" w="med" len="med"/>
-            <a:tailEnd type="none" w="med" len="med"/>
-          </a:ln>
-          <a:effectLst/>
-        </p:spPr>
-        <p:txBody>
-          <a:bodyPr vert="horz" wrap="square" lIns="0" tIns="0" rIns="0" bIns="0" numCol="1" rtlCol="0" anchor="ctr" anchorCtr="0" compatLnSpc="1">
-            <a:prstTxWarp prst="textNoShape">
-              <a:avLst/>
-            </a:prstTxWarp>
-          </a:bodyPr>
-          <a:lstStyle/>
-          <a:p>
-            <a:pPr algn="ctr" fontAlgn="base">
-              <a:spcBef>
-                <a:spcPct val="0"/>
-              </a:spcBef>
-              <a:spcAft>
-                <a:spcPct val="0"/>
-              </a:spcAft>
-            </a:pPr>
-            <a:r>
-              <a:rPr lang="es-MX" sz="1000" b="1" dirty="0">
-                <a:solidFill>
-                  <a:schemeClr val="accent1"/>
-                </a:solidFill>
-                <a:latin typeface="Arial" pitchFamily="34" charset="0"/>
-                <a:ea typeface="+mj-ea"/>
-              </a:rPr>
-              <a:t>22%</a:t>
-            </a:r>
-            <a:endParaRPr lang="en-US" sz="1000" b="1" dirty="0">
-              <a:solidFill>
-                <a:schemeClr val="accent1"/>
-              </a:solidFill>
-              <a:latin typeface="Arial" pitchFamily="34" charset="0"/>
-              <a:ea typeface="+mj-ea"/>
-            </a:endParaRPr>
-          </a:p>
-        </p:txBody>
-      </p:sp>
-      <p:sp>
-        <p:nvSpPr>
-          <p:cNvPr id="62" name="Oval 61"/>
-          <p:cNvSpPr/>
-          <p:nvPr/>
-        </p:nvSpPr>
-        <p:spPr bwMode="auto">
-          <a:xfrm>
-            <a:off x="9823094" y="5761872"/>
-            <a:ext cx="822960" cy="203318"/>
-          </a:xfrm>
-          <a:prstGeom prst="ellipse">
-            <a:avLst/>
-          </a:prstGeom>
-          <a:noFill/>
-          <a:ln w="6350" cap="flat" cmpd="sng" algn="ctr">
-            <a:solidFill>
-              <a:schemeClr val="accent1"/>
-            </a:solidFill>
-            <a:prstDash val="dash"/>
-            <a:round/>
-            <a:headEnd type="none" w="med" len="med"/>
-            <a:tailEnd type="none" w="med" len="med"/>
-          </a:ln>
-          <a:effectLst/>
-        </p:spPr>
-        <p:txBody>
-          <a:bodyPr vert="horz" wrap="square" lIns="0" tIns="0" rIns="0" bIns="0" numCol="1" rtlCol="0" anchor="ctr" anchorCtr="0" compatLnSpc="1">
-            <a:prstTxWarp prst="textNoShape">
-              <a:avLst/>
-            </a:prstTxWarp>
-          </a:bodyPr>
-          <a:lstStyle/>
-          <a:p>
-            <a:pPr algn="ctr" fontAlgn="base">
-              <a:spcBef>
-                <a:spcPct val="0"/>
-              </a:spcBef>
-              <a:spcAft>
-                <a:spcPct val="0"/>
-              </a:spcAft>
-            </a:pPr>
-            <a:r>
-              <a:rPr lang="es-MX" sz="1000" b="1" dirty="0">
-                <a:solidFill>
-                  <a:schemeClr val="accent1"/>
-                </a:solidFill>
-                <a:latin typeface="Arial" pitchFamily="34" charset="0"/>
-                <a:ea typeface="+mj-ea"/>
-              </a:rPr>
-              <a:t>8%</a:t>
-            </a:r>
-            <a:endParaRPr lang="en-US" sz="1000" b="1" dirty="0">
-              <a:solidFill>
-                <a:schemeClr val="accent1"/>
-              </a:solidFill>
-              <a:latin typeface="Arial" pitchFamily="34" charset="0"/>
-              <a:ea typeface="+mj-ea"/>
-            </a:endParaRPr>
-          </a:p>
-        </p:txBody>
-      </p:sp>
-      <p:sp>
-        <p:nvSpPr>
-          <p:cNvPr id="63" name="Oval 62"/>
-          <p:cNvSpPr/>
-          <p:nvPr/>
-        </p:nvSpPr>
-        <p:spPr bwMode="auto">
-          <a:xfrm>
-            <a:off x="9823094" y="5986721"/>
-            <a:ext cx="822960" cy="203318"/>
-          </a:xfrm>
-          <a:prstGeom prst="ellipse">
-            <a:avLst/>
-          </a:prstGeom>
-          <a:noFill/>
-          <a:ln w="6350" cap="flat" cmpd="sng" algn="ctr">
-            <a:solidFill>
-              <a:schemeClr val="accent1"/>
-            </a:solidFill>
-            <a:prstDash val="dash"/>
-            <a:round/>
-            <a:headEnd type="none" w="med" len="med"/>
-            <a:tailEnd type="none" w="med" len="med"/>
-          </a:ln>
-          <a:effectLst/>
-        </p:spPr>
-        <p:txBody>
-          <a:bodyPr vert="horz" wrap="square" lIns="0" tIns="0" rIns="0" bIns="0" numCol="1" rtlCol="0" anchor="ctr" anchorCtr="0" compatLnSpc="1">
-            <a:prstTxWarp prst="textNoShape">
-              <a:avLst/>
-            </a:prstTxWarp>
-          </a:bodyPr>
-          <a:lstStyle/>
-          <a:p>
-            <a:pPr algn="ctr" fontAlgn="base">
-              <a:spcBef>
-                <a:spcPct val="0"/>
-              </a:spcBef>
-              <a:spcAft>
-                <a:spcPct val="0"/>
-              </a:spcAft>
-            </a:pPr>
-            <a:r>
-              <a:rPr lang="es-MX" sz="1000" b="1" dirty="0">
-                <a:solidFill>
-                  <a:schemeClr val="accent1"/>
-                </a:solidFill>
-                <a:latin typeface="Arial" pitchFamily="34" charset="0"/>
-                <a:ea typeface="+mj-ea"/>
-              </a:rPr>
-              <a:t>30%</a:t>
-            </a:r>
-            <a:endParaRPr lang="en-US" sz="1000" b="1" dirty="0">
-              <a:solidFill>
-                <a:schemeClr val="accent1"/>
-              </a:solidFill>
-              <a:latin typeface="Arial" pitchFamily="34" charset="0"/>
-              <a:ea typeface="+mj-ea"/>
-            </a:endParaRPr>
-          </a:p>
-        </p:txBody>
-      </p:sp>
-      <p:sp>
-        <p:nvSpPr>
-          <p:cNvPr id="38" name="Rectangle 37"/>
-          <p:cNvSpPr/>
-          <p:nvPr/>
-        </p:nvSpPr>
-        <p:spPr bwMode="auto">
-          <a:xfrm>
-            <a:off x="10237573" y="6283411"/>
-            <a:ext cx="1736124" cy="375414"/>
-          </a:xfrm>
-          <a:prstGeom prst="rect">
-            <a:avLst/>
-          </a:prstGeom>
-          <a:solidFill>
-            <a:schemeClr val="bg1"/>
-          </a:solidFill>
-          <a:ln w="6350" cap="flat" cmpd="sng" algn="ctr">
-            <a:solidFill>
-              <a:schemeClr val="bg1"/>
-            </a:solidFill>
-            <a:prstDash val="solid"/>
-            <a:round/>
-            <a:headEnd type="none" w="med" len="med"/>
-            <a:tailEnd type="none" w="med" len="med"/>
-          </a:ln>
-          <a:effectLst/>
-        </p:spPr>
-        <p:txBody>
-          <a:bodyPr vert="horz" wrap="none" lIns="91440" tIns="45720" rIns="91440" bIns="45720" numCol="1" rtlCol="0" anchor="ctr" anchorCtr="0" compatLnSpc="1">
-            <a:prstTxWarp prst="textNoShape">
-              <a:avLst/>
-            </a:prstTxWarp>
-          </a:bodyPr>
-          <a:lstStyle/>
-          <a:p>
-            <a:pPr marL="0" marR="0" indent="0" algn="ctr" defTabSz="914400" rtl="0" eaLnBrk="1" fontAlgn="base" latinLnBrk="0" hangingPunct="1">
-              <a:lnSpc>
-                <a:spcPct val="100000"/>
-              </a:lnSpc>
-              <a:spcBef>
-                <a:spcPct val="0"/>
-              </a:spcBef>
-              <a:spcAft>
-                <a:spcPct val="0"/>
-              </a:spcAft>
-              <a:buClrTx/>
-              <a:buSzTx/>
-              <a:buFontTx/>
-              <a:buNone/>
-              <a:tabLst/>
-            </a:pPr>
-            <a:endParaRPr kumimoji="0" lang="en-US" sz="1400" b="0" i="0" u="none" strike="noStrike" cap="none" normalizeH="0" baseline="0" dirty="0">
-              <a:ln>
-                <a:noFill/>
-              </a:ln>
-              <a:solidFill>
-                <a:schemeClr val="tx1"/>
-              </a:solidFill>
-              <a:effectLst/>
-              <a:latin typeface="Arial" pitchFamily="34" charset="0"/>
-              <a:ea typeface="+mj-ea"/>
-            </a:endParaRPr>
-          </a:p>
-        </p:txBody>
-      </p:sp>
     </p:spTree>
     <p:extLst>
       <p:ext uri="{BB962C8B-B14F-4D97-AF65-F5344CB8AC3E}">
-        <p14:creationId xmlns:p14="http://schemas.microsoft.com/office/powerpoint/2010/main" val="2679532925"/>
+        <p14:creationId xmlns:p14="http://schemas.microsoft.com/office/powerpoint/2010/main" val="996863202"/>
       </p:ext>
     </p:extLst>
   </p:cSld>
@@ -19869,11 +18580,6 @@
             <p:custDataLst>
               <p:tags r:id="rId2"/>
             </p:custDataLst>
-            <p:extLst>
-              <p:ext uri="{D42A27DB-BD31-4B8C-83A1-F6EECF244321}">
-                <p14:modId xmlns:p14="http://schemas.microsoft.com/office/powerpoint/2010/main" val="2829523875"/>
-              </p:ext>
-            </p:extLst>
           </p:nvPr>
         </p:nvGraphicFramePr>
         <p:xfrm>
@@ -19884,12 +18590,12 @@
           <a:graphicData uri="http://schemas.openxmlformats.org/presentationml/2006/ole">
             <mc:AlternateContent xmlns:mc="http://schemas.openxmlformats.org/markup-compatibility/2006">
               <mc:Choice xmlns:v="urn:schemas-microsoft-com:vml" Requires="v">
-                <p:oleObj spid="_x0000_s53286" name="think-cell Slide" r:id="rId6" imgW="473" imgH="473" progId="TCLayout.ActiveDocument.1">
+                <p:oleObj spid="_x0000_s54306" name="think-cell Slide" r:id="rId5" imgW="473" imgH="473" progId="TCLayout.ActiveDocument.1">
                   <p:embed/>
                 </p:oleObj>
               </mc:Choice>
               <mc:Fallback>
-                <p:oleObj name="think-cell Slide" r:id="rId6" imgW="473" imgH="473" progId="TCLayout.ActiveDocument.1">
+                <p:oleObj name="think-cell Slide" r:id="rId5" imgW="473" imgH="473" progId="TCLayout.ActiveDocument.1">
                   <p:embed/>
                   <p:pic>
                     <p:nvPicPr>
@@ -19898,7 +18604,7 @@
                       <p:nvPr/>
                     </p:nvPicPr>
                     <p:blipFill>
-                      <a:blip r:embed="rId7"/>
+                      <a:blip r:embed="rId6"/>
                       <a:stretch>
                         <a:fillRect/>
                       </a:stretch>
@@ -20036,17 +18742,19 @@
         </p:nvSpPr>
         <p:spPr bwMode="gray">
           <a:xfrm>
-            <a:off x="801550" y="1295400"/>
-            <a:ext cx="1779725" cy="2352674"/>
+            <a:off x="801549" y="872302"/>
+            <a:ext cx="5129303" cy="391859"/>
           </a:xfrm>
           <a:prstGeom prst="roundRect">
             <a:avLst/>
           </a:prstGeom>
           <a:solidFill>
-            <a:srgbClr val="00B0F0"/>
+            <a:srgbClr val="002060"/>
           </a:solidFill>
           <a:ln w="9525" algn="ctr">
-            <a:noFill/>
+            <a:solidFill>
+              <a:srgbClr val="002D72"/>
+            </a:solidFill>
             <a:miter lim="800000"/>
             <a:headEnd/>
             <a:tailEnd/>
@@ -20065,12 +18773,63 @@
               </a:spcAft>
             </a:pPr>
             <a:r>
-              <a:rPr lang="en-US" sz="1600" b="1" dirty="0">
+              <a:rPr lang="en-US" sz="1400" b="1" dirty="0">
                 <a:solidFill>
                   <a:schemeClr val="bg1"/>
                 </a:solidFill>
               </a:rPr>
-              <a:t>Age</a:t>
+              <a:t>Increase In Death Probability Due to Pre-Existing Conditions</a:t>
+            </a:r>
+          </a:p>
+        </p:txBody>
+      </p:sp>
+      <p:sp>
+        <p:nvSpPr>
+          <p:cNvPr id="60" name="Rectangle 2"/>
+          <p:cNvSpPr>
+            <a:spLocks noChangeArrowheads="1"/>
+          </p:cNvSpPr>
+          <p:nvPr/>
+        </p:nvSpPr>
+        <p:spPr bwMode="gray">
+          <a:xfrm>
+            <a:off x="6254094" y="869212"/>
+            <a:ext cx="5129303" cy="391859"/>
+          </a:xfrm>
+          <a:prstGeom prst="roundRect">
+            <a:avLst/>
+          </a:prstGeom>
+          <a:solidFill>
+            <a:srgbClr val="002060"/>
+          </a:solidFill>
+          <a:ln w="9525" algn="ctr">
+            <a:solidFill>
+              <a:srgbClr val="002D72"/>
+            </a:solidFill>
+            <a:miter lim="800000"/>
+            <a:headEnd/>
+            <a:tailEnd/>
+          </a:ln>
+        </p:spPr>
+        <p:txBody>
+          <a:bodyPr tIns="91440" bIns="91440" anchor="ctr"/>
+          <a:lstStyle/>
+          <a:p>
+            <a:pPr algn="ctr" fontAlgn="base">
+              <a:spcBef>
+                <a:spcPct val="0"/>
+              </a:spcBef>
+              <a:spcAft>
+                <a:spcPct val="0"/>
+              </a:spcAft>
+            </a:pPr>
+            <a:r>
+              <a:rPr lang="en-US" sz="1400" b="1" dirty="0">
+                <a:solidFill>
+                  <a:schemeClr val="bg1"/>
+                </a:solidFill>
+              </a:rPr>
+              <a:t>Pre-Existing Conditions Vs Death Correlation</a:t>
             </a:r>
           </a:p>
         </p:txBody>
@@ -20084,7 +18843,7 @@
           <p:nvPr/>
         </p:nvPicPr>
         <p:blipFill>
-          <a:blip r:embed="rId8"/>
+          <a:blip r:embed="rId7"/>
           <a:stretch>
             <a:fillRect/>
           </a:stretch>
@@ -20161,7 +18920,7 @@
                 <a:latin typeface="Arial" pitchFamily="34" charset="0"/>
                 <a:ea typeface="+mj-ea"/>
               </a:rPr>
-              <a:t>6</a:t>
+              <a:t>7</a:t>
             </a:r>
             <a:endParaRPr kumimoji="0" lang="en-US" sz="1400" b="1" i="0" u="none" strike="noStrike" cap="none" normalizeH="0" baseline="0" dirty="0">
               <a:ln>
@@ -20179,109 +18938,61 @@
           </a:p>
         </p:txBody>
       </p:sp>
-      <p:sp>
-        <p:nvSpPr>
-          <p:cNvPr id="9" name="Rectangle 2"/>
-          <p:cNvSpPr>
-            <a:spLocks noChangeArrowheads="1"/>
-          </p:cNvSpPr>
-          <p:nvPr/>
-        </p:nvSpPr>
-        <p:spPr bwMode="gray">
-          <a:xfrm>
-            <a:off x="801549" y="3867150"/>
-            <a:ext cx="1779725" cy="2352674"/>
-          </a:xfrm>
-          <a:prstGeom prst="roundRect">
-            <a:avLst/>
-          </a:prstGeom>
-          <a:solidFill>
-            <a:srgbClr val="00B0F0"/>
-          </a:solidFill>
-          <a:ln w="9525" algn="ctr">
-            <a:noFill/>
-            <a:miter lim="800000"/>
-            <a:headEnd/>
-            <a:tailEnd/>
-          </a:ln>
-        </p:spPr>
-        <p:txBody>
-          <a:bodyPr tIns="91440" bIns="91440" anchor="ctr"/>
-          <a:lstStyle/>
-          <a:p>
-            <a:pPr algn="ctr" fontAlgn="base">
-              <a:spcBef>
-                <a:spcPct val="0"/>
-              </a:spcBef>
-              <a:spcAft>
-                <a:spcPct val="0"/>
-              </a:spcAft>
-            </a:pPr>
-            <a:r>
-              <a:rPr lang="en-US" sz="1400" b="1" dirty="0">
-                <a:solidFill>
-                  <a:schemeClr val="bg1"/>
-                </a:solidFill>
-              </a:rPr>
-              <a:t>Pre-Existing Conditions</a:t>
-            </a:r>
-          </a:p>
-        </p:txBody>
-      </p:sp>
-      <p:sp>
-        <p:nvSpPr>
-          <p:cNvPr id="10" name="Rectangle 2"/>
-          <p:cNvSpPr>
-            <a:spLocks noChangeArrowheads="1"/>
-          </p:cNvSpPr>
-          <p:nvPr/>
-        </p:nvSpPr>
-        <p:spPr bwMode="gray">
-          <a:xfrm>
-            <a:off x="801548" y="814524"/>
-            <a:ext cx="7809051" cy="391859"/>
-          </a:xfrm>
-          <a:prstGeom prst="roundRect">
-            <a:avLst/>
-          </a:prstGeom>
-          <a:solidFill>
-            <a:srgbClr val="002060"/>
-          </a:solidFill>
-          <a:ln w="9525" algn="ctr">
-            <a:solidFill>
-              <a:srgbClr val="002D72"/>
-            </a:solidFill>
-            <a:miter lim="800000"/>
-            <a:headEnd/>
-            <a:tailEnd/>
-          </a:ln>
-        </p:spPr>
-        <p:txBody>
-          <a:bodyPr tIns="91440" bIns="91440" anchor="ctr"/>
-          <a:lstStyle/>
-          <a:p>
-            <a:pPr algn="ctr" fontAlgn="base">
-              <a:spcBef>
-                <a:spcPct val="0"/>
-              </a:spcBef>
-              <a:spcAft>
-                <a:spcPct val="0"/>
-              </a:spcAft>
-            </a:pPr>
-            <a:r>
-              <a:rPr lang="en-US" sz="1400" b="1" dirty="0">
-                <a:solidFill>
-                  <a:schemeClr val="bg1"/>
-                </a:solidFill>
-              </a:rPr>
-              <a:t>Age &amp; Pre-Existing Conditions</a:t>
-            </a:r>
-          </a:p>
-        </p:txBody>
-      </p:sp>
       <p:pic>
         <p:nvPicPr>
-          <p:cNvPr id="53258" name="Picture 10" descr="COVID-19_age_decease.png"/>
+          <p:cNvPr id="54283" name="Picture 11" descr="Death probability.png"/>
+          <p:cNvPicPr>
+            <a:picLocks noChangeAspect="1" noChangeArrowheads="1"/>
+          </p:cNvPicPr>
+          <p:nvPr/>
+        </p:nvPicPr>
+        <p:blipFill rotWithShape="1">
+          <a:blip r:embed="rId8">
+            <a:extLst>
+              <a:ext uri="{28A0092B-C50C-407E-A947-70E740481C1C}">
+                <a14:useLocalDpi xmlns:a14="http://schemas.microsoft.com/office/drawing/2010/main" val="0"/>
+              </a:ext>
+            </a:extLst>
+          </a:blip>
+          <a:srcRect l="8388" t="20998" r="11315"/>
+          <a:stretch/>
+        </p:blipFill>
+        <p:spPr bwMode="auto">
+          <a:xfrm>
+            <a:off x="895349" y="1430868"/>
+            <a:ext cx="5129303" cy="5116124"/>
+          </a:xfrm>
+          <a:prstGeom prst="rect">
+            <a:avLst/>
+          </a:prstGeom>
+          <a:noFill/>
+          <a:ln>
+            <a:noFill/>
+          </a:ln>
+          <a:extLst>
+            <a:ext uri="{909E8E84-426E-40DD-AFC4-6F175D3DCCD1}">
+              <a14:hiddenFill xmlns:a14="http://schemas.microsoft.com/office/drawing/2010/main">
+                <a:solidFill>
+                  <a:srgbClr val="FFFFFF"/>
+                </a:solidFill>
+              </a14:hiddenFill>
+            </a:ext>
+            <a:ext uri="{91240B29-F687-4F45-9708-019B960494DF}">
+              <a14:hiddenLine xmlns:a14="http://schemas.microsoft.com/office/drawing/2010/main" w="9525">
+                <a:solidFill>
+                  <a:srgbClr val="000000"/>
+                </a:solidFill>
+                <a:miter lim="800000"/>
+                <a:headEnd/>
+                <a:tailEnd/>
+              </a14:hiddenLine>
+            </a:ext>
+          </a:extLst>
+        </p:spPr>
+      </p:pic>
+      <p:pic>
+        <p:nvPicPr>
+          <p:cNvPr id="54284" name="Picture 12" descr="COVID-19 Correlation.png"/>
           <p:cNvPicPr>
             <a:picLocks noChangeAspect="1" noChangeArrowheads="1"/>
           </p:cNvPicPr>
@@ -20295,13 +19006,13 @@
               </a:ext>
             </a:extLst>
           </a:blip>
-          <a:srcRect l="8096" t="12699" r="10194" b="12215"/>
+          <a:srcRect l="5486" t="39111" r="10191"/>
           <a:stretch/>
         </p:blipFill>
         <p:spPr bwMode="auto">
           <a:xfrm>
-            <a:off x="2867027" y="1315922"/>
-            <a:ext cx="5472641" cy="2426100"/>
+            <a:off x="6254094" y="2108200"/>
+            <a:ext cx="5175972" cy="4438792"/>
           </a:xfrm>
           <a:prstGeom prst="rect">
             <a:avLst/>
@@ -20333,26 +19044,25 @@
       </p:pic>
       <p:sp>
         <p:nvSpPr>
-          <p:cNvPr id="13" name="Isosceles Triangle 12"/>
+          <p:cNvPr id="11" name="Rectangle 10"/>
           <p:cNvSpPr/>
           <p:nvPr/>
         </p:nvSpPr>
         <p:spPr bwMode="auto">
-          <a:xfrm rot="5400000">
-            <a:off x="7942557" y="2328290"/>
-            <a:ext cx="1946252" cy="286895"/>
-          </a:xfrm>
-          <a:prstGeom prst="triangle">
+          <a:xfrm>
+            <a:off x="10237573" y="6283411"/>
+            <a:ext cx="1736124" cy="375414"/>
+          </a:xfrm>
+          <a:prstGeom prst="rect">
             <a:avLst/>
           </a:prstGeom>
           <a:solidFill>
-            <a:schemeClr val="accent2">
-              <a:lumMod val="60000"/>
-              <a:lumOff val="40000"/>
-            </a:schemeClr>
+            <a:schemeClr val="bg1"/>
           </a:solidFill>
           <a:ln w="6350" cap="flat" cmpd="sng" algn="ctr">
-            <a:noFill/>
+            <a:solidFill>
+              <a:schemeClr val="bg1"/>
+            </a:solidFill>
             <a:prstDash val="solid"/>
             <a:round/>
             <a:headEnd type="none" w="med" len="med"/>
@@ -20368,7 +19078,7 @@
           </a:bodyPr>
           <a:lstStyle/>
           <a:p>
-            <a:pPr marL="0" marR="0" indent="0" algn="ctr" defTabSz="914400" rtl="0" fontAlgn="base" latinLnBrk="0" hangingPunct="1">
+            <a:pPr marL="0" marR="0" indent="0" algn="ctr" defTabSz="914400" rtl="0" eaLnBrk="1" fontAlgn="base" latinLnBrk="0" hangingPunct="1">
               <a:lnSpc>
                 <a:spcPct val="100000"/>
               </a:lnSpc>
@@ -20398,387 +19108,10 @@
           </a:p>
         </p:txBody>
       </p:sp>
-      <p:sp>
-        <p:nvSpPr>
-          <p:cNvPr id="14" name="Isosceles Triangle 13"/>
-          <p:cNvSpPr/>
-          <p:nvPr/>
-        </p:nvSpPr>
-        <p:spPr bwMode="auto">
-          <a:xfrm rot="5400000">
-            <a:off x="7942557" y="4900040"/>
-            <a:ext cx="1946252" cy="286895"/>
-          </a:xfrm>
-          <a:prstGeom prst="triangle">
-            <a:avLst/>
-          </a:prstGeom>
-          <a:solidFill>
-            <a:schemeClr val="accent2">
-              <a:lumMod val="60000"/>
-              <a:lumOff val="40000"/>
-            </a:schemeClr>
-          </a:solidFill>
-          <a:ln w="6350" cap="flat" cmpd="sng" algn="ctr">
-            <a:noFill/>
-            <a:prstDash val="solid"/>
-            <a:round/>
-            <a:headEnd type="none" w="med" len="med"/>
-            <a:tailEnd type="none" w="med" len="med"/>
-          </a:ln>
-          <a:effectLst/>
-        </p:spPr>
-        <p:txBody>
-          <a:bodyPr vert="horz" wrap="none" lIns="91440" tIns="45720" rIns="91440" bIns="45720" numCol="1" rtlCol="0" anchor="ctr" anchorCtr="0" compatLnSpc="1">
-            <a:prstTxWarp prst="textNoShape">
-              <a:avLst/>
-            </a:prstTxWarp>
-          </a:bodyPr>
-          <a:lstStyle/>
-          <a:p>
-            <a:pPr marL="0" marR="0" indent="0" algn="ctr" defTabSz="914400" rtl="0" fontAlgn="base" latinLnBrk="0" hangingPunct="1">
-              <a:lnSpc>
-                <a:spcPct val="100000"/>
-              </a:lnSpc>
-              <a:spcBef>
-                <a:spcPct val="0"/>
-              </a:spcBef>
-              <a:spcAft>
-                <a:spcPct val="0"/>
-              </a:spcAft>
-              <a:buClrTx/>
-              <a:buSzTx/>
-              <a:buFontTx/>
-              <a:buNone/>
-              <a:tabLst/>
-            </a:pPr>
-            <a:endParaRPr kumimoji="0" lang="en-US" sz="1400" b="0" i="0" u="none" strike="noStrike" cap="none" normalizeH="0" baseline="0" dirty="0">
-              <a:ln>
-                <a:noFill/>
-              </a:ln>
-              <a:solidFill>
-                <a:schemeClr val="tx1"/>
-              </a:solidFill>
-              <a:effectLst/>
-              <a:latin typeface="Arial" pitchFamily="34" charset="0"/>
-              <a:ea typeface="+mj-ea"/>
-            </a:endParaRPr>
-          </a:p>
-        </p:txBody>
-      </p:sp>
-      <p:cxnSp>
-        <p:nvCxnSpPr>
-          <p:cNvPr id="6" name="Straight Connector 5"/>
-          <p:cNvCxnSpPr/>
-          <p:nvPr/>
-        </p:nvCxnSpPr>
-        <p:spPr bwMode="auto">
-          <a:xfrm>
-            <a:off x="906780" y="3757612"/>
-            <a:ext cx="10447020" cy="0"/>
-          </a:xfrm>
-          <a:prstGeom prst="line">
-            <a:avLst/>
-          </a:prstGeom>
-          <a:solidFill>
-            <a:schemeClr val="folHlink"/>
-          </a:solidFill>
-          <a:ln w="6350" cap="flat" cmpd="sng" algn="ctr">
-            <a:solidFill>
-              <a:schemeClr val="tx2"/>
-            </a:solidFill>
-            <a:prstDash val="dash"/>
-            <a:round/>
-            <a:headEnd type="none" w="med" len="med"/>
-            <a:tailEnd type="none" w="med" len="med"/>
-          </a:ln>
-          <a:effectLst/>
-          <a:extLst>
-            <a:ext uri="{AF507438-7753-43E0-B8FC-AC1667EBCBE1}">
-              <a14:hiddenEffects xmlns:a14="http://schemas.microsoft.com/office/drawing/2010/main">
-                <a:effectLst>
-                  <a:outerShdw dist="35921" dir="2700000" algn="ctr" rotWithShape="0">
-                    <a:schemeClr val="bg2"/>
-                  </a:outerShdw>
-                </a:effectLst>
-              </a14:hiddenEffects>
-            </a:ext>
-          </a:extLst>
-        </p:spPr>
-      </p:cxnSp>
-      <p:sp>
-        <p:nvSpPr>
-          <p:cNvPr id="17" name="Rectangle 2"/>
-          <p:cNvSpPr>
-            <a:spLocks noChangeArrowheads="1"/>
-          </p:cNvSpPr>
-          <p:nvPr/>
-        </p:nvSpPr>
-        <p:spPr bwMode="gray">
-          <a:xfrm>
-            <a:off x="9227821" y="1572590"/>
-            <a:ext cx="2461260" cy="1798294"/>
-          </a:xfrm>
-          <a:prstGeom prst="roundRect">
-            <a:avLst/>
-          </a:prstGeom>
-          <a:noFill/>
-          <a:ln w="9525" algn="ctr">
-            <a:noFill/>
-            <a:miter lim="800000"/>
-            <a:headEnd/>
-            <a:tailEnd/>
-          </a:ln>
-        </p:spPr>
-        <p:txBody>
-          <a:bodyPr tIns="0" rIns="0" bIns="0" anchor="ctr"/>
-          <a:lstStyle/>
-          <a:p>
-            <a:pPr algn="ctr" fontAlgn="base">
-              <a:spcBef>
-                <a:spcPct val="0"/>
-              </a:spcBef>
-              <a:spcAft>
-                <a:spcPct val="0"/>
-              </a:spcAft>
-            </a:pPr>
-            <a:r>
-              <a:rPr lang="en-US" sz="1600" dirty="0">
-                <a:solidFill>
-                  <a:srgbClr val="00B0F0"/>
-                </a:solidFill>
-              </a:rPr>
-              <a:t>A recent study examined data from individuals who tested positive for COVID-19 in 38 countries and found that </a:t>
-            </a:r>
-            <a:r>
-              <a:rPr lang="en-US" sz="1600" b="1" dirty="0">
-                <a:solidFill>
-                  <a:schemeClr val="accent1"/>
-                </a:solidFill>
-              </a:rPr>
-              <a:t>risk of death </a:t>
-            </a:r>
-            <a:r>
-              <a:rPr lang="en-US" sz="1600" dirty="0">
-                <a:solidFill>
-                  <a:srgbClr val="00B0F0"/>
-                </a:solidFill>
-              </a:rPr>
-              <a:t>from the disease </a:t>
-            </a:r>
-            <a:r>
-              <a:rPr lang="en-US" sz="1600" b="1" dirty="0">
-                <a:solidFill>
-                  <a:schemeClr val="accent1"/>
-                </a:solidFill>
-              </a:rPr>
-              <a:t>rose</a:t>
-            </a:r>
-            <a:r>
-              <a:rPr lang="en-US" sz="1600" b="1" dirty="0">
-                <a:solidFill>
-                  <a:srgbClr val="00B0F0"/>
-                </a:solidFill>
-              </a:rPr>
-              <a:t> </a:t>
-            </a:r>
-            <a:r>
-              <a:rPr lang="en-US" sz="1600" dirty="0">
-                <a:solidFill>
-                  <a:srgbClr val="00B0F0"/>
-                </a:solidFill>
-              </a:rPr>
-              <a:t>with each decade of </a:t>
-            </a:r>
-            <a:r>
-              <a:rPr lang="en-US" sz="1600" b="1" dirty="0">
-                <a:solidFill>
-                  <a:schemeClr val="accent1"/>
-                </a:solidFill>
-              </a:rPr>
-              <a:t>age</a:t>
-            </a:r>
-          </a:p>
-        </p:txBody>
-      </p:sp>
-      <p:sp>
-        <p:nvSpPr>
-          <p:cNvPr id="18" name="Rectangle 2"/>
-          <p:cNvSpPr>
-            <a:spLocks noChangeArrowheads="1"/>
-          </p:cNvSpPr>
-          <p:nvPr/>
-        </p:nvSpPr>
-        <p:spPr bwMode="gray">
-          <a:xfrm>
-            <a:off x="9230582" y="4144340"/>
-            <a:ext cx="2458500" cy="1798294"/>
-          </a:xfrm>
-          <a:prstGeom prst="roundRect">
-            <a:avLst/>
-          </a:prstGeom>
-          <a:noFill/>
-          <a:ln w="9525" algn="ctr">
-            <a:noFill/>
-            <a:miter lim="800000"/>
-            <a:headEnd/>
-            <a:tailEnd/>
-          </a:ln>
-        </p:spPr>
-        <p:txBody>
-          <a:bodyPr lIns="0" tIns="0" rIns="0" bIns="0" anchor="ctr"/>
-          <a:lstStyle/>
-          <a:p>
-            <a:pPr algn="ctr" fontAlgn="base">
-              <a:spcBef>
-                <a:spcPct val="0"/>
-              </a:spcBef>
-              <a:spcAft>
-                <a:spcPct val="0"/>
-              </a:spcAft>
-            </a:pPr>
-            <a:r>
-              <a:rPr lang="en-US" sz="1600" dirty="0">
-                <a:solidFill>
-                  <a:srgbClr val="00B0F0"/>
-                </a:solidFill>
-              </a:rPr>
-              <a:t>During current global pandemic, physicians </a:t>
-            </a:r>
-            <a:r>
-              <a:rPr lang="en-US" sz="1600" b="1" dirty="0">
-                <a:solidFill>
-                  <a:schemeClr val="accent1"/>
-                </a:solidFill>
-              </a:rPr>
-              <a:t>require guidance </a:t>
-            </a:r>
-            <a:r>
-              <a:rPr lang="en-US" sz="1600" dirty="0">
-                <a:solidFill>
-                  <a:srgbClr val="00B0F0"/>
-                </a:solidFill>
-              </a:rPr>
-              <a:t>for their patient populations in order to adequately </a:t>
-            </a:r>
-            <a:r>
-              <a:rPr lang="en-US" sz="1600" b="1" dirty="0">
-                <a:solidFill>
-                  <a:schemeClr val="accent1"/>
-                </a:solidFill>
-              </a:rPr>
-              <a:t>balance the risk of exposure </a:t>
-            </a:r>
-            <a:r>
-              <a:rPr lang="en-US" sz="1600" dirty="0">
-                <a:solidFill>
-                  <a:srgbClr val="00B0F0"/>
-                </a:solidFill>
-              </a:rPr>
-              <a:t>with the harms of withholding or delaying care</a:t>
-            </a:r>
-          </a:p>
-        </p:txBody>
-      </p:sp>
-      <p:sp>
-        <p:nvSpPr>
-          <p:cNvPr id="19" name="Rectangle 18"/>
-          <p:cNvSpPr/>
-          <p:nvPr/>
-        </p:nvSpPr>
-        <p:spPr bwMode="auto">
-          <a:xfrm>
-            <a:off x="10237573" y="6283411"/>
-            <a:ext cx="1736124" cy="375414"/>
-          </a:xfrm>
-          <a:prstGeom prst="rect">
-            <a:avLst/>
-          </a:prstGeom>
-          <a:solidFill>
-            <a:schemeClr val="bg1"/>
-          </a:solidFill>
-          <a:ln w="6350" cap="flat" cmpd="sng" algn="ctr">
-            <a:solidFill>
-              <a:schemeClr val="bg1"/>
-            </a:solidFill>
-            <a:prstDash val="solid"/>
-            <a:round/>
-            <a:headEnd type="none" w="med" len="med"/>
-            <a:tailEnd type="none" w="med" len="med"/>
-          </a:ln>
-          <a:effectLst/>
-        </p:spPr>
-        <p:txBody>
-          <a:bodyPr vert="horz" wrap="none" lIns="91440" tIns="45720" rIns="91440" bIns="45720" numCol="1" rtlCol="0" anchor="ctr" anchorCtr="0" compatLnSpc="1">
-            <a:prstTxWarp prst="textNoShape">
-              <a:avLst/>
-            </a:prstTxWarp>
-          </a:bodyPr>
-          <a:lstStyle/>
-          <a:p>
-            <a:pPr marL="0" marR="0" indent="0" algn="ctr" defTabSz="914400" rtl="0" eaLnBrk="1" fontAlgn="base" latinLnBrk="0" hangingPunct="1">
-              <a:lnSpc>
-                <a:spcPct val="100000"/>
-              </a:lnSpc>
-              <a:spcBef>
-                <a:spcPct val="0"/>
-              </a:spcBef>
-              <a:spcAft>
-                <a:spcPct val="0"/>
-              </a:spcAft>
-              <a:buClrTx/>
-              <a:buSzTx/>
-              <a:buFontTx/>
-              <a:buNone/>
-              <a:tabLst/>
-            </a:pPr>
-            <a:endParaRPr kumimoji="0" lang="en-US" sz="1400" b="0" i="0" u="none" strike="noStrike" cap="none" normalizeH="0" baseline="0" dirty="0">
-              <a:ln>
-                <a:noFill/>
-              </a:ln>
-              <a:solidFill>
-                <a:schemeClr val="tx1"/>
-              </a:solidFill>
-              <a:effectLst/>
-              <a:latin typeface="Arial" pitchFamily="34" charset="0"/>
-              <a:ea typeface="+mj-ea"/>
-            </a:endParaRPr>
-          </a:p>
-        </p:txBody>
-      </p:sp>
-      <p:pic>
-        <p:nvPicPr>
-          <p:cNvPr id="3" name="Imagen 2">
-            <a:extLst>
-              <a:ext uri="{FF2B5EF4-FFF2-40B4-BE49-F238E27FC236}">
-                <a16:creationId xmlns:a16="http://schemas.microsoft.com/office/drawing/2014/main" id="{00A5CD8C-2FD2-455C-B552-FC2A22F1EE00}"/>
-              </a:ext>
-            </a:extLst>
-          </p:cNvPr>
-          <p:cNvPicPr>
-            <a:picLocks noChangeAspect="1"/>
-          </p:cNvPicPr>
-          <p:nvPr/>
-        </p:nvPicPr>
-        <p:blipFill>
-          <a:blip r:embed="rId10"/>
-          <a:stretch>
-            <a:fillRect/>
-          </a:stretch>
-        </p:blipFill>
-        <p:spPr>
-          <a:xfrm>
-            <a:off x="2768416" y="3781670"/>
-            <a:ext cx="5571251" cy="3076328"/>
-          </a:xfrm>
-          <a:prstGeom prst="rect">
-            <a:avLst/>
-          </a:prstGeom>
-        </p:spPr>
-      </p:pic>
     </p:spTree>
     <p:extLst>
       <p:ext uri="{BB962C8B-B14F-4D97-AF65-F5344CB8AC3E}">
-        <p14:creationId xmlns:p14="http://schemas.microsoft.com/office/powerpoint/2010/main" val="996863202"/>
+        <p14:creationId xmlns:p14="http://schemas.microsoft.com/office/powerpoint/2010/main" val="1869355409"/>
       </p:ext>
     </p:extLst>
   </p:cSld>
@@ -20815,6 +19148,11 @@
             <p:custDataLst>
               <p:tags r:id="rId2"/>
             </p:custDataLst>
+            <p:extLst>
+              <p:ext uri="{D42A27DB-BD31-4B8C-83A1-F6EECF244321}">
+                <p14:modId xmlns:p14="http://schemas.microsoft.com/office/powerpoint/2010/main" val="2408623266"/>
+              </p:ext>
+            </p:extLst>
           </p:nvPr>
         </p:nvGraphicFramePr>
         <p:xfrm>
@@ -20825,7 +19163,7 @@
           <a:graphicData uri="http://schemas.openxmlformats.org/presentationml/2006/ole">
             <mc:AlternateContent xmlns:mc="http://schemas.openxmlformats.org/markup-compatibility/2006">
               <mc:Choice xmlns:v="urn:schemas-microsoft-com:vml" Requires="v">
-                <p:oleObj spid="_x0000_s54304" name="think-cell Slide" r:id="rId5" imgW="473" imgH="473" progId="TCLayout.ActiveDocument.1">
+                <p:oleObj spid="_x0000_s52263" name="think-cell Slide" r:id="rId5" imgW="473" imgH="473" progId="TCLayout.ActiveDocument.1">
                   <p:embed/>
                 </p:oleObj>
               </mc:Choice>
@@ -20935,6 +19273,58 @@
           </a:p>
         </p:txBody>
       </p:sp>
+      <p:pic>
+        <p:nvPicPr>
+          <p:cNvPr id="52226" name="Picture 2" descr="COVID19_bar_top_states_positive_cases.png"/>
+          <p:cNvPicPr>
+            <a:picLocks noChangeAspect="1" noChangeArrowheads="1"/>
+          </p:cNvPicPr>
+          <p:nvPr/>
+        </p:nvPicPr>
+        <p:blipFill rotWithShape="1">
+          <a:blip r:embed="rId7">
+            <a:extLst>
+              <a:ext uri="{28A0092B-C50C-407E-A947-70E740481C1C}">
+                <a14:useLocalDpi xmlns:a14="http://schemas.microsoft.com/office/drawing/2010/main" val="0"/>
+              </a:ext>
+            </a:extLst>
+          </a:blip>
+          <a:srcRect r="7382" b="639"/>
+          <a:stretch/>
+        </p:blipFill>
+        <p:spPr bwMode="auto">
+          <a:xfrm rot="5400000">
+            <a:off x="2546716" y="-851476"/>
+            <a:ext cx="5497587" cy="8987922"/>
+          </a:xfrm>
+          <a:prstGeom prst="rect">
+            <a:avLst/>
+          </a:prstGeom>
+          <a:noFill/>
+          <a:ln>
+            <a:noFill/>
+          </a:ln>
+          <a:extLst>
+            <a:ext uri="{909E8E84-426E-40DD-AFC4-6F175D3DCCD1}">
+              <a14:hiddenFill xmlns:a14="http://schemas.microsoft.com/office/drawing/2010/main">
+                <a:solidFill>
+                  <a:srgbClr val="FFFFFF"/>
+                </a:solidFill>
+              </a14:hiddenFill>
+            </a:ext>
+            <a:ext uri="{91240B29-F687-4F45-9708-019B960494DF}">
+              <a14:hiddenLine xmlns:a14="http://schemas.microsoft.com/office/drawing/2010/main" w="9525">
+                <a:solidFill>
+                  <a:srgbClr val="000000"/>
+                </a:solidFill>
+                <a:miter lim="800000"/>
+                <a:headEnd/>
+                <a:tailEnd/>
+              </a14:hiddenLine>
+            </a:ext>
+          </a:extLst>
+        </p:spPr>
+      </p:pic>
       <p:sp>
         <p:nvSpPr>
           <p:cNvPr id="2" name="Title 1"/>
@@ -20962,109 +19352,7 @@
             </a:r>
             <a:r>
               <a:rPr lang="en-US" sz="2800" dirty="0"/>
-              <a:t> – 19: Mild for Some, Deadly for Others (3/3) </a:t>
-            </a:r>
-          </a:p>
-        </p:txBody>
-      </p:sp>
-      <p:sp>
-        <p:nvSpPr>
-          <p:cNvPr id="59" name="Rectangle 2"/>
-          <p:cNvSpPr>
-            <a:spLocks noChangeArrowheads="1"/>
-          </p:cNvSpPr>
-          <p:nvPr/>
-        </p:nvSpPr>
-        <p:spPr bwMode="gray">
-          <a:xfrm>
-            <a:off x="801549" y="872302"/>
-            <a:ext cx="5129303" cy="391859"/>
-          </a:xfrm>
-          <a:prstGeom prst="roundRect">
-            <a:avLst/>
-          </a:prstGeom>
-          <a:solidFill>
-            <a:srgbClr val="002060"/>
-          </a:solidFill>
-          <a:ln w="9525" algn="ctr">
-            <a:solidFill>
-              <a:srgbClr val="002D72"/>
-            </a:solidFill>
-            <a:miter lim="800000"/>
-            <a:headEnd/>
-            <a:tailEnd/>
-          </a:ln>
-        </p:spPr>
-        <p:txBody>
-          <a:bodyPr tIns="91440" bIns="91440" anchor="ctr"/>
-          <a:lstStyle/>
-          <a:p>
-            <a:pPr algn="ctr" fontAlgn="base">
-              <a:spcBef>
-                <a:spcPct val="0"/>
-              </a:spcBef>
-              <a:spcAft>
-                <a:spcPct val="0"/>
-              </a:spcAft>
-            </a:pPr>
-            <a:r>
-              <a:rPr lang="en-US" sz="1400" b="1" dirty="0">
-                <a:solidFill>
-                  <a:schemeClr val="bg1"/>
-                </a:solidFill>
-              </a:rPr>
-              <a:t>Increase In Death Probability Due to Pre-Existing Conditions</a:t>
-            </a:r>
-          </a:p>
-        </p:txBody>
-      </p:sp>
-      <p:sp>
-        <p:nvSpPr>
-          <p:cNvPr id="60" name="Rectangle 2"/>
-          <p:cNvSpPr>
-            <a:spLocks noChangeArrowheads="1"/>
-          </p:cNvSpPr>
-          <p:nvPr/>
-        </p:nvSpPr>
-        <p:spPr bwMode="gray">
-          <a:xfrm>
-            <a:off x="6254094" y="869212"/>
-            <a:ext cx="5129303" cy="391859"/>
-          </a:xfrm>
-          <a:prstGeom prst="roundRect">
-            <a:avLst/>
-          </a:prstGeom>
-          <a:solidFill>
-            <a:srgbClr val="002060"/>
-          </a:solidFill>
-          <a:ln w="9525" algn="ctr">
-            <a:solidFill>
-              <a:srgbClr val="002D72"/>
-            </a:solidFill>
-            <a:miter lim="800000"/>
-            <a:headEnd/>
-            <a:tailEnd/>
-          </a:ln>
-        </p:spPr>
-        <p:txBody>
-          <a:bodyPr tIns="91440" bIns="91440" anchor="ctr"/>
-          <a:lstStyle/>
-          <a:p>
-            <a:pPr algn="ctr" fontAlgn="base">
-              <a:spcBef>
-                <a:spcPct val="0"/>
-              </a:spcBef>
-              <a:spcAft>
-                <a:spcPct val="0"/>
-              </a:spcAft>
-            </a:pPr>
-            <a:r>
-              <a:rPr lang="en-US" sz="1400" b="1" dirty="0">
-                <a:solidFill>
-                  <a:schemeClr val="bg1"/>
-                </a:solidFill>
-              </a:rPr>
-              <a:t>Pre-Existing Conditions Vs Death Correlation</a:t>
+              <a:t> – 19: Mild for Some, Deadly for Others (3/3)</a:t>
             </a:r>
           </a:p>
         </p:txBody>
@@ -21078,7 +19366,7 @@
           <p:nvPr/>
         </p:nvPicPr>
         <p:blipFill>
-          <a:blip r:embed="rId7"/>
+          <a:blip r:embed="rId8"/>
           <a:stretch>
             <a:fillRect/>
           </a:stretch>
@@ -21142,7 +19430,7 @@
               <a:tabLst/>
             </a:pPr>
             <a:r>
-              <a:rPr kumimoji="0" lang="es-MX" sz="1400" b="1" i="0" u="none" strike="noStrike" cap="none" normalizeH="0" baseline="0" dirty="0">
+              <a:rPr kumimoji="0" lang="en-US" sz="1400" b="1" i="0" u="none" strike="noStrike" cap="none" normalizeH="0" baseline="0" dirty="0">
                 <a:ln>
                   <a:noFill/>
                 </a:ln>
@@ -21155,138 +19443,21 @@
                 <a:latin typeface="Arial" pitchFamily="34" charset="0"/>
                 <a:ea typeface="+mj-ea"/>
               </a:rPr>
-              <a:t>7</a:t>
-            </a:r>
-            <a:endParaRPr kumimoji="0" lang="en-US" sz="1400" b="1" i="0" u="none" strike="noStrike" cap="none" normalizeH="0" baseline="0" dirty="0">
-              <a:ln>
-                <a:noFill/>
-              </a:ln>
-              <a:solidFill>
-                <a:schemeClr val="tx1">
-                  <a:lumMod val="50000"/>
-                </a:schemeClr>
-              </a:solidFill>
-              <a:effectLst/>
-              <a:latin typeface="Arial" pitchFamily="34" charset="0"/>
-              <a:ea typeface="+mj-ea"/>
-            </a:endParaRPr>
-          </a:p>
-        </p:txBody>
-      </p:sp>
-      <p:pic>
-        <p:nvPicPr>
-          <p:cNvPr id="54283" name="Picture 11" descr="Death probability.png"/>
-          <p:cNvPicPr>
-            <a:picLocks noChangeAspect="1" noChangeArrowheads="1"/>
-          </p:cNvPicPr>
-          <p:nvPr/>
-        </p:nvPicPr>
-        <p:blipFill rotWithShape="1">
-          <a:blip r:embed="rId8">
-            <a:extLst>
-              <a:ext uri="{28A0092B-C50C-407E-A947-70E740481C1C}">
-                <a14:useLocalDpi xmlns:a14="http://schemas.microsoft.com/office/drawing/2010/main" val="0"/>
-              </a:ext>
-            </a:extLst>
-          </a:blip>
-          <a:srcRect l="8388" t="20998" r="11315"/>
-          <a:stretch/>
-        </p:blipFill>
-        <p:spPr bwMode="auto">
-          <a:xfrm>
-            <a:off x="895349" y="1430868"/>
-            <a:ext cx="5129303" cy="5116124"/>
-          </a:xfrm>
-          <a:prstGeom prst="rect">
-            <a:avLst/>
-          </a:prstGeom>
-          <a:noFill/>
-          <a:ln>
-            <a:noFill/>
-          </a:ln>
-          <a:extLst>
-            <a:ext uri="{909E8E84-426E-40DD-AFC4-6F175D3DCCD1}">
-              <a14:hiddenFill xmlns:a14="http://schemas.microsoft.com/office/drawing/2010/main">
-                <a:solidFill>
-                  <a:srgbClr val="FFFFFF"/>
-                </a:solidFill>
-              </a14:hiddenFill>
-            </a:ext>
-            <a:ext uri="{91240B29-F687-4F45-9708-019B960494DF}">
-              <a14:hiddenLine xmlns:a14="http://schemas.microsoft.com/office/drawing/2010/main" w="9525">
-                <a:solidFill>
-                  <a:srgbClr val="000000"/>
-                </a:solidFill>
-                <a:miter lim="800000"/>
-                <a:headEnd/>
-                <a:tailEnd/>
-              </a14:hiddenLine>
-            </a:ext>
-          </a:extLst>
-        </p:spPr>
-      </p:pic>
-      <p:pic>
-        <p:nvPicPr>
-          <p:cNvPr id="54284" name="Picture 12" descr="COVID-19 Correlation.png"/>
-          <p:cNvPicPr>
-            <a:picLocks noChangeAspect="1" noChangeArrowheads="1"/>
-          </p:cNvPicPr>
-          <p:nvPr/>
-        </p:nvPicPr>
-        <p:blipFill rotWithShape="1">
-          <a:blip r:embed="rId9">
-            <a:extLst>
-              <a:ext uri="{28A0092B-C50C-407E-A947-70E740481C1C}">
-                <a14:useLocalDpi xmlns:a14="http://schemas.microsoft.com/office/drawing/2010/main" val="0"/>
-              </a:ext>
-            </a:extLst>
-          </a:blip>
-          <a:srcRect l="5486" t="39111" r="10191"/>
-          <a:stretch/>
-        </p:blipFill>
-        <p:spPr bwMode="auto">
-          <a:xfrm>
-            <a:off x="6254094" y="2108200"/>
-            <a:ext cx="5175972" cy="4438792"/>
-          </a:xfrm>
-          <a:prstGeom prst="rect">
-            <a:avLst/>
-          </a:prstGeom>
-          <a:noFill/>
-          <a:ln>
-            <a:noFill/>
-          </a:ln>
-          <a:extLst>
-            <a:ext uri="{909E8E84-426E-40DD-AFC4-6F175D3DCCD1}">
-              <a14:hiddenFill xmlns:a14="http://schemas.microsoft.com/office/drawing/2010/main">
-                <a:solidFill>
-                  <a:srgbClr val="FFFFFF"/>
-                </a:solidFill>
-              </a14:hiddenFill>
-            </a:ext>
-            <a:ext uri="{91240B29-F687-4F45-9708-019B960494DF}">
-              <a14:hiddenLine xmlns:a14="http://schemas.microsoft.com/office/drawing/2010/main" w="9525">
-                <a:solidFill>
-                  <a:srgbClr val="000000"/>
-                </a:solidFill>
-                <a:miter lim="800000"/>
-                <a:headEnd/>
-                <a:tailEnd/>
-              </a14:hiddenLine>
-            </a:ext>
-          </a:extLst>
-        </p:spPr>
-      </p:pic>
-      <p:sp>
-        <p:nvSpPr>
-          <p:cNvPr id="11" name="Rectangle 10"/>
+              <a:t>5</a:t>
+            </a:r>
+          </a:p>
+        </p:txBody>
+      </p:sp>
+      <p:sp>
+        <p:nvSpPr>
+          <p:cNvPr id="3" name="Rectangle 2"/>
           <p:cNvSpPr/>
           <p:nvPr/>
         </p:nvSpPr>
         <p:spPr bwMode="auto">
           <a:xfrm>
-            <a:off x="10237573" y="6283411"/>
-            <a:ext cx="1736124" cy="375414"/>
+            <a:off x="8610600" y="1508760"/>
+            <a:ext cx="419100" cy="4358640"/>
           </a:xfrm>
           <a:prstGeom prst="rect">
             <a:avLst/>
@@ -21313,7 +19484,7 @@
           </a:bodyPr>
           <a:lstStyle/>
           <a:p>
-            <a:pPr marL="0" marR="0" indent="0" algn="ctr" defTabSz="914400" rtl="0" eaLnBrk="1" fontAlgn="base" latinLnBrk="0" hangingPunct="1">
+            <a:pPr marL="0" marR="0" indent="0" algn="ctr" defTabSz="914400" rtl="0" fontAlgn="base" latinLnBrk="0" hangingPunct="1">
               <a:lnSpc>
                 <a:spcPct val="100000"/>
               </a:lnSpc>
@@ -21343,10 +19514,1839 @@
           </a:p>
         </p:txBody>
       </p:sp>
+      <p:sp>
+        <p:nvSpPr>
+          <p:cNvPr id="13" name="Rectangle 12"/>
+          <p:cNvSpPr/>
+          <p:nvPr/>
+        </p:nvSpPr>
+        <p:spPr bwMode="auto">
+          <a:xfrm rot="16200000">
+            <a:off x="7365711" y="4455086"/>
+            <a:ext cx="927677" cy="2724150"/>
+          </a:xfrm>
+          <a:prstGeom prst="rect">
+            <a:avLst/>
+          </a:prstGeom>
+          <a:solidFill>
+            <a:schemeClr val="bg1"/>
+          </a:solidFill>
+          <a:ln w="6350" cap="flat" cmpd="sng" algn="ctr">
+            <a:solidFill>
+              <a:schemeClr val="bg1"/>
+            </a:solidFill>
+            <a:prstDash val="solid"/>
+            <a:round/>
+            <a:headEnd type="none" w="med" len="med"/>
+            <a:tailEnd type="none" w="med" len="med"/>
+          </a:ln>
+          <a:effectLst/>
+        </p:spPr>
+        <p:txBody>
+          <a:bodyPr vert="horz" wrap="none" lIns="91440" tIns="45720" rIns="91440" bIns="45720" numCol="1" rtlCol="0" anchor="ctr" anchorCtr="0" compatLnSpc="1">
+            <a:prstTxWarp prst="textNoShape">
+              <a:avLst/>
+            </a:prstTxWarp>
+          </a:bodyPr>
+          <a:lstStyle/>
+          <a:p>
+            <a:pPr marL="0" marR="0" indent="0" algn="ctr" defTabSz="914400" rtl="0" fontAlgn="base" latinLnBrk="0" hangingPunct="1">
+              <a:lnSpc>
+                <a:spcPct val="100000"/>
+              </a:lnSpc>
+              <a:spcBef>
+                <a:spcPct val="0"/>
+              </a:spcBef>
+              <a:spcAft>
+                <a:spcPct val="0"/>
+              </a:spcAft>
+              <a:buClrTx/>
+              <a:buSzTx/>
+              <a:buFontTx/>
+              <a:buNone/>
+              <a:tabLst/>
+            </a:pPr>
+            <a:endParaRPr kumimoji="0" lang="en-US" sz="1400" b="0" i="0" u="none" strike="noStrike" cap="none" normalizeH="0" baseline="0" dirty="0">
+              <a:ln>
+                <a:noFill/>
+              </a:ln>
+              <a:solidFill>
+                <a:schemeClr val="tx1"/>
+              </a:solidFill>
+              <a:effectLst/>
+              <a:latin typeface="Arial" pitchFamily="34" charset="0"/>
+              <a:ea typeface="+mj-ea"/>
+            </a:endParaRPr>
+          </a:p>
+        </p:txBody>
+      </p:sp>
+      <p:sp>
+        <p:nvSpPr>
+          <p:cNvPr id="14" name="Rectangle 13"/>
+          <p:cNvSpPr/>
+          <p:nvPr/>
+        </p:nvSpPr>
+        <p:spPr bwMode="auto">
+          <a:xfrm rot="16200000">
+            <a:off x="7223066" y="3825220"/>
+            <a:ext cx="703693" cy="2806853"/>
+          </a:xfrm>
+          <a:prstGeom prst="rect">
+            <a:avLst/>
+          </a:prstGeom>
+          <a:solidFill>
+            <a:schemeClr val="bg1"/>
+          </a:solidFill>
+          <a:ln w="6350" cap="flat" cmpd="sng" algn="ctr">
+            <a:solidFill>
+              <a:schemeClr val="bg1"/>
+            </a:solidFill>
+            <a:prstDash val="solid"/>
+            <a:round/>
+            <a:headEnd type="none" w="med" len="med"/>
+            <a:tailEnd type="none" w="med" len="med"/>
+          </a:ln>
+          <a:effectLst/>
+        </p:spPr>
+        <p:txBody>
+          <a:bodyPr vert="horz" wrap="none" lIns="91440" tIns="45720" rIns="91440" bIns="45720" numCol="1" rtlCol="0" anchor="ctr" anchorCtr="0" compatLnSpc="1">
+            <a:prstTxWarp prst="textNoShape">
+              <a:avLst/>
+            </a:prstTxWarp>
+          </a:bodyPr>
+          <a:lstStyle/>
+          <a:p>
+            <a:pPr marL="0" marR="0" indent="0" algn="ctr" defTabSz="914400" rtl="0" fontAlgn="base" latinLnBrk="0" hangingPunct="1">
+              <a:lnSpc>
+                <a:spcPct val="100000"/>
+              </a:lnSpc>
+              <a:spcBef>
+                <a:spcPct val="0"/>
+              </a:spcBef>
+              <a:spcAft>
+                <a:spcPct val="0"/>
+              </a:spcAft>
+              <a:buClrTx/>
+              <a:buSzTx/>
+              <a:buFontTx/>
+              <a:buNone/>
+              <a:tabLst/>
+            </a:pPr>
+            <a:endParaRPr kumimoji="0" lang="en-US" sz="1400" b="0" i="0" u="none" strike="noStrike" cap="none" normalizeH="0" baseline="0" dirty="0">
+              <a:ln>
+                <a:noFill/>
+              </a:ln>
+              <a:solidFill>
+                <a:schemeClr val="tx1"/>
+              </a:solidFill>
+              <a:effectLst/>
+              <a:latin typeface="Arial" pitchFamily="34" charset="0"/>
+              <a:ea typeface="+mj-ea"/>
+            </a:endParaRPr>
+          </a:p>
+        </p:txBody>
+      </p:sp>
+      <p:sp>
+        <p:nvSpPr>
+          <p:cNvPr id="59" name="Rectangle 2"/>
+          <p:cNvSpPr>
+            <a:spLocks noChangeArrowheads="1"/>
+          </p:cNvSpPr>
+          <p:nvPr/>
+        </p:nvSpPr>
+        <p:spPr bwMode="gray">
+          <a:xfrm>
+            <a:off x="801548" y="881199"/>
+            <a:ext cx="7809051" cy="391859"/>
+          </a:xfrm>
+          <a:prstGeom prst="roundRect">
+            <a:avLst/>
+          </a:prstGeom>
+          <a:solidFill>
+            <a:srgbClr val="002060"/>
+          </a:solidFill>
+          <a:ln w="9525" algn="ctr">
+            <a:solidFill>
+              <a:srgbClr val="002D72"/>
+            </a:solidFill>
+            <a:miter lim="800000"/>
+            <a:headEnd/>
+            <a:tailEnd/>
+          </a:ln>
+        </p:spPr>
+        <p:txBody>
+          <a:bodyPr tIns="91440" bIns="91440" anchor="ctr"/>
+          <a:lstStyle/>
+          <a:p>
+            <a:pPr algn="ctr" fontAlgn="base">
+              <a:spcBef>
+                <a:spcPct val="0"/>
+              </a:spcBef>
+              <a:spcAft>
+                <a:spcPct val="0"/>
+              </a:spcAft>
+            </a:pPr>
+            <a:r>
+              <a:rPr lang="en-US" sz="1400" b="1" dirty="0">
+                <a:solidFill>
+                  <a:schemeClr val="bg1"/>
+                </a:solidFill>
+              </a:rPr>
+              <a:t>Density per State</a:t>
+            </a:r>
+          </a:p>
+        </p:txBody>
+      </p:sp>
+      <p:pic>
+        <p:nvPicPr>
+          <p:cNvPr id="6" name="Picture 5"/>
+          <p:cNvPicPr>
+            <a:picLocks noChangeAspect="1"/>
+          </p:cNvPicPr>
+          <p:nvPr/>
+        </p:nvPicPr>
+        <p:blipFill>
+          <a:blip r:embed="rId9"/>
+          <a:stretch>
+            <a:fillRect/>
+          </a:stretch>
+        </p:blipFill>
+        <p:spPr>
+          <a:xfrm>
+            <a:off x="7896224" y="2205593"/>
+            <a:ext cx="714375" cy="381000"/>
+          </a:xfrm>
+          <a:prstGeom prst="rect">
+            <a:avLst/>
+          </a:prstGeom>
+        </p:spPr>
+      </p:pic>
+      <p:sp>
+        <p:nvSpPr>
+          <p:cNvPr id="9" name="Rectangle 8"/>
+          <p:cNvSpPr/>
+          <p:nvPr/>
+        </p:nvSpPr>
+        <p:spPr bwMode="auto">
+          <a:xfrm>
+            <a:off x="801550" y="1674767"/>
+            <a:ext cx="7809050" cy="429168"/>
+          </a:xfrm>
+          <a:prstGeom prst="rect">
+            <a:avLst/>
+          </a:prstGeom>
+          <a:noFill/>
+          <a:ln w="12700" cap="flat" cmpd="sng" algn="ctr">
+            <a:solidFill>
+              <a:srgbClr val="C00000"/>
+            </a:solidFill>
+            <a:prstDash val="dash"/>
+            <a:round/>
+            <a:headEnd type="none" w="med" len="med"/>
+            <a:tailEnd type="none" w="med" len="med"/>
+          </a:ln>
+          <a:effectLst/>
+        </p:spPr>
+        <p:txBody>
+          <a:bodyPr vert="horz" wrap="none" lIns="91440" tIns="45720" rIns="91440" bIns="45720" numCol="1" rtlCol="0" anchor="ctr" anchorCtr="0" compatLnSpc="1">
+            <a:prstTxWarp prst="textNoShape">
+              <a:avLst/>
+            </a:prstTxWarp>
+          </a:bodyPr>
+          <a:lstStyle/>
+          <a:p>
+            <a:pPr marL="0" marR="0" indent="0" algn="ctr" defTabSz="914400" rtl="0" fontAlgn="base" latinLnBrk="0" hangingPunct="1">
+              <a:lnSpc>
+                <a:spcPct val="100000"/>
+              </a:lnSpc>
+              <a:spcBef>
+                <a:spcPct val="0"/>
+              </a:spcBef>
+              <a:spcAft>
+                <a:spcPct val="0"/>
+              </a:spcAft>
+              <a:buClrTx/>
+              <a:buSzTx/>
+              <a:buFontTx/>
+              <a:buNone/>
+              <a:tabLst/>
+            </a:pPr>
+            <a:endParaRPr kumimoji="0" lang="en-US" sz="1400" b="0" i="0" u="none" strike="noStrike" cap="none" normalizeH="0" baseline="0" dirty="0">
+              <a:ln>
+                <a:noFill/>
+              </a:ln>
+              <a:solidFill>
+                <a:schemeClr val="tx1"/>
+              </a:solidFill>
+              <a:effectLst/>
+              <a:latin typeface="Arial" pitchFamily="34" charset="0"/>
+              <a:ea typeface="+mj-ea"/>
+            </a:endParaRPr>
+          </a:p>
+        </p:txBody>
+      </p:sp>
+      <p:sp>
+        <p:nvSpPr>
+          <p:cNvPr id="16" name="Rectangle 2"/>
+          <p:cNvSpPr>
+            <a:spLocks noChangeArrowheads="1"/>
+          </p:cNvSpPr>
+          <p:nvPr/>
+        </p:nvSpPr>
+        <p:spPr bwMode="gray">
+          <a:xfrm>
+            <a:off x="1577293" y="6217094"/>
+            <a:ext cx="7033307" cy="390510"/>
+          </a:xfrm>
+          <a:prstGeom prst="roundRect">
+            <a:avLst/>
+          </a:prstGeom>
+          <a:solidFill>
+            <a:srgbClr val="00B0F0"/>
+          </a:solidFill>
+          <a:ln w="9525" algn="ctr">
+            <a:solidFill>
+              <a:schemeClr val="bg1"/>
+            </a:solidFill>
+            <a:miter lim="800000"/>
+            <a:headEnd/>
+            <a:tailEnd/>
+          </a:ln>
+        </p:spPr>
+        <p:txBody>
+          <a:bodyPr tIns="0" rIns="0" bIns="0" anchor="ctr"/>
+          <a:lstStyle/>
+          <a:p>
+            <a:pPr algn="ctr" fontAlgn="base">
+              <a:spcBef>
+                <a:spcPct val="0"/>
+              </a:spcBef>
+              <a:spcAft>
+                <a:spcPct val="0"/>
+              </a:spcAft>
+            </a:pPr>
+            <a:r>
+              <a:rPr lang="en-US" sz="1200" b="1" dirty="0">
+                <a:solidFill>
+                  <a:schemeClr val="bg1"/>
+                </a:solidFill>
+              </a:rPr>
+              <a:t>Social distance is key to stop the spread of the disease. More populated cities will have higher rates of infections and people have a higher degree of interaction than in less populated ones</a:t>
+            </a:r>
+          </a:p>
+        </p:txBody>
+      </p:sp>
+      <p:cxnSp>
+        <p:nvCxnSpPr>
+          <p:cNvPr id="17" name="Straight Connector 16"/>
+          <p:cNvCxnSpPr/>
+          <p:nvPr/>
+        </p:nvCxnSpPr>
+        <p:spPr bwMode="auto">
+          <a:xfrm flipV="1">
+            <a:off x="9532574" y="1559135"/>
+            <a:ext cx="1404000" cy="0"/>
+          </a:xfrm>
+          <a:prstGeom prst="line">
+            <a:avLst/>
+          </a:prstGeom>
+          <a:solidFill>
+            <a:schemeClr val="folHlink"/>
+          </a:solidFill>
+          <a:ln w="12700" cap="flat" cmpd="sng" algn="ctr">
+            <a:solidFill>
+              <a:schemeClr val="tx2"/>
+            </a:solidFill>
+            <a:prstDash val="solid"/>
+            <a:round/>
+            <a:headEnd type="oval" w="med" len="med"/>
+            <a:tailEnd type="oval" w="med" len="med"/>
+          </a:ln>
+          <a:effectLst/>
+          <a:extLst>
+            <a:ext uri="{AF507438-7753-43E0-B8FC-AC1667EBCBE1}">
+              <a14:hiddenEffects xmlns:a14="http://schemas.microsoft.com/office/drawing/2010/main">
+                <a:effectLst>
+                  <a:outerShdw dist="35921" dir="2700000" algn="ctr" rotWithShape="0">
+                    <a:schemeClr val="bg2"/>
+                  </a:outerShdw>
+                </a:effectLst>
+              </a14:hiddenEffects>
+            </a:ext>
+          </a:extLst>
+        </p:spPr>
+      </p:cxnSp>
+      <p:sp>
+        <p:nvSpPr>
+          <p:cNvPr id="18" name="Rectangle 2"/>
+          <p:cNvSpPr>
+            <a:spLocks noChangeArrowheads="1"/>
+          </p:cNvSpPr>
+          <p:nvPr/>
+        </p:nvSpPr>
+        <p:spPr bwMode="gray">
+          <a:xfrm>
+            <a:off x="9469029" y="1280310"/>
+            <a:ext cx="1531091" cy="391859"/>
+          </a:xfrm>
+          <a:prstGeom prst="roundRect">
+            <a:avLst/>
+          </a:prstGeom>
+          <a:noFill/>
+          <a:ln w="9525" algn="ctr">
+            <a:noFill/>
+            <a:miter lim="800000"/>
+            <a:headEnd/>
+            <a:tailEnd/>
+          </a:ln>
+        </p:spPr>
+        <p:txBody>
+          <a:bodyPr tIns="91440" bIns="91440" anchor="ctr"/>
+          <a:lstStyle/>
+          <a:p>
+            <a:pPr algn="ctr" fontAlgn="base">
+              <a:spcBef>
+                <a:spcPct val="0"/>
+              </a:spcBef>
+              <a:spcAft>
+                <a:spcPct val="0"/>
+              </a:spcAft>
+            </a:pPr>
+            <a:r>
+              <a:rPr lang="en-US" sz="1400" b="1" dirty="0">
+                <a:solidFill>
+                  <a:srgbClr val="00B0F0"/>
+                </a:solidFill>
+              </a:rPr>
+              <a:t>Death rate</a:t>
+            </a:r>
+          </a:p>
+        </p:txBody>
+      </p:sp>
+      <p:sp>
+        <p:nvSpPr>
+          <p:cNvPr id="11" name="Oval 10"/>
+          <p:cNvSpPr/>
+          <p:nvPr/>
+        </p:nvSpPr>
+        <p:spPr bwMode="auto">
+          <a:xfrm>
+            <a:off x="9823094" y="1714500"/>
+            <a:ext cx="822960" cy="203318"/>
+          </a:xfrm>
+          <a:prstGeom prst="ellipse">
+            <a:avLst/>
+          </a:prstGeom>
+          <a:noFill/>
+          <a:ln w="6350" cap="flat" cmpd="sng" algn="ctr">
+            <a:solidFill>
+              <a:schemeClr val="accent1"/>
+            </a:solidFill>
+            <a:prstDash val="dash"/>
+            <a:round/>
+            <a:headEnd type="none" w="med" len="med"/>
+            <a:tailEnd type="none" w="med" len="med"/>
+          </a:ln>
+          <a:effectLst/>
+        </p:spPr>
+        <p:txBody>
+          <a:bodyPr vert="horz" wrap="square" lIns="0" tIns="0" rIns="0" bIns="0" numCol="1" rtlCol="0" anchor="ctr" anchorCtr="0" compatLnSpc="1">
+            <a:prstTxWarp prst="textNoShape">
+              <a:avLst/>
+            </a:prstTxWarp>
+          </a:bodyPr>
+          <a:lstStyle/>
+          <a:p>
+            <a:pPr marL="0" marR="0" indent="0" algn="ctr" defTabSz="914400" rtl="0" eaLnBrk="1" fontAlgn="base" latinLnBrk="0" hangingPunct="1">
+              <a:lnSpc>
+                <a:spcPct val="100000"/>
+              </a:lnSpc>
+              <a:spcBef>
+                <a:spcPct val="0"/>
+              </a:spcBef>
+              <a:spcAft>
+                <a:spcPct val="0"/>
+              </a:spcAft>
+              <a:buClrTx/>
+              <a:buSzTx/>
+              <a:buFontTx/>
+              <a:buNone/>
+              <a:tabLst/>
+            </a:pPr>
+            <a:r>
+              <a:rPr kumimoji="0" lang="es-MX" sz="1000" b="1" i="0" u="none" strike="noStrike" cap="none" normalizeH="0" baseline="0" dirty="0">
+                <a:ln>
+                  <a:noFill/>
+                </a:ln>
+                <a:solidFill>
+                  <a:schemeClr val="accent1"/>
+                </a:solidFill>
+                <a:effectLst/>
+                <a:latin typeface="Arial" pitchFamily="34" charset="0"/>
+                <a:ea typeface="+mj-ea"/>
+              </a:rPr>
+              <a:t>9%</a:t>
+            </a:r>
+            <a:endParaRPr kumimoji="0" lang="en-US" sz="1000" b="1" i="0" u="none" strike="noStrike" cap="none" normalizeH="0" baseline="0" dirty="0">
+              <a:ln>
+                <a:noFill/>
+              </a:ln>
+              <a:solidFill>
+                <a:schemeClr val="accent1"/>
+              </a:solidFill>
+              <a:effectLst/>
+              <a:latin typeface="Arial" pitchFamily="34" charset="0"/>
+              <a:ea typeface="+mj-ea"/>
+            </a:endParaRPr>
+          </a:p>
+        </p:txBody>
+      </p:sp>
+      <p:sp>
+        <p:nvSpPr>
+          <p:cNvPr id="20" name="Rounded Rectangular Callout 19"/>
+          <p:cNvSpPr/>
+          <p:nvPr/>
+        </p:nvSpPr>
+        <p:spPr bwMode="auto">
+          <a:xfrm>
+            <a:off x="4895318" y="2376033"/>
+            <a:ext cx="1297062" cy="261855"/>
+          </a:xfrm>
+          <a:prstGeom prst="wedgeRoundRectCallout">
+            <a:avLst>
+              <a:gd name="adj1" fmla="val 48517"/>
+              <a:gd name="adj2" fmla="val -149284"/>
+              <a:gd name="adj3" fmla="val 16667"/>
+            </a:avLst>
+          </a:prstGeom>
+          <a:solidFill>
+            <a:srgbClr val="FFFFAB"/>
+          </a:solidFill>
+          <a:ln w="6350" cap="flat" cmpd="sng" algn="ctr">
+            <a:solidFill>
+              <a:srgbClr val="C00000"/>
+            </a:solidFill>
+            <a:prstDash val="dash"/>
+            <a:round/>
+            <a:headEnd type="none" w="med" len="med"/>
+            <a:tailEnd type="none" w="med" len="med"/>
+          </a:ln>
+          <a:effectLst/>
+        </p:spPr>
+        <p:txBody>
+          <a:bodyPr vert="horz" wrap="square" lIns="0" tIns="0" rIns="0" bIns="0" numCol="1" rtlCol="0" anchor="ctr" anchorCtr="0" compatLnSpc="1">
+            <a:prstTxWarp prst="textNoShape">
+              <a:avLst/>
+            </a:prstTxWarp>
+          </a:bodyPr>
+          <a:lstStyle/>
+          <a:p>
+            <a:pPr marL="0" marR="0" indent="0" algn="ctr" defTabSz="914400" rtl="0" eaLnBrk="1" fontAlgn="base" latinLnBrk="0" hangingPunct="1">
+              <a:lnSpc>
+                <a:spcPct val="100000"/>
+              </a:lnSpc>
+              <a:spcBef>
+                <a:spcPct val="0"/>
+              </a:spcBef>
+              <a:spcAft>
+                <a:spcPct val="0"/>
+              </a:spcAft>
+              <a:buClrTx/>
+              <a:buSzTx/>
+              <a:buFontTx/>
+              <a:buNone/>
+              <a:tabLst/>
+            </a:pPr>
+            <a:r>
+              <a:rPr kumimoji="0" lang="en-US" sz="800" b="1" u="none" strike="noStrike" cap="none" normalizeH="0" baseline="0" dirty="0">
+                <a:ln>
+                  <a:noFill/>
+                </a:ln>
+                <a:solidFill>
+                  <a:schemeClr val="tx1"/>
+                </a:solidFill>
+                <a:effectLst/>
+                <a:latin typeface="Arial" pitchFamily="34" charset="0"/>
+                <a:ea typeface="+mj-ea"/>
+              </a:rPr>
+              <a:t>High</a:t>
+            </a:r>
+            <a:r>
+              <a:rPr kumimoji="0" lang="en-US" sz="800" b="1" u="none" strike="noStrike" cap="none" normalizeH="0" dirty="0">
+                <a:ln>
+                  <a:noFill/>
+                </a:ln>
+                <a:solidFill>
+                  <a:schemeClr val="tx1"/>
+                </a:solidFill>
+                <a:effectLst/>
+                <a:latin typeface="Arial" pitchFamily="34" charset="0"/>
+                <a:ea typeface="+mj-ea"/>
+              </a:rPr>
+              <a:t> population density cities</a:t>
+            </a:r>
+            <a:endParaRPr kumimoji="0" lang="en-US" sz="800" b="1" u="none" strike="noStrike" cap="none" normalizeH="0" baseline="0" dirty="0">
+              <a:ln>
+                <a:noFill/>
+              </a:ln>
+              <a:solidFill>
+                <a:schemeClr val="tx1"/>
+              </a:solidFill>
+              <a:effectLst/>
+              <a:latin typeface="Arial" pitchFamily="34" charset="0"/>
+              <a:ea typeface="+mj-ea"/>
+            </a:endParaRPr>
+          </a:p>
+        </p:txBody>
+      </p:sp>
+      <p:sp>
+        <p:nvSpPr>
+          <p:cNvPr id="43" name="Oval 42"/>
+          <p:cNvSpPr/>
+          <p:nvPr/>
+        </p:nvSpPr>
+        <p:spPr bwMode="auto">
+          <a:xfrm>
+            <a:off x="9823094" y="1939354"/>
+            <a:ext cx="822960" cy="203318"/>
+          </a:xfrm>
+          <a:prstGeom prst="ellipse">
+            <a:avLst/>
+          </a:prstGeom>
+          <a:noFill/>
+          <a:ln w="6350" cap="flat" cmpd="sng" algn="ctr">
+            <a:solidFill>
+              <a:schemeClr val="accent1"/>
+            </a:solidFill>
+            <a:prstDash val="dash"/>
+            <a:round/>
+            <a:headEnd type="none" w="med" len="med"/>
+            <a:tailEnd type="none" w="med" len="med"/>
+          </a:ln>
+          <a:effectLst/>
+        </p:spPr>
+        <p:txBody>
+          <a:bodyPr vert="horz" wrap="square" lIns="0" tIns="0" rIns="0" bIns="0" numCol="1" rtlCol="0" anchor="ctr" anchorCtr="0" compatLnSpc="1">
+            <a:prstTxWarp prst="textNoShape">
+              <a:avLst/>
+            </a:prstTxWarp>
+          </a:bodyPr>
+          <a:lstStyle/>
+          <a:p>
+            <a:pPr algn="ctr" fontAlgn="base">
+              <a:spcBef>
+                <a:spcPct val="0"/>
+              </a:spcBef>
+              <a:spcAft>
+                <a:spcPct val="0"/>
+              </a:spcAft>
+            </a:pPr>
+            <a:r>
+              <a:rPr lang="es-MX" sz="1000" b="1" dirty="0">
+                <a:solidFill>
+                  <a:schemeClr val="accent1"/>
+                </a:solidFill>
+                <a:latin typeface="Arial" pitchFamily="34" charset="0"/>
+                <a:ea typeface="+mj-ea"/>
+              </a:rPr>
+              <a:t>12%</a:t>
+            </a:r>
+            <a:endParaRPr lang="en-US" sz="1000" b="1" dirty="0">
+              <a:solidFill>
+                <a:schemeClr val="accent1"/>
+              </a:solidFill>
+              <a:latin typeface="Arial" pitchFamily="34" charset="0"/>
+              <a:ea typeface="+mj-ea"/>
+            </a:endParaRPr>
+          </a:p>
+        </p:txBody>
+      </p:sp>
+      <p:sp>
+        <p:nvSpPr>
+          <p:cNvPr id="44" name="Oval 43"/>
+          <p:cNvSpPr/>
+          <p:nvPr/>
+        </p:nvSpPr>
+        <p:spPr bwMode="auto">
+          <a:xfrm>
+            <a:off x="9823094" y="2164208"/>
+            <a:ext cx="822960" cy="203318"/>
+          </a:xfrm>
+          <a:prstGeom prst="ellipse">
+            <a:avLst/>
+          </a:prstGeom>
+          <a:noFill/>
+          <a:ln w="6350" cap="flat" cmpd="sng" algn="ctr">
+            <a:solidFill>
+              <a:schemeClr val="accent1"/>
+            </a:solidFill>
+            <a:prstDash val="dash"/>
+            <a:round/>
+            <a:headEnd type="none" w="med" len="med"/>
+            <a:tailEnd type="none" w="med" len="med"/>
+          </a:ln>
+          <a:effectLst/>
+        </p:spPr>
+        <p:txBody>
+          <a:bodyPr vert="horz" wrap="square" lIns="0" tIns="0" rIns="0" bIns="0" numCol="1" rtlCol="0" anchor="ctr" anchorCtr="0" compatLnSpc="1">
+            <a:prstTxWarp prst="textNoShape">
+              <a:avLst/>
+            </a:prstTxWarp>
+          </a:bodyPr>
+          <a:lstStyle/>
+          <a:p>
+            <a:pPr algn="ctr" fontAlgn="base">
+              <a:spcBef>
+                <a:spcPct val="0"/>
+              </a:spcBef>
+              <a:spcAft>
+                <a:spcPct val="0"/>
+              </a:spcAft>
+            </a:pPr>
+            <a:r>
+              <a:rPr lang="es-MX" sz="1000" b="1" dirty="0">
+                <a:solidFill>
+                  <a:schemeClr val="accent1"/>
+                </a:solidFill>
+                <a:latin typeface="Arial" pitchFamily="34" charset="0"/>
+                <a:ea typeface="+mj-ea"/>
+              </a:rPr>
+              <a:t>2%</a:t>
+            </a:r>
+            <a:endParaRPr lang="en-US" sz="1000" b="1" dirty="0">
+              <a:solidFill>
+                <a:schemeClr val="accent1"/>
+              </a:solidFill>
+              <a:latin typeface="Arial" pitchFamily="34" charset="0"/>
+              <a:ea typeface="+mj-ea"/>
+            </a:endParaRPr>
+          </a:p>
+        </p:txBody>
+      </p:sp>
+      <p:sp>
+        <p:nvSpPr>
+          <p:cNvPr id="45" name="Oval 44"/>
+          <p:cNvSpPr/>
+          <p:nvPr/>
+        </p:nvSpPr>
+        <p:spPr bwMode="auto">
+          <a:xfrm>
+            <a:off x="9823094" y="2389062"/>
+            <a:ext cx="822960" cy="203318"/>
+          </a:xfrm>
+          <a:prstGeom prst="ellipse">
+            <a:avLst/>
+          </a:prstGeom>
+          <a:noFill/>
+          <a:ln w="6350" cap="flat" cmpd="sng" algn="ctr">
+            <a:solidFill>
+              <a:schemeClr val="accent1"/>
+            </a:solidFill>
+            <a:prstDash val="dash"/>
+            <a:round/>
+            <a:headEnd type="none" w="med" len="med"/>
+            <a:tailEnd type="none" w="med" len="med"/>
+          </a:ln>
+          <a:effectLst/>
+        </p:spPr>
+        <p:txBody>
+          <a:bodyPr vert="horz" wrap="square" lIns="0" tIns="0" rIns="0" bIns="0" numCol="1" rtlCol="0" anchor="ctr" anchorCtr="0" compatLnSpc="1">
+            <a:prstTxWarp prst="textNoShape">
+              <a:avLst/>
+            </a:prstTxWarp>
+          </a:bodyPr>
+          <a:lstStyle/>
+          <a:p>
+            <a:pPr algn="ctr" fontAlgn="base">
+              <a:spcBef>
+                <a:spcPct val="0"/>
+              </a:spcBef>
+              <a:spcAft>
+                <a:spcPct val="0"/>
+              </a:spcAft>
+            </a:pPr>
+            <a:r>
+              <a:rPr lang="es-MX" sz="1000" b="1" dirty="0">
+                <a:solidFill>
+                  <a:schemeClr val="accent1"/>
+                </a:solidFill>
+                <a:latin typeface="Arial" pitchFamily="34" charset="0"/>
+                <a:ea typeface="+mj-ea"/>
+              </a:rPr>
+              <a:t>16%</a:t>
+            </a:r>
+            <a:endParaRPr lang="en-US" sz="1000" b="1" dirty="0">
+              <a:solidFill>
+                <a:schemeClr val="accent1"/>
+              </a:solidFill>
+              <a:latin typeface="Arial" pitchFamily="34" charset="0"/>
+              <a:ea typeface="+mj-ea"/>
+            </a:endParaRPr>
+          </a:p>
+        </p:txBody>
+      </p:sp>
+      <p:sp>
+        <p:nvSpPr>
+          <p:cNvPr id="46" name="Oval 45"/>
+          <p:cNvSpPr/>
+          <p:nvPr/>
+        </p:nvSpPr>
+        <p:spPr bwMode="auto">
+          <a:xfrm>
+            <a:off x="9823094" y="2613916"/>
+            <a:ext cx="822960" cy="203318"/>
+          </a:xfrm>
+          <a:prstGeom prst="ellipse">
+            <a:avLst/>
+          </a:prstGeom>
+          <a:noFill/>
+          <a:ln w="6350" cap="flat" cmpd="sng" algn="ctr">
+            <a:solidFill>
+              <a:schemeClr val="accent1"/>
+            </a:solidFill>
+            <a:prstDash val="dash"/>
+            <a:round/>
+            <a:headEnd type="none" w="med" len="med"/>
+            <a:tailEnd type="none" w="med" len="med"/>
+          </a:ln>
+          <a:effectLst/>
+        </p:spPr>
+        <p:txBody>
+          <a:bodyPr vert="horz" wrap="square" lIns="0" tIns="0" rIns="0" bIns="0" numCol="1" rtlCol="0" anchor="ctr" anchorCtr="0" compatLnSpc="1">
+            <a:prstTxWarp prst="textNoShape">
+              <a:avLst/>
+            </a:prstTxWarp>
+          </a:bodyPr>
+          <a:lstStyle/>
+          <a:p>
+            <a:pPr algn="ctr" fontAlgn="base">
+              <a:spcBef>
+                <a:spcPct val="0"/>
+              </a:spcBef>
+              <a:spcAft>
+                <a:spcPct val="0"/>
+              </a:spcAft>
+            </a:pPr>
+            <a:r>
+              <a:rPr lang="es-MX" sz="1000" b="1" dirty="0">
+                <a:solidFill>
+                  <a:schemeClr val="accent1"/>
+                </a:solidFill>
+                <a:latin typeface="Arial" pitchFamily="34" charset="0"/>
+                <a:ea typeface="+mj-ea"/>
+              </a:rPr>
+              <a:t>19%</a:t>
+            </a:r>
+            <a:endParaRPr lang="en-US" sz="1000" b="1" dirty="0">
+              <a:solidFill>
+                <a:schemeClr val="accent1"/>
+              </a:solidFill>
+              <a:latin typeface="Arial" pitchFamily="34" charset="0"/>
+              <a:ea typeface="+mj-ea"/>
+            </a:endParaRPr>
+          </a:p>
+        </p:txBody>
+      </p:sp>
+      <p:sp>
+        <p:nvSpPr>
+          <p:cNvPr id="47" name="Oval 46"/>
+          <p:cNvSpPr/>
+          <p:nvPr/>
+        </p:nvSpPr>
+        <p:spPr bwMode="auto">
+          <a:xfrm>
+            <a:off x="9823094" y="2838770"/>
+            <a:ext cx="822960" cy="203318"/>
+          </a:xfrm>
+          <a:prstGeom prst="ellipse">
+            <a:avLst/>
+          </a:prstGeom>
+          <a:noFill/>
+          <a:ln w="6350" cap="flat" cmpd="sng" algn="ctr">
+            <a:solidFill>
+              <a:schemeClr val="accent1"/>
+            </a:solidFill>
+            <a:prstDash val="dash"/>
+            <a:round/>
+            <a:headEnd type="none" w="med" len="med"/>
+            <a:tailEnd type="none" w="med" len="med"/>
+          </a:ln>
+          <a:effectLst/>
+        </p:spPr>
+        <p:txBody>
+          <a:bodyPr vert="horz" wrap="square" lIns="0" tIns="0" rIns="0" bIns="0" numCol="1" rtlCol="0" anchor="ctr" anchorCtr="0" compatLnSpc="1">
+            <a:prstTxWarp prst="textNoShape">
+              <a:avLst/>
+            </a:prstTxWarp>
+          </a:bodyPr>
+          <a:lstStyle/>
+          <a:p>
+            <a:pPr algn="ctr" fontAlgn="base">
+              <a:spcBef>
+                <a:spcPct val="0"/>
+              </a:spcBef>
+              <a:spcAft>
+                <a:spcPct val="0"/>
+              </a:spcAft>
+            </a:pPr>
+            <a:r>
+              <a:rPr lang="es-MX" sz="1000" b="1" dirty="0">
+                <a:solidFill>
+                  <a:schemeClr val="accent1"/>
+                </a:solidFill>
+                <a:latin typeface="Arial" pitchFamily="34" charset="0"/>
+                <a:ea typeface="+mj-ea"/>
+              </a:rPr>
+              <a:t>20%</a:t>
+            </a:r>
+            <a:endParaRPr lang="en-US" sz="1000" b="1" dirty="0">
+              <a:solidFill>
+                <a:schemeClr val="accent1"/>
+              </a:solidFill>
+              <a:latin typeface="Arial" pitchFamily="34" charset="0"/>
+              <a:ea typeface="+mj-ea"/>
+            </a:endParaRPr>
+          </a:p>
+        </p:txBody>
+      </p:sp>
+      <p:sp>
+        <p:nvSpPr>
+          <p:cNvPr id="48" name="Oval 47"/>
+          <p:cNvSpPr/>
+          <p:nvPr/>
+        </p:nvSpPr>
+        <p:spPr bwMode="auto">
+          <a:xfrm>
+            <a:off x="9823094" y="3063624"/>
+            <a:ext cx="822960" cy="203318"/>
+          </a:xfrm>
+          <a:prstGeom prst="ellipse">
+            <a:avLst/>
+          </a:prstGeom>
+          <a:noFill/>
+          <a:ln w="6350" cap="flat" cmpd="sng" algn="ctr">
+            <a:solidFill>
+              <a:schemeClr val="accent1"/>
+            </a:solidFill>
+            <a:prstDash val="dash"/>
+            <a:round/>
+            <a:headEnd type="none" w="med" len="med"/>
+            <a:tailEnd type="none" w="med" len="med"/>
+          </a:ln>
+          <a:effectLst/>
+        </p:spPr>
+        <p:txBody>
+          <a:bodyPr vert="horz" wrap="square" lIns="0" tIns="0" rIns="0" bIns="0" numCol="1" rtlCol="0" anchor="ctr" anchorCtr="0" compatLnSpc="1">
+            <a:prstTxWarp prst="textNoShape">
+              <a:avLst/>
+            </a:prstTxWarp>
+          </a:bodyPr>
+          <a:lstStyle/>
+          <a:p>
+            <a:pPr algn="ctr" fontAlgn="base">
+              <a:spcBef>
+                <a:spcPct val="0"/>
+              </a:spcBef>
+              <a:spcAft>
+                <a:spcPct val="0"/>
+              </a:spcAft>
+            </a:pPr>
+            <a:r>
+              <a:rPr lang="es-MX" sz="1000" b="1" dirty="0">
+                <a:solidFill>
+                  <a:schemeClr val="accent1"/>
+                </a:solidFill>
+                <a:latin typeface="Arial" pitchFamily="34" charset="0"/>
+                <a:ea typeface="+mj-ea"/>
+              </a:rPr>
+              <a:t>17%</a:t>
+            </a:r>
+            <a:endParaRPr lang="en-US" sz="1000" b="1" dirty="0">
+              <a:solidFill>
+                <a:schemeClr val="accent1"/>
+              </a:solidFill>
+              <a:latin typeface="Arial" pitchFamily="34" charset="0"/>
+              <a:ea typeface="+mj-ea"/>
+            </a:endParaRPr>
+          </a:p>
+        </p:txBody>
+      </p:sp>
+      <p:sp>
+        <p:nvSpPr>
+          <p:cNvPr id="49" name="Oval 48"/>
+          <p:cNvSpPr/>
+          <p:nvPr/>
+        </p:nvSpPr>
+        <p:spPr bwMode="auto">
+          <a:xfrm>
+            <a:off x="9823094" y="3288478"/>
+            <a:ext cx="822960" cy="203318"/>
+          </a:xfrm>
+          <a:prstGeom prst="ellipse">
+            <a:avLst/>
+          </a:prstGeom>
+          <a:noFill/>
+          <a:ln w="6350" cap="flat" cmpd="sng" algn="ctr">
+            <a:solidFill>
+              <a:schemeClr val="accent1"/>
+            </a:solidFill>
+            <a:prstDash val="dash"/>
+            <a:round/>
+            <a:headEnd type="none" w="med" len="med"/>
+            <a:tailEnd type="none" w="med" len="med"/>
+          </a:ln>
+          <a:effectLst/>
+        </p:spPr>
+        <p:txBody>
+          <a:bodyPr vert="horz" wrap="square" lIns="0" tIns="0" rIns="0" bIns="0" numCol="1" rtlCol="0" anchor="ctr" anchorCtr="0" compatLnSpc="1">
+            <a:prstTxWarp prst="textNoShape">
+              <a:avLst/>
+            </a:prstTxWarp>
+          </a:bodyPr>
+          <a:lstStyle/>
+          <a:p>
+            <a:pPr algn="ctr" fontAlgn="base">
+              <a:spcBef>
+                <a:spcPct val="0"/>
+              </a:spcBef>
+              <a:spcAft>
+                <a:spcPct val="0"/>
+              </a:spcAft>
+            </a:pPr>
+            <a:r>
+              <a:rPr lang="es-MX" sz="1000" b="1" dirty="0">
+                <a:solidFill>
+                  <a:schemeClr val="accent1"/>
+                </a:solidFill>
+                <a:latin typeface="Arial" pitchFamily="34" charset="0"/>
+                <a:ea typeface="+mj-ea"/>
+              </a:rPr>
+              <a:t>21%</a:t>
+            </a:r>
+            <a:endParaRPr lang="en-US" sz="1000" b="1" dirty="0">
+              <a:solidFill>
+                <a:schemeClr val="accent1"/>
+              </a:solidFill>
+              <a:latin typeface="Arial" pitchFamily="34" charset="0"/>
+              <a:ea typeface="+mj-ea"/>
+            </a:endParaRPr>
+          </a:p>
+        </p:txBody>
+      </p:sp>
+      <p:sp>
+        <p:nvSpPr>
+          <p:cNvPr id="50" name="Oval 49"/>
+          <p:cNvSpPr/>
+          <p:nvPr/>
+        </p:nvSpPr>
+        <p:spPr bwMode="auto">
+          <a:xfrm>
+            <a:off x="9823094" y="3513332"/>
+            <a:ext cx="822960" cy="203318"/>
+          </a:xfrm>
+          <a:prstGeom prst="ellipse">
+            <a:avLst/>
+          </a:prstGeom>
+          <a:noFill/>
+          <a:ln w="6350" cap="flat" cmpd="sng" algn="ctr">
+            <a:solidFill>
+              <a:schemeClr val="accent1"/>
+            </a:solidFill>
+            <a:prstDash val="dash"/>
+            <a:round/>
+            <a:headEnd type="none" w="med" len="med"/>
+            <a:tailEnd type="none" w="med" len="med"/>
+          </a:ln>
+          <a:effectLst/>
+        </p:spPr>
+        <p:txBody>
+          <a:bodyPr vert="horz" wrap="square" lIns="0" tIns="0" rIns="0" bIns="0" numCol="1" rtlCol="0" anchor="ctr" anchorCtr="0" compatLnSpc="1">
+            <a:prstTxWarp prst="textNoShape">
+              <a:avLst/>
+            </a:prstTxWarp>
+          </a:bodyPr>
+          <a:lstStyle/>
+          <a:p>
+            <a:pPr algn="ctr" fontAlgn="base">
+              <a:spcBef>
+                <a:spcPct val="0"/>
+              </a:spcBef>
+              <a:spcAft>
+                <a:spcPct val="0"/>
+              </a:spcAft>
+            </a:pPr>
+            <a:r>
+              <a:rPr lang="es-MX" sz="1000" b="1" dirty="0">
+                <a:solidFill>
+                  <a:schemeClr val="accent1"/>
+                </a:solidFill>
+                <a:latin typeface="Arial" pitchFamily="34" charset="0"/>
+                <a:ea typeface="+mj-ea"/>
+              </a:rPr>
+              <a:t>11%</a:t>
+            </a:r>
+            <a:endParaRPr lang="en-US" sz="1000" b="1" dirty="0">
+              <a:solidFill>
+                <a:schemeClr val="accent1"/>
+              </a:solidFill>
+              <a:latin typeface="Arial" pitchFamily="34" charset="0"/>
+              <a:ea typeface="+mj-ea"/>
+            </a:endParaRPr>
+          </a:p>
+        </p:txBody>
+      </p:sp>
+      <p:sp>
+        <p:nvSpPr>
+          <p:cNvPr id="51" name="Oval 50"/>
+          <p:cNvSpPr/>
+          <p:nvPr/>
+        </p:nvSpPr>
+        <p:spPr bwMode="auto">
+          <a:xfrm>
+            <a:off x="9823094" y="3738186"/>
+            <a:ext cx="822960" cy="203318"/>
+          </a:xfrm>
+          <a:prstGeom prst="ellipse">
+            <a:avLst/>
+          </a:prstGeom>
+          <a:noFill/>
+          <a:ln w="6350" cap="flat" cmpd="sng" algn="ctr">
+            <a:solidFill>
+              <a:schemeClr val="accent1"/>
+            </a:solidFill>
+            <a:prstDash val="dash"/>
+            <a:round/>
+            <a:headEnd type="none" w="med" len="med"/>
+            <a:tailEnd type="none" w="med" len="med"/>
+          </a:ln>
+          <a:effectLst/>
+        </p:spPr>
+        <p:txBody>
+          <a:bodyPr vert="horz" wrap="square" lIns="0" tIns="0" rIns="0" bIns="0" numCol="1" rtlCol="0" anchor="ctr" anchorCtr="0" compatLnSpc="1">
+            <a:prstTxWarp prst="textNoShape">
+              <a:avLst/>
+            </a:prstTxWarp>
+          </a:bodyPr>
+          <a:lstStyle/>
+          <a:p>
+            <a:pPr algn="ctr" fontAlgn="base">
+              <a:spcBef>
+                <a:spcPct val="0"/>
+              </a:spcBef>
+              <a:spcAft>
+                <a:spcPct val="0"/>
+              </a:spcAft>
+            </a:pPr>
+            <a:r>
+              <a:rPr lang="es-MX" sz="1000" b="1" dirty="0">
+                <a:solidFill>
+                  <a:schemeClr val="accent1"/>
+                </a:solidFill>
+                <a:latin typeface="Arial" pitchFamily="34" charset="0"/>
+                <a:ea typeface="+mj-ea"/>
+              </a:rPr>
+              <a:t>28%</a:t>
+            </a:r>
+            <a:endParaRPr lang="en-US" sz="1000" b="1" dirty="0">
+              <a:solidFill>
+                <a:schemeClr val="accent1"/>
+              </a:solidFill>
+              <a:latin typeface="Arial" pitchFamily="34" charset="0"/>
+              <a:ea typeface="+mj-ea"/>
+            </a:endParaRPr>
+          </a:p>
+        </p:txBody>
+      </p:sp>
+      <p:sp>
+        <p:nvSpPr>
+          <p:cNvPr id="52" name="Oval 51"/>
+          <p:cNvSpPr/>
+          <p:nvPr/>
+        </p:nvSpPr>
+        <p:spPr bwMode="auto">
+          <a:xfrm>
+            <a:off x="9823094" y="3963040"/>
+            <a:ext cx="822960" cy="203318"/>
+          </a:xfrm>
+          <a:prstGeom prst="ellipse">
+            <a:avLst/>
+          </a:prstGeom>
+          <a:noFill/>
+          <a:ln w="6350" cap="flat" cmpd="sng" algn="ctr">
+            <a:solidFill>
+              <a:schemeClr val="accent1"/>
+            </a:solidFill>
+            <a:prstDash val="dash"/>
+            <a:round/>
+            <a:headEnd type="none" w="med" len="med"/>
+            <a:tailEnd type="none" w="med" len="med"/>
+          </a:ln>
+          <a:effectLst/>
+        </p:spPr>
+        <p:txBody>
+          <a:bodyPr vert="horz" wrap="square" lIns="0" tIns="0" rIns="0" bIns="0" numCol="1" rtlCol="0" anchor="ctr" anchorCtr="0" compatLnSpc="1">
+            <a:prstTxWarp prst="textNoShape">
+              <a:avLst/>
+            </a:prstTxWarp>
+          </a:bodyPr>
+          <a:lstStyle/>
+          <a:p>
+            <a:pPr algn="ctr" fontAlgn="base">
+              <a:spcBef>
+                <a:spcPct val="0"/>
+              </a:spcBef>
+              <a:spcAft>
+                <a:spcPct val="0"/>
+              </a:spcAft>
+            </a:pPr>
+            <a:r>
+              <a:rPr lang="es-MX" sz="1000" b="1" dirty="0">
+                <a:solidFill>
+                  <a:schemeClr val="accent1"/>
+                </a:solidFill>
+                <a:latin typeface="Arial" pitchFamily="34" charset="0"/>
+                <a:ea typeface="+mj-ea"/>
+              </a:rPr>
+              <a:t>15%</a:t>
+            </a:r>
+            <a:endParaRPr lang="en-US" sz="1000" b="1" dirty="0">
+              <a:solidFill>
+                <a:schemeClr val="accent1"/>
+              </a:solidFill>
+              <a:latin typeface="Arial" pitchFamily="34" charset="0"/>
+              <a:ea typeface="+mj-ea"/>
+            </a:endParaRPr>
+          </a:p>
+        </p:txBody>
+      </p:sp>
+      <p:sp>
+        <p:nvSpPr>
+          <p:cNvPr id="53" name="Oval 52"/>
+          <p:cNvSpPr/>
+          <p:nvPr/>
+        </p:nvSpPr>
+        <p:spPr bwMode="auto">
+          <a:xfrm>
+            <a:off x="9823094" y="4187894"/>
+            <a:ext cx="822960" cy="203318"/>
+          </a:xfrm>
+          <a:prstGeom prst="ellipse">
+            <a:avLst/>
+          </a:prstGeom>
+          <a:noFill/>
+          <a:ln w="6350" cap="flat" cmpd="sng" algn="ctr">
+            <a:solidFill>
+              <a:schemeClr val="accent1"/>
+            </a:solidFill>
+            <a:prstDash val="dash"/>
+            <a:round/>
+            <a:headEnd type="none" w="med" len="med"/>
+            <a:tailEnd type="none" w="med" len="med"/>
+          </a:ln>
+          <a:effectLst/>
+        </p:spPr>
+        <p:txBody>
+          <a:bodyPr vert="horz" wrap="square" lIns="0" tIns="0" rIns="0" bIns="0" numCol="1" rtlCol="0" anchor="ctr" anchorCtr="0" compatLnSpc="1">
+            <a:prstTxWarp prst="textNoShape">
+              <a:avLst/>
+            </a:prstTxWarp>
+          </a:bodyPr>
+          <a:lstStyle/>
+          <a:p>
+            <a:pPr algn="ctr" fontAlgn="base">
+              <a:spcBef>
+                <a:spcPct val="0"/>
+              </a:spcBef>
+              <a:spcAft>
+                <a:spcPct val="0"/>
+              </a:spcAft>
+            </a:pPr>
+            <a:r>
+              <a:rPr lang="es-MX" sz="1000" b="1" dirty="0">
+                <a:solidFill>
+                  <a:schemeClr val="accent1"/>
+                </a:solidFill>
+                <a:latin typeface="Arial" pitchFamily="34" charset="0"/>
+                <a:ea typeface="+mj-ea"/>
+              </a:rPr>
+              <a:t>26%</a:t>
+            </a:r>
+            <a:endParaRPr lang="en-US" sz="1000" b="1" dirty="0">
+              <a:solidFill>
+                <a:schemeClr val="accent1"/>
+              </a:solidFill>
+              <a:latin typeface="Arial" pitchFamily="34" charset="0"/>
+              <a:ea typeface="+mj-ea"/>
+            </a:endParaRPr>
+          </a:p>
+        </p:txBody>
+      </p:sp>
+      <p:sp>
+        <p:nvSpPr>
+          <p:cNvPr id="54" name="Oval 53"/>
+          <p:cNvSpPr/>
+          <p:nvPr/>
+        </p:nvSpPr>
+        <p:spPr bwMode="auto">
+          <a:xfrm>
+            <a:off x="9823094" y="4412748"/>
+            <a:ext cx="822960" cy="203318"/>
+          </a:xfrm>
+          <a:prstGeom prst="ellipse">
+            <a:avLst/>
+          </a:prstGeom>
+          <a:noFill/>
+          <a:ln w="6350" cap="flat" cmpd="sng" algn="ctr">
+            <a:solidFill>
+              <a:schemeClr val="accent1"/>
+            </a:solidFill>
+            <a:prstDash val="dash"/>
+            <a:round/>
+            <a:headEnd type="none" w="med" len="med"/>
+            <a:tailEnd type="none" w="med" len="med"/>
+          </a:ln>
+          <a:effectLst/>
+        </p:spPr>
+        <p:txBody>
+          <a:bodyPr vert="horz" wrap="square" lIns="0" tIns="0" rIns="0" bIns="0" numCol="1" rtlCol="0" anchor="ctr" anchorCtr="0" compatLnSpc="1">
+            <a:prstTxWarp prst="textNoShape">
+              <a:avLst/>
+            </a:prstTxWarp>
+          </a:bodyPr>
+          <a:lstStyle/>
+          <a:p>
+            <a:pPr algn="ctr" fontAlgn="base">
+              <a:spcBef>
+                <a:spcPct val="0"/>
+              </a:spcBef>
+              <a:spcAft>
+                <a:spcPct val="0"/>
+              </a:spcAft>
+            </a:pPr>
+            <a:r>
+              <a:rPr lang="es-MX" sz="1000" b="1" dirty="0">
+                <a:solidFill>
+                  <a:schemeClr val="accent1"/>
+                </a:solidFill>
+                <a:latin typeface="Arial" pitchFamily="34" charset="0"/>
+                <a:ea typeface="+mj-ea"/>
+              </a:rPr>
+              <a:t>9%</a:t>
+            </a:r>
+            <a:endParaRPr lang="en-US" sz="1000" b="1" dirty="0">
+              <a:solidFill>
+                <a:schemeClr val="accent1"/>
+              </a:solidFill>
+              <a:latin typeface="Arial" pitchFamily="34" charset="0"/>
+              <a:ea typeface="+mj-ea"/>
+            </a:endParaRPr>
+          </a:p>
+        </p:txBody>
+      </p:sp>
+      <p:sp>
+        <p:nvSpPr>
+          <p:cNvPr id="55" name="Oval 54"/>
+          <p:cNvSpPr/>
+          <p:nvPr/>
+        </p:nvSpPr>
+        <p:spPr bwMode="auto">
+          <a:xfrm>
+            <a:off x="9823094" y="4637602"/>
+            <a:ext cx="822960" cy="203318"/>
+          </a:xfrm>
+          <a:prstGeom prst="ellipse">
+            <a:avLst/>
+          </a:prstGeom>
+          <a:noFill/>
+          <a:ln w="6350" cap="flat" cmpd="sng" algn="ctr">
+            <a:solidFill>
+              <a:schemeClr val="accent1"/>
+            </a:solidFill>
+            <a:prstDash val="dash"/>
+            <a:round/>
+            <a:headEnd type="none" w="med" len="med"/>
+            <a:tailEnd type="none" w="med" len="med"/>
+          </a:ln>
+          <a:effectLst/>
+        </p:spPr>
+        <p:txBody>
+          <a:bodyPr vert="horz" wrap="square" lIns="0" tIns="0" rIns="0" bIns="0" numCol="1" rtlCol="0" anchor="ctr" anchorCtr="0" compatLnSpc="1">
+            <a:prstTxWarp prst="textNoShape">
+              <a:avLst/>
+            </a:prstTxWarp>
+          </a:bodyPr>
+          <a:lstStyle/>
+          <a:p>
+            <a:pPr algn="ctr" fontAlgn="base">
+              <a:spcBef>
+                <a:spcPct val="0"/>
+              </a:spcBef>
+              <a:spcAft>
+                <a:spcPct val="0"/>
+              </a:spcAft>
+            </a:pPr>
+            <a:r>
+              <a:rPr lang="es-MX" sz="1000" b="1" dirty="0">
+                <a:solidFill>
+                  <a:schemeClr val="accent1"/>
+                </a:solidFill>
+                <a:latin typeface="Arial" pitchFamily="34" charset="0"/>
+                <a:ea typeface="+mj-ea"/>
+              </a:rPr>
+              <a:t>30%</a:t>
+            </a:r>
+            <a:endParaRPr lang="en-US" sz="1000" b="1" dirty="0">
+              <a:solidFill>
+                <a:schemeClr val="accent1"/>
+              </a:solidFill>
+              <a:latin typeface="Arial" pitchFamily="34" charset="0"/>
+              <a:ea typeface="+mj-ea"/>
+            </a:endParaRPr>
+          </a:p>
+        </p:txBody>
+      </p:sp>
+      <p:sp>
+        <p:nvSpPr>
+          <p:cNvPr id="56" name="Oval 55"/>
+          <p:cNvSpPr/>
+          <p:nvPr/>
+        </p:nvSpPr>
+        <p:spPr bwMode="auto">
+          <a:xfrm>
+            <a:off x="9823094" y="4862456"/>
+            <a:ext cx="822960" cy="203318"/>
+          </a:xfrm>
+          <a:prstGeom prst="ellipse">
+            <a:avLst/>
+          </a:prstGeom>
+          <a:noFill/>
+          <a:ln w="6350" cap="flat" cmpd="sng" algn="ctr">
+            <a:solidFill>
+              <a:schemeClr val="accent1"/>
+            </a:solidFill>
+            <a:prstDash val="dash"/>
+            <a:round/>
+            <a:headEnd type="none" w="med" len="med"/>
+            <a:tailEnd type="none" w="med" len="med"/>
+          </a:ln>
+          <a:effectLst/>
+        </p:spPr>
+        <p:txBody>
+          <a:bodyPr vert="horz" wrap="square" lIns="0" tIns="0" rIns="0" bIns="0" numCol="1" rtlCol="0" anchor="ctr" anchorCtr="0" compatLnSpc="1">
+            <a:prstTxWarp prst="textNoShape">
+              <a:avLst/>
+            </a:prstTxWarp>
+          </a:bodyPr>
+          <a:lstStyle/>
+          <a:p>
+            <a:pPr algn="ctr" fontAlgn="base">
+              <a:spcBef>
+                <a:spcPct val="0"/>
+              </a:spcBef>
+              <a:spcAft>
+                <a:spcPct val="0"/>
+              </a:spcAft>
+            </a:pPr>
+            <a:r>
+              <a:rPr lang="es-MX" sz="1000" b="1" dirty="0">
+                <a:solidFill>
+                  <a:schemeClr val="accent1"/>
+                </a:solidFill>
+                <a:latin typeface="Arial" pitchFamily="34" charset="0"/>
+                <a:ea typeface="+mj-ea"/>
+              </a:rPr>
+              <a:t>26%</a:t>
+            </a:r>
+            <a:endParaRPr lang="en-US" sz="1000" b="1" dirty="0">
+              <a:solidFill>
+                <a:schemeClr val="accent1"/>
+              </a:solidFill>
+              <a:latin typeface="Arial" pitchFamily="34" charset="0"/>
+              <a:ea typeface="+mj-ea"/>
+            </a:endParaRPr>
+          </a:p>
+        </p:txBody>
+      </p:sp>
+      <p:sp>
+        <p:nvSpPr>
+          <p:cNvPr id="57" name="Oval 56"/>
+          <p:cNvSpPr/>
+          <p:nvPr/>
+        </p:nvSpPr>
+        <p:spPr bwMode="auto">
+          <a:xfrm>
+            <a:off x="9823094" y="5087310"/>
+            <a:ext cx="822960" cy="203318"/>
+          </a:xfrm>
+          <a:prstGeom prst="ellipse">
+            <a:avLst/>
+          </a:prstGeom>
+          <a:noFill/>
+          <a:ln w="6350" cap="flat" cmpd="sng" algn="ctr">
+            <a:solidFill>
+              <a:schemeClr val="accent1"/>
+            </a:solidFill>
+            <a:prstDash val="dash"/>
+            <a:round/>
+            <a:headEnd type="none" w="med" len="med"/>
+            <a:tailEnd type="none" w="med" len="med"/>
+          </a:ln>
+          <a:effectLst/>
+        </p:spPr>
+        <p:txBody>
+          <a:bodyPr vert="horz" wrap="square" lIns="0" tIns="0" rIns="0" bIns="0" numCol="1" rtlCol="0" anchor="ctr" anchorCtr="0" compatLnSpc="1">
+            <a:prstTxWarp prst="textNoShape">
+              <a:avLst/>
+            </a:prstTxWarp>
+          </a:bodyPr>
+          <a:lstStyle/>
+          <a:p>
+            <a:pPr algn="ctr" fontAlgn="base">
+              <a:spcBef>
+                <a:spcPct val="0"/>
+              </a:spcBef>
+              <a:spcAft>
+                <a:spcPct val="0"/>
+              </a:spcAft>
+            </a:pPr>
+            <a:r>
+              <a:rPr lang="es-MX" sz="1000" b="1" dirty="0">
+                <a:solidFill>
+                  <a:schemeClr val="accent1"/>
+                </a:solidFill>
+                <a:latin typeface="Arial" pitchFamily="34" charset="0"/>
+                <a:ea typeface="+mj-ea"/>
+              </a:rPr>
+              <a:t>18%</a:t>
+            </a:r>
+            <a:endParaRPr lang="en-US" sz="1000" b="1" dirty="0">
+              <a:solidFill>
+                <a:schemeClr val="accent1"/>
+              </a:solidFill>
+              <a:latin typeface="Arial" pitchFamily="34" charset="0"/>
+              <a:ea typeface="+mj-ea"/>
+            </a:endParaRPr>
+          </a:p>
+        </p:txBody>
+      </p:sp>
+      <p:sp>
+        <p:nvSpPr>
+          <p:cNvPr id="58" name="Oval 57"/>
+          <p:cNvSpPr/>
+          <p:nvPr/>
+        </p:nvSpPr>
+        <p:spPr bwMode="auto">
+          <a:xfrm>
+            <a:off x="9823094" y="5312164"/>
+            <a:ext cx="822960" cy="203318"/>
+          </a:xfrm>
+          <a:prstGeom prst="ellipse">
+            <a:avLst/>
+          </a:prstGeom>
+          <a:noFill/>
+          <a:ln w="6350" cap="flat" cmpd="sng" algn="ctr">
+            <a:solidFill>
+              <a:schemeClr val="accent1"/>
+            </a:solidFill>
+            <a:prstDash val="dash"/>
+            <a:round/>
+            <a:headEnd type="none" w="med" len="med"/>
+            <a:tailEnd type="none" w="med" len="med"/>
+          </a:ln>
+          <a:effectLst/>
+        </p:spPr>
+        <p:txBody>
+          <a:bodyPr vert="horz" wrap="square" lIns="0" tIns="0" rIns="0" bIns="0" numCol="1" rtlCol="0" anchor="ctr" anchorCtr="0" compatLnSpc="1">
+            <a:prstTxWarp prst="textNoShape">
+              <a:avLst/>
+            </a:prstTxWarp>
+          </a:bodyPr>
+          <a:lstStyle/>
+          <a:p>
+            <a:pPr algn="ctr" fontAlgn="base">
+              <a:spcBef>
+                <a:spcPct val="0"/>
+              </a:spcBef>
+              <a:spcAft>
+                <a:spcPct val="0"/>
+              </a:spcAft>
+            </a:pPr>
+            <a:r>
+              <a:rPr lang="es-MX" sz="1000" b="1" dirty="0">
+                <a:solidFill>
+                  <a:schemeClr val="accent1"/>
+                </a:solidFill>
+                <a:latin typeface="Arial" pitchFamily="34" charset="0"/>
+                <a:ea typeface="+mj-ea"/>
+              </a:rPr>
+              <a:t>24%</a:t>
+            </a:r>
+            <a:endParaRPr lang="en-US" sz="1000" b="1" dirty="0">
+              <a:solidFill>
+                <a:schemeClr val="accent1"/>
+              </a:solidFill>
+              <a:latin typeface="Arial" pitchFamily="34" charset="0"/>
+              <a:ea typeface="+mj-ea"/>
+            </a:endParaRPr>
+          </a:p>
+        </p:txBody>
+      </p:sp>
+      <p:sp>
+        <p:nvSpPr>
+          <p:cNvPr id="61" name="Oval 60"/>
+          <p:cNvSpPr/>
+          <p:nvPr/>
+        </p:nvSpPr>
+        <p:spPr bwMode="auto">
+          <a:xfrm>
+            <a:off x="9823094" y="5537018"/>
+            <a:ext cx="822960" cy="203318"/>
+          </a:xfrm>
+          <a:prstGeom prst="ellipse">
+            <a:avLst/>
+          </a:prstGeom>
+          <a:noFill/>
+          <a:ln w="6350" cap="flat" cmpd="sng" algn="ctr">
+            <a:solidFill>
+              <a:schemeClr val="accent1"/>
+            </a:solidFill>
+            <a:prstDash val="dash"/>
+            <a:round/>
+            <a:headEnd type="none" w="med" len="med"/>
+            <a:tailEnd type="none" w="med" len="med"/>
+          </a:ln>
+          <a:effectLst/>
+        </p:spPr>
+        <p:txBody>
+          <a:bodyPr vert="horz" wrap="square" lIns="0" tIns="0" rIns="0" bIns="0" numCol="1" rtlCol="0" anchor="ctr" anchorCtr="0" compatLnSpc="1">
+            <a:prstTxWarp prst="textNoShape">
+              <a:avLst/>
+            </a:prstTxWarp>
+          </a:bodyPr>
+          <a:lstStyle/>
+          <a:p>
+            <a:pPr algn="ctr" fontAlgn="base">
+              <a:spcBef>
+                <a:spcPct val="0"/>
+              </a:spcBef>
+              <a:spcAft>
+                <a:spcPct val="0"/>
+              </a:spcAft>
+            </a:pPr>
+            <a:r>
+              <a:rPr lang="es-MX" sz="1000" b="1" dirty="0">
+                <a:solidFill>
+                  <a:schemeClr val="accent1"/>
+                </a:solidFill>
+                <a:latin typeface="Arial" pitchFamily="34" charset="0"/>
+                <a:ea typeface="+mj-ea"/>
+              </a:rPr>
+              <a:t>22%</a:t>
+            </a:r>
+            <a:endParaRPr lang="en-US" sz="1000" b="1" dirty="0">
+              <a:solidFill>
+                <a:schemeClr val="accent1"/>
+              </a:solidFill>
+              <a:latin typeface="Arial" pitchFamily="34" charset="0"/>
+              <a:ea typeface="+mj-ea"/>
+            </a:endParaRPr>
+          </a:p>
+        </p:txBody>
+      </p:sp>
+      <p:sp>
+        <p:nvSpPr>
+          <p:cNvPr id="62" name="Oval 61"/>
+          <p:cNvSpPr/>
+          <p:nvPr/>
+        </p:nvSpPr>
+        <p:spPr bwMode="auto">
+          <a:xfrm>
+            <a:off x="9823094" y="5761872"/>
+            <a:ext cx="822960" cy="203318"/>
+          </a:xfrm>
+          <a:prstGeom prst="ellipse">
+            <a:avLst/>
+          </a:prstGeom>
+          <a:noFill/>
+          <a:ln w="6350" cap="flat" cmpd="sng" algn="ctr">
+            <a:solidFill>
+              <a:schemeClr val="accent1"/>
+            </a:solidFill>
+            <a:prstDash val="dash"/>
+            <a:round/>
+            <a:headEnd type="none" w="med" len="med"/>
+            <a:tailEnd type="none" w="med" len="med"/>
+          </a:ln>
+          <a:effectLst/>
+        </p:spPr>
+        <p:txBody>
+          <a:bodyPr vert="horz" wrap="square" lIns="0" tIns="0" rIns="0" bIns="0" numCol="1" rtlCol="0" anchor="ctr" anchorCtr="0" compatLnSpc="1">
+            <a:prstTxWarp prst="textNoShape">
+              <a:avLst/>
+            </a:prstTxWarp>
+          </a:bodyPr>
+          <a:lstStyle/>
+          <a:p>
+            <a:pPr algn="ctr" fontAlgn="base">
+              <a:spcBef>
+                <a:spcPct val="0"/>
+              </a:spcBef>
+              <a:spcAft>
+                <a:spcPct val="0"/>
+              </a:spcAft>
+            </a:pPr>
+            <a:r>
+              <a:rPr lang="es-MX" sz="1000" b="1" dirty="0">
+                <a:solidFill>
+                  <a:schemeClr val="accent1"/>
+                </a:solidFill>
+                <a:latin typeface="Arial" pitchFamily="34" charset="0"/>
+                <a:ea typeface="+mj-ea"/>
+              </a:rPr>
+              <a:t>8%</a:t>
+            </a:r>
+            <a:endParaRPr lang="en-US" sz="1000" b="1" dirty="0">
+              <a:solidFill>
+                <a:schemeClr val="accent1"/>
+              </a:solidFill>
+              <a:latin typeface="Arial" pitchFamily="34" charset="0"/>
+              <a:ea typeface="+mj-ea"/>
+            </a:endParaRPr>
+          </a:p>
+        </p:txBody>
+      </p:sp>
+      <p:sp>
+        <p:nvSpPr>
+          <p:cNvPr id="63" name="Oval 62"/>
+          <p:cNvSpPr/>
+          <p:nvPr/>
+        </p:nvSpPr>
+        <p:spPr bwMode="auto">
+          <a:xfrm>
+            <a:off x="9823094" y="5986721"/>
+            <a:ext cx="822960" cy="203318"/>
+          </a:xfrm>
+          <a:prstGeom prst="ellipse">
+            <a:avLst/>
+          </a:prstGeom>
+          <a:noFill/>
+          <a:ln w="6350" cap="flat" cmpd="sng" algn="ctr">
+            <a:solidFill>
+              <a:schemeClr val="accent1"/>
+            </a:solidFill>
+            <a:prstDash val="dash"/>
+            <a:round/>
+            <a:headEnd type="none" w="med" len="med"/>
+            <a:tailEnd type="none" w="med" len="med"/>
+          </a:ln>
+          <a:effectLst/>
+        </p:spPr>
+        <p:txBody>
+          <a:bodyPr vert="horz" wrap="square" lIns="0" tIns="0" rIns="0" bIns="0" numCol="1" rtlCol="0" anchor="ctr" anchorCtr="0" compatLnSpc="1">
+            <a:prstTxWarp prst="textNoShape">
+              <a:avLst/>
+            </a:prstTxWarp>
+          </a:bodyPr>
+          <a:lstStyle/>
+          <a:p>
+            <a:pPr algn="ctr" fontAlgn="base">
+              <a:spcBef>
+                <a:spcPct val="0"/>
+              </a:spcBef>
+              <a:spcAft>
+                <a:spcPct val="0"/>
+              </a:spcAft>
+            </a:pPr>
+            <a:r>
+              <a:rPr lang="es-MX" sz="1000" b="1" dirty="0">
+                <a:solidFill>
+                  <a:schemeClr val="accent1"/>
+                </a:solidFill>
+                <a:latin typeface="Arial" pitchFamily="34" charset="0"/>
+                <a:ea typeface="+mj-ea"/>
+              </a:rPr>
+              <a:t>30%</a:t>
+            </a:r>
+            <a:endParaRPr lang="en-US" sz="1000" b="1" dirty="0">
+              <a:solidFill>
+                <a:schemeClr val="accent1"/>
+              </a:solidFill>
+              <a:latin typeface="Arial" pitchFamily="34" charset="0"/>
+              <a:ea typeface="+mj-ea"/>
+            </a:endParaRPr>
+          </a:p>
+        </p:txBody>
+      </p:sp>
+      <p:sp>
+        <p:nvSpPr>
+          <p:cNvPr id="38" name="Rectangle 37"/>
+          <p:cNvSpPr/>
+          <p:nvPr/>
+        </p:nvSpPr>
+        <p:spPr bwMode="auto">
+          <a:xfrm>
+            <a:off x="10237573" y="6283411"/>
+            <a:ext cx="1736124" cy="375414"/>
+          </a:xfrm>
+          <a:prstGeom prst="rect">
+            <a:avLst/>
+          </a:prstGeom>
+          <a:solidFill>
+            <a:schemeClr val="bg1"/>
+          </a:solidFill>
+          <a:ln w="6350" cap="flat" cmpd="sng" algn="ctr">
+            <a:solidFill>
+              <a:schemeClr val="bg1"/>
+            </a:solidFill>
+            <a:prstDash val="solid"/>
+            <a:round/>
+            <a:headEnd type="none" w="med" len="med"/>
+            <a:tailEnd type="none" w="med" len="med"/>
+          </a:ln>
+          <a:effectLst/>
+        </p:spPr>
+        <p:txBody>
+          <a:bodyPr vert="horz" wrap="none" lIns="91440" tIns="45720" rIns="91440" bIns="45720" numCol="1" rtlCol="0" anchor="ctr" anchorCtr="0" compatLnSpc="1">
+            <a:prstTxWarp prst="textNoShape">
+              <a:avLst/>
+            </a:prstTxWarp>
+          </a:bodyPr>
+          <a:lstStyle/>
+          <a:p>
+            <a:pPr marL="0" marR="0" indent="0" algn="ctr" defTabSz="914400" rtl="0" eaLnBrk="1" fontAlgn="base" latinLnBrk="0" hangingPunct="1">
+              <a:lnSpc>
+                <a:spcPct val="100000"/>
+              </a:lnSpc>
+              <a:spcBef>
+                <a:spcPct val="0"/>
+              </a:spcBef>
+              <a:spcAft>
+                <a:spcPct val="0"/>
+              </a:spcAft>
+              <a:buClrTx/>
+              <a:buSzTx/>
+              <a:buFontTx/>
+              <a:buNone/>
+              <a:tabLst/>
+            </a:pPr>
+            <a:endParaRPr kumimoji="0" lang="en-US" sz="1400" b="0" i="0" u="none" strike="noStrike" cap="none" normalizeH="0" baseline="0" dirty="0">
+              <a:ln>
+                <a:noFill/>
+              </a:ln>
+              <a:solidFill>
+                <a:schemeClr val="tx1"/>
+              </a:solidFill>
+              <a:effectLst/>
+              <a:latin typeface="Arial" pitchFamily="34" charset="0"/>
+              <a:ea typeface="+mj-ea"/>
+            </a:endParaRPr>
+          </a:p>
+        </p:txBody>
+      </p:sp>
     </p:spTree>
     <p:extLst>
       <p:ext uri="{BB962C8B-B14F-4D97-AF65-F5344CB8AC3E}">
-        <p14:creationId xmlns:p14="http://schemas.microsoft.com/office/powerpoint/2010/main" val="1869355409"/>
+        <p14:creationId xmlns:p14="http://schemas.microsoft.com/office/powerpoint/2010/main" val="2679532925"/>
       </p:ext>
     </p:extLst>
   </p:cSld>
@@ -21398,7 +21398,7 @@
           <a:graphicData uri="http://schemas.openxmlformats.org/presentationml/2006/ole">
             <mc:AlternateContent xmlns:mc="http://schemas.openxmlformats.org/markup-compatibility/2006">
               <mc:Choice xmlns:v="urn:schemas-microsoft-com:vml" Requires="v">
-                <p:oleObj spid="_x0000_s55327" name="think-cell Slide" r:id="rId5" imgW="473" imgH="473" progId="TCLayout.ActiveDocument.1">
+                <p:oleObj spid="_x0000_s55329" name="think-cell Slide" r:id="rId5" imgW="473" imgH="473" progId="TCLayout.ActiveDocument.1">
                   <p:embed/>
                 </p:oleObj>
               </mc:Choice>
@@ -26250,11 +26250,11 @@
 </file>
 
 <file path=customXml/item2.xml><?xml version="1.0" encoding="utf-8"?>
-<XMLData TextToDisplay="RightsWATCHMark">8|CITI-No PII-Internal|{00000000-0000-0000-0000-000000000000}</XMLData>
+<XMLData TextToDisplay="%CLASSIFICATIONDATETIME%">15:04 15/05/2020</XMLData>
 </file>
 
 <file path=customXml/item3.xml><?xml version="1.0" encoding="utf-8"?>
-<XMLData TextToDisplay="%CLASSIFICATIONDATETIME%">15:04 15/05/2020</XMLData>
+<XMLData TextToDisplay="RightsWATCHMark">8|CITI-No PII-Internal|{00000000-0000-0000-0000-000000000000}</XMLData>
 </file>
 
 <file path=customXml/itemProps1.xml><?xml version="1.0" encoding="utf-8"?>
@@ -26264,13 +26264,13 @@
 </file>
 
 <file path=customXml/itemProps2.xml><?xml version="1.0" encoding="utf-8"?>
-<ds:datastoreItem xmlns:ds="http://schemas.openxmlformats.org/officeDocument/2006/customXml" ds:itemID="{7DE38A00-790F-4C6D-98C3-457AEE210FE8}">
+<ds:datastoreItem xmlns:ds="http://schemas.openxmlformats.org/officeDocument/2006/customXml" ds:itemID="{9DD98D10-4B39-4445-A0E8-745469C6D8B3}">
   <ds:schemaRefs/>
 </ds:datastoreItem>
 </file>
 
 <file path=customXml/itemProps3.xml><?xml version="1.0" encoding="utf-8"?>
-<ds:datastoreItem xmlns:ds="http://schemas.openxmlformats.org/officeDocument/2006/customXml" ds:itemID="{9DD98D10-4B39-4445-A0E8-745469C6D8B3}">
+<ds:datastoreItem xmlns:ds="http://schemas.openxmlformats.org/officeDocument/2006/customXml" ds:itemID="{7DE38A00-790F-4C6D-98C3-457AEE210FE8}">
   <ds:schemaRefs/>
 </ds:datastoreItem>
 </file>